--- a/Presentations/2024-07-25/BabyBonds-2024-07-25.pptx
+++ b/Presentations/2024-07-25/BabyBonds-2024-07-25.pptx
@@ -1,11 +1,14 @@
 
 <file path=ppt/presentation.xml><?xml version="1.0" encoding="utf-8"?>
-<p:presentation xmlns:a="http://schemas.openxmlformats.org/drawingml/2006/main" xmlns:p="http://schemas.openxmlformats.org/presentationml/2006/main" xmlns:r="http://schemas.openxmlformats.org/officeDocument/2006/relationships" autoCompressPictures="0" saveSubsetFonts="1" showSpecialPlsOnTitleSld="0">
+<p:presentation xmlns:a="http://schemas.openxmlformats.org/drawingml/2006/main" xmlns:r="http://schemas.openxmlformats.org/officeDocument/2006/relationships" xmlns:p="http://schemas.openxmlformats.org/presentationml/2006/main" showSpecialPlsOnTitleSld="0" saveSubsetFonts="1" autoCompressPictures="0">
   <p:sldMasterIdLst>
     <p:sldMasterId id="2147483648" r:id="rId1"/>
   </p:sldMasterIdLst>
+  <p:notesMasterIdLst>
+    <p:notesMasterId r:id="rId46"/>
+  </p:notesMasterIdLst>
   <p:sldIdLst>
-    <p:sldId id="256" r:id="rId2"/>
+    <p:sldId id="465" r:id="rId2"/>
     <p:sldId id="257" r:id="rId3"/>
     <p:sldId id="258" r:id="rId4"/>
     <p:sldId id="259" r:id="rId5"/>
@@ -49,10 +52,6 @@
     <p:sldId id="297" r:id="rId43"/>
     <p:sldId id="298" r:id="rId44"/>
     <p:sldId id="299" r:id="rId45"/>
-    <p:sldId id="300" r:id="rId46"/>
-    <p:sldId id="301" r:id="rId47"/>
-    <p:sldId id="302" r:id="rId48"/>
-    <p:sldId id="303" r:id="rId49"/>
   </p:sldIdLst>
   <p:sldSz cx="12192000" cy="6858000"/>
   <p:notesSz cx="7010400" cy="9296400"/>
@@ -60,8 +59,8 @@
     <a:defPPr>
       <a:defRPr lang="en-US"/>
     </a:defPPr>
-    <a:lvl1pPr algn="l" defTabSz="914400" eaLnBrk="1" hangingPunct="1" latinLnBrk="0" marL="0" rtl="0">
-      <a:defRPr kern="1200" sz="1800">
+    <a:lvl1pPr marL="0" algn="l" defTabSz="914400" rtl="0" eaLnBrk="1" latinLnBrk="0" hangingPunct="1">
+      <a:defRPr sz="1800" kern="1200">
         <a:solidFill>
           <a:schemeClr val="tx1"/>
         </a:solidFill>
@@ -70,8 +69,8 @@
         <a:cs typeface="+mn-cs"/>
       </a:defRPr>
     </a:lvl1pPr>
-    <a:lvl2pPr algn="l" defTabSz="914400" eaLnBrk="1" hangingPunct="1" latinLnBrk="0" marL="457200" rtl="0">
-      <a:defRPr kern="1200" sz="1800">
+    <a:lvl2pPr marL="457200" algn="l" defTabSz="914400" rtl="0" eaLnBrk="1" latinLnBrk="0" hangingPunct="1">
+      <a:defRPr sz="1800" kern="1200">
         <a:solidFill>
           <a:schemeClr val="tx1"/>
         </a:solidFill>
@@ -80,8 +79,8 @@
         <a:cs typeface="+mn-cs"/>
       </a:defRPr>
     </a:lvl2pPr>
-    <a:lvl3pPr algn="l" defTabSz="914400" eaLnBrk="1" hangingPunct="1" latinLnBrk="0" marL="914400" rtl="0">
-      <a:defRPr kern="1200" sz="1800">
+    <a:lvl3pPr marL="914400" algn="l" defTabSz="914400" rtl="0" eaLnBrk="1" latinLnBrk="0" hangingPunct="1">
+      <a:defRPr sz="1800" kern="1200">
         <a:solidFill>
           <a:schemeClr val="tx1"/>
         </a:solidFill>
@@ -90,8 +89,8 @@
         <a:cs typeface="+mn-cs"/>
       </a:defRPr>
     </a:lvl3pPr>
-    <a:lvl4pPr algn="l" defTabSz="914400" eaLnBrk="1" hangingPunct="1" latinLnBrk="0" marL="1371600" rtl="0">
-      <a:defRPr kern="1200" sz="1800">
+    <a:lvl4pPr marL="1371600" algn="l" defTabSz="914400" rtl="0" eaLnBrk="1" latinLnBrk="0" hangingPunct="1">
+      <a:defRPr sz="1800" kern="1200">
         <a:solidFill>
           <a:schemeClr val="tx1"/>
         </a:solidFill>
@@ -100,8 +99,8 @@
         <a:cs typeface="+mn-cs"/>
       </a:defRPr>
     </a:lvl4pPr>
-    <a:lvl5pPr algn="l" defTabSz="914400" eaLnBrk="1" hangingPunct="1" latinLnBrk="0" marL="1828800" rtl="0">
-      <a:defRPr kern="1200" sz="1800">
+    <a:lvl5pPr marL="1828800" algn="l" defTabSz="914400" rtl="0" eaLnBrk="1" latinLnBrk="0" hangingPunct="1">
+      <a:defRPr sz="1800" kern="1200">
         <a:solidFill>
           <a:schemeClr val="tx1"/>
         </a:solidFill>
@@ -110,8 +109,8 @@
         <a:cs typeface="+mn-cs"/>
       </a:defRPr>
     </a:lvl5pPr>
-    <a:lvl6pPr algn="l" defTabSz="914400" eaLnBrk="1" hangingPunct="1" latinLnBrk="0" marL="2286000" rtl="0">
-      <a:defRPr kern="1200" sz="1800">
+    <a:lvl6pPr marL="2286000" algn="l" defTabSz="914400" rtl="0" eaLnBrk="1" latinLnBrk="0" hangingPunct="1">
+      <a:defRPr sz="1800" kern="1200">
         <a:solidFill>
           <a:schemeClr val="tx1"/>
         </a:solidFill>
@@ -120,8 +119,8 @@
         <a:cs typeface="+mn-cs"/>
       </a:defRPr>
     </a:lvl6pPr>
-    <a:lvl7pPr algn="l" defTabSz="914400" eaLnBrk="1" hangingPunct="1" latinLnBrk="0" marL="2743200" rtl="0">
-      <a:defRPr kern="1200" sz="1800">
+    <a:lvl7pPr marL="2743200" algn="l" defTabSz="914400" rtl="0" eaLnBrk="1" latinLnBrk="0" hangingPunct="1">
+      <a:defRPr sz="1800" kern="1200">
         <a:solidFill>
           <a:schemeClr val="tx1"/>
         </a:solidFill>
@@ -130,8 +129,8 @@
         <a:cs typeface="+mn-cs"/>
       </a:defRPr>
     </a:lvl7pPr>
-    <a:lvl8pPr algn="l" defTabSz="914400" eaLnBrk="1" hangingPunct="1" latinLnBrk="0" marL="3200400" rtl="0">
-      <a:defRPr kern="1200" sz="1800">
+    <a:lvl8pPr marL="3200400" algn="l" defTabSz="914400" rtl="0" eaLnBrk="1" latinLnBrk="0" hangingPunct="1">
+      <a:defRPr sz="1800" kern="1200">
         <a:solidFill>
           <a:schemeClr val="tx1"/>
         </a:solidFill>
@@ -140,8 +139,8 @@
         <a:cs typeface="+mn-cs"/>
       </a:defRPr>
     </a:lvl8pPr>
-    <a:lvl9pPr algn="l" defTabSz="914400" eaLnBrk="1" hangingPunct="1" latinLnBrk="0" marL="3657600" rtl="0">
-      <a:defRPr kern="1200" sz="1800">
+    <a:lvl9pPr marL="3657600" algn="l" defTabSz="914400" rtl="0" eaLnBrk="1" latinLnBrk="0" hangingPunct="1">
+      <a:defRPr sz="1800" kern="1200">
         <a:solidFill>
           <a:schemeClr val="tx1"/>
         </a:solidFill>
@@ -171,6 +170,439 @@
     </p:ext>
   </p:extLst>
 </p:presentation>
+</file>
+
+<file path=ppt/notesMasters/notesMaster1.xml><?xml version="1.0" encoding="utf-8"?>
+<p:notesMaster xmlns:a="http://schemas.openxmlformats.org/drawingml/2006/main" xmlns:r="http://schemas.openxmlformats.org/officeDocument/2006/relationships" xmlns:p="http://schemas.openxmlformats.org/presentationml/2006/main">
+  <p:cSld>
+    <p:bg>
+      <p:bgRef idx="1001">
+        <a:schemeClr val="bg1"/>
+      </p:bgRef>
+    </p:bg>
+    <p:spTree>
+      <p:nvGrpSpPr>
+        <p:cNvPr id="1" name=""/>
+        <p:cNvGrpSpPr/>
+        <p:nvPr/>
+      </p:nvGrpSpPr>
+      <p:grpSpPr>
+        <a:xfrm>
+          <a:off x="0" y="0"/>
+          <a:ext cx="0" cy="0"/>
+          <a:chOff x="0" y="0"/>
+          <a:chExt cx="0" cy="0"/>
+        </a:xfrm>
+      </p:grpSpPr>
+      <p:sp>
+        <p:nvSpPr>
+          <p:cNvPr id="2" name="Header Placeholder 1"/>
+          <p:cNvSpPr>
+            <a:spLocks noGrp="1"/>
+          </p:cNvSpPr>
+          <p:nvPr>
+            <p:ph type="hdr" sz="quarter"/>
+          </p:nvPr>
+        </p:nvSpPr>
+        <p:spPr>
+          <a:xfrm>
+            <a:off x="0" y="0"/>
+            <a:ext cx="3038475" cy="466725"/>
+          </a:xfrm>
+          <a:prstGeom prst="rect">
+            <a:avLst/>
+          </a:prstGeom>
+        </p:spPr>
+        <p:txBody>
+          <a:bodyPr vert="horz" lIns="91440" tIns="45720" rIns="91440" bIns="45720" rtlCol="0"/>
+          <a:lstStyle>
+            <a:lvl1pPr algn="l">
+              <a:defRPr sz="1200"/>
+            </a:lvl1pPr>
+          </a:lstStyle>
+          <a:p>
+            <a:endParaRPr lang="en-US"/>
+          </a:p>
+        </p:txBody>
+      </p:sp>
+      <p:sp>
+        <p:nvSpPr>
+          <p:cNvPr id="3" name="Date Placeholder 2"/>
+          <p:cNvSpPr>
+            <a:spLocks noGrp="1"/>
+          </p:cNvSpPr>
+          <p:nvPr>
+            <p:ph type="dt" idx="1"/>
+          </p:nvPr>
+        </p:nvSpPr>
+        <p:spPr>
+          <a:xfrm>
+            <a:off x="3970338" y="0"/>
+            <a:ext cx="3038475" cy="466725"/>
+          </a:xfrm>
+          <a:prstGeom prst="rect">
+            <a:avLst/>
+          </a:prstGeom>
+        </p:spPr>
+        <p:txBody>
+          <a:bodyPr vert="horz" lIns="91440" tIns="45720" rIns="91440" bIns="45720" rtlCol="0"/>
+          <a:lstStyle>
+            <a:lvl1pPr algn="r">
+              <a:defRPr sz="1200"/>
+            </a:lvl1pPr>
+          </a:lstStyle>
+          <a:p>
+            <a:fld id="{0F094177-0E92-4F4F-BDF7-2EADBDC9CC7F}" type="datetimeFigureOut">
+              <a:rPr lang="en-US" smtClean="0"/>
+              <a:t>7/24/2024</a:t>
+            </a:fld>
+            <a:endParaRPr lang="en-US"/>
+          </a:p>
+        </p:txBody>
+      </p:sp>
+      <p:sp>
+        <p:nvSpPr>
+          <p:cNvPr id="4" name="Slide Image Placeholder 3"/>
+          <p:cNvSpPr>
+            <a:spLocks noGrp="1" noRot="1" noChangeAspect="1"/>
+          </p:cNvSpPr>
+          <p:nvPr>
+            <p:ph type="sldImg" idx="2"/>
+          </p:nvPr>
+        </p:nvSpPr>
+        <p:spPr>
+          <a:xfrm>
+            <a:off x="717550" y="1162050"/>
+            <a:ext cx="5575300" cy="3136900"/>
+          </a:xfrm>
+          <a:prstGeom prst="rect">
+            <a:avLst/>
+          </a:prstGeom>
+          <a:noFill/>
+          <a:ln w="12700">
+            <a:solidFill>
+              <a:prstClr val="black"/>
+            </a:solidFill>
+          </a:ln>
+        </p:spPr>
+        <p:txBody>
+          <a:bodyPr vert="horz" lIns="91440" tIns="45720" rIns="91440" bIns="45720" rtlCol="0" anchor="ctr"/>
+          <a:lstStyle/>
+          <a:p>
+            <a:endParaRPr lang="en-US"/>
+          </a:p>
+        </p:txBody>
+      </p:sp>
+      <p:sp>
+        <p:nvSpPr>
+          <p:cNvPr id="5" name="Notes Placeholder 4"/>
+          <p:cNvSpPr>
+            <a:spLocks noGrp="1"/>
+          </p:cNvSpPr>
+          <p:nvPr>
+            <p:ph type="body" sz="quarter" idx="3"/>
+          </p:nvPr>
+        </p:nvSpPr>
+        <p:spPr>
+          <a:xfrm>
+            <a:off x="701675" y="4473575"/>
+            <a:ext cx="5607050" cy="3660775"/>
+          </a:xfrm>
+          <a:prstGeom prst="rect">
+            <a:avLst/>
+          </a:prstGeom>
+        </p:spPr>
+        <p:txBody>
+          <a:bodyPr vert="horz" lIns="91440" tIns="45720" rIns="91440" bIns="45720" rtlCol="0"/>
+          <a:lstStyle/>
+          <a:p>
+            <a:pPr lvl="0"/>
+            <a:r>
+              <a:rPr lang="en-US"/>
+              <a:t>Click to edit Master text styles</a:t>
+            </a:r>
+          </a:p>
+          <a:p>
+            <a:pPr lvl="1"/>
+            <a:r>
+              <a:rPr lang="en-US"/>
+              <a:t>Second level</a:t>
+            </a:r>
+          </a:p>
+          <a:p>
+            <a:pPr lvl="2"/>
+            <a:r>
+              <a:rPr lang="en-US"/>
+              <a:t>Third level</a:t>
+            </a:r>
+          </a:p>
+          <a:p>
+            <a:pPr lvl="3"/>
+            <a:r>
+              <a:rPr lang="en-US"/>
+              <a:t>Fourth level</a:t>
+            </a:r>
+          </a:p>
+          <a:p>
+            <a:pPr lvl="4"/>
+            <a:r>
+              <a:rPr lang="en-US"/>
+              <a:t>Fifth level</a:t>
+            </a:r>
+          </a:p>
+        </p:txBody>
+      </p:sp>
+      <p:sp>
+        <p:nvSpPr>
+          <p:cNvPr id="6" name="Footer Placeholder 5"/>
+          <p:cNvSpPr>
+            <a:spLocks noGrp="1"/>
+          </p:cNvSpPr>
+          <p:nvPr>
+            <p:ph type="ftr" sz="quarter" idx="4"/>
+          </p:nvPr>
+        </p:nvSpPr>
+        <p:spPr>
+          <a:xfrm>
+            <a:off x="0" y="8829675"/>
+            <a:ext cx="3038475" cy="466725"/>
+          </a:xfrm>
+          <a:prstGeom prst="rect">
+            <a:avLst/>
+          </a:prstGeom>
+        </p:spPr>
+        <p:txBody>
+          <a:bodyPr vert="horz" lIns="91440" tIns="45720" rIns="91440" bIns="45720" rtlCol="0" anchor="b"/>
+          <a:lstStyle>
+            <a:lvl1pPr algn="l">
+              <a:defRPr sz="1200"/>
+            </a:lvl1pPr>
+          </a:lstStyle>
+          <a:p>
+            <a:endParaRPr lang="en-US"/>
+          </a:p>
+        </p:txBody>
+      </p:sp>
+      <p:sp>
+        <p:nvSpPr>
+          <p:cNvPr id="7" name="Slide Number Placeholder 6"/>
+          <p:cNvSpPr>
+            <a:spLocks noGrp="1"/>
+          </p:cNvSpPr>
+          <p:nvPr>
+            <p:ph type="sldNum" sz="quarter" idx="5"/>
+          </p:nvPr>
+        </p:nvSpPr>
+        <p:spPr>
+          <a:xfrm>
+            <a:off x="3970338" y="8829675"/>
+            <a:ext cx="3038475" cy="466725"/>
+          </a:xfrm>
+          <a:prstGeom prst="rect">
+            <a:avLst/>
+          </a:prstGeom>
+        </p:spPr>
+        <p:txBody>
+          <a:bodyPr vert="horz" lIns="91440" tIns="45720" rIns="91440" bIns="45720" rtlCol="0" anchor="b"/>
+          <a:lstStyle>
+            <a:lvl1pPr algn="r">
+              <a:defRPr sz="1200"/>
+            </a:lvl1pPr>
+          </a:lstStyle>
+          <a:p>
+            <a:fld id="{72BFB432-321F-4B8E-A74B-1B87B1FD8239}" type="slidenum">
+              <a:rPr lang="en-US" smtClean="0"/>
+              <a:t>‹#›</a:t>
+            </a:fld>
+            <a:endParaRPr lang="en-US"/>
+          </a:p>
+        </p:txBody>
+      </p:sp>
+    </p:spTree>
+    <p:extLst>
+      <p:ext uri="{BB962C8B-B14F-4D97-AF65-F5344CB8AC3E}">
+        <p14:creationId xmlns:p14="http://schemas.microsoft.com/office/powerpoint/2010/main" val="3801624003"/>
+      </p:ext>
+    </p:extLst>
+  </p:cSld>
+  <p:clrMap bg1="lt1" tx1="dk1" bg2="lt2" tx2="dk2" accent1="accent1" accent2="accent2" accent3="accent3" accent4="accent4" accent5="accent5" accent6="accent6" hlink="hlink" folHlink="folHlink"/>
+  <p:notesStyle>
+    <a:lvl1pPr marL="0" algn="l" defTabSz="914400" rtl="0" eaLnBrk="1" latinLnBrk="0" hangingPunct="1">
+      <a:defRPr sz="1200" kern="1200">
+        <a:solidFill>
+          <a:schemeClr val="tx1"/>
+        </a:solidFill>
+        <a:latin typeface="+mn-lt"/>
+        <a:ea typeface="+mn-ea"/>
+        <a:cs typeface="+mn-cs"/>
+      </a:defRPr>
+    </a:lvl1pPr>
+    <a:lvl2pPr marL="457200" algn="l" defTabSz="914400" rtl="0" eaLnBrk="1" latinLnBrk="0" hangingPunct="1">
+      <a:defRPr sz="1200" kern="1200">
+        <a:solidFill>
+          <a:schemeClr val="tx1"/>
+        </a:solidFill>
+        <a:latin typeface="+mn-lt"/>
+        <a:ea typeface="+mn-ea"/>
+        <a:cs typeface="+mn-cs"/>
+      </a:defRPr>
+    </a:lvl2pPr>
+    <a:lvl3pPr marL="914400" algn="l" defTabSz="914400" rtl="0" eaLnBrk="1" latinLnBrk="0" hangingPunct="1">
+      <a:defRPr sz="1200" kern="1200">
+        <a:solidFill>
+          <a:schemeClr val="tx1"/>
+        </a:solidFill>
+        <a:latin typeface="+mn-lt"/>
+        <a:ea typeface="+mn-ea"/>
+        <a:cs typeface="+mn-cs"/>
+      </a:defRPr>
+    </a:lvl3pPr>
+    <a:lvl4pPr marL="1371600" algn="l" defTabSz="914400" rtl="0" eaLnBrk="1" latinLnBrk="0" hangingPunct="1">
+      <a:defRPr sz="1200" kern="1200">
+        <a:solidFill>
+          <a:schemeClr val="tx1"/>
+        </a:solidFill>
+        <a:latin typeface="+mn-lt"/>
+        <a:ea typeface="+mn-ea"/>
+        <a:cs typeface="+mn-cs"/>
+      </a:defRPr>
+    </a:lvl4pPr>
+    <a:lvl5pPr marL="1828800" algn="l" defTabSz="914400" rtl="0" eaLnBrk="1" latinLnBrk="0" hangingPunct="1">
+      <a:defRPr sz="1200" kern="1200">
+        <a:solidFill>
+          <a:schemeClr val="tx1"/>
+        </a:solidFill>
+        <a:latin typeface="+mn-lt"/>
+        <a:ea typeface="+mn-ea"/>
+        <a:cs typeface="+mn-cs"/>
+      </a:defRPr>
+    </a:lvl5pPr>
+    <a:lvl6pPr marL="2286000" algn="l" defTabSz="914400" rtl="0" eaLnBrk="1" latinLnBrk="0" hangingPunct="1">
+      <a:defRPr sz="1200" kern="1200">
+        <a:solidFill>
+          <a:schemeClr val="tx1"/>
+        </a:solidFill>
+        <a:latin typeface="+mn-lt"/>
+        <a:ea typeface="+mn-ea"/>
+        <a:cs typeface="+mn-cs"/>
+      </a:defRPr>
+    </a:lvl6pPr>
+    <a:lvl7pPr marL="2743200" algn="l" defTabSz="914400" rtl="0" eaLnBrk="1" latinLnBrk="0" hangingPunct="1">
+      <a:defRPr sz="1200" kern="1200">
+        <a:solidFill>
+          <a:schemeClr val="tx1"/>
+        </a:solidFill>
+        <a:latin typeface="+mn-lt"/>
+        <a:ea typeface="+mn-ea"/>
+        <a:cs typeface="+mn-cs"/>
+      </a:defRPr>
+    </a:lvl7pPr>
+    <a:lvl8pPr marL="3200400" algn="l" defTabSz="914400" rtl="0" eaLnBrk="1" latinLnBrk="0" hangingPunct="1">
+      <a:defRPr sz="1200" kern="1200">
+        <a:solidFill>
+          <a:schemeClr val="tx1"/>
+        </a:solidFill>
+        <a:latin typeface="+mn-lt"/>
+        <a:ea typeface="+mn-ea"/>
+        <a:cs typeface="+mn-cs"/>
+      </a:defRPr>
+    </a:lvl8pPr>
+    <a:lvl9pPr marL="3657600" algn="l" defTabSz="914400" rtl="0" eaLnBrk="1" latinLnBrk="0" hangingPunct="1">
+      <a:defRPr sz="1200" kern="1200">
+        <a:solidFill>
+          <a:schemeClr val="tx1"/>
+        </a:solidFill>
+        <a:latin typeface="+mn-lt"/>
+        <a:ea typeface="+mn-ea"/>
+        <a:cs typeface="+mn-cs"/>
+      </a:defRPr>
+    </a:lvl9pPr>
+  </p:notesStyle>
+</p:notesMaster>
+</file>
+
+<file path=ppt/notesSlides/notesSlide1.xml><?xml version="1.0" encoding="utf-8"?>
+<p:notes xmlns:a="http://schemas.openxmlformats.org/drawingml/2006/main" xmlns:r="http://schemas.openxmlformats.org/officeDocument/2006/relationships" xmlns:p="http://schemas.openxmlformats.org/presentationml/2006/main">
+  <p:cSld>
+    <p:spTree>
+      <p:nvGrpSpPr>
+        <p:cNvPr id="1" name=""/>
+        <p:cNvGrpSpPr/>
+        <p:nvPr/>
+      </p:nvGrpSpPr>
+      <p:grpSpPr>
+        <a:xfrm>
+          <a:off x="0" y="0"/>
+          <a:ext cx="0" cy="0"/>
+          <a:chOff x="0" y="0"/>
+          <a:chExt cx="0" cy="0"/>
+        </a:xfrm>
+      </p:grpSpPr>
+      <p:sp>
+        <p:nvSpPr>
+          <p:cNvPr id="2" name="Slide Image Placeholder 1"/>
+          <p:cNvSpPr>
+            <a:spLocks noGrp="1" noRot="1" noChangeAspect="1"/>
+          </p:cNvSpPr>
+          <p:nvPr>
+            <p:ph type="sldImg"/>
+          </p:nvPr>
+        </p:nvSpPr>
+        <p:spPr/>
+      </p:sp>
+      <p:sp>
+        <p:nvSpPr>
+          <p:cNvPr id="3" name="Notes Placeholder 2"/>
+          <p:cNvSpPr>
+            <a:spLocks noGrp="1"/>
+          </p:cNvSpPr>
+          <p:nvPr>
+            <p:ph type="body" idx="1"/>
+          </p:nvPr>
+        </p:nvSpPr>
+        <p:spPr/>
+        <p:txBody>
+          <a:bodyPr/>
+          <a:lstStyle/>
+          <a:p>
+            <a:endParaRPr lang="en-US"/>
+          </a:p>
+        </p:txBody>
+      </p:sp>
+      <p:sp>
+        <p:nvSpPr>
+          <p:cNvPr id="4" name="Slide Number Placeholder 3"/>
+          <p:cNvSpPr>
+            <a:spLocks noGrp="1"/>
+          </p:cNvSpPr>
+          <p:nvPr>
+            <p:ph type="sldNum" sz="quarter" idx="10"/>
+          </p:nvPr>
+        </p:nvSpPr>
+        <p:spPr/>
+        <p:txBody>
+          <a:bodyPr/>
+          <a:lstStyle/>
+          <a:p>
+            <a:fld id="{EC910B79-A433-044A-A8FC-6C2E1104D2AB}" type="slidenum">
+              <a:rPr lang="en-US" smtClean="0"/>
+              <a:t>1</a:t>
+            </a:fld>
+            <a:endParaRPr lang="en-US"/>
+          </a:p>
+        </p:txBody>
+      </p:sp>
+    </p:spTree>
+    <p:extLst>
+      <p:ext uri="{BB962C8B-B14F-4D97-AF65-F5344CB8AC3E}">
+        <p14:creationId xmlns:p14="http://schemas.microsoft.com/office/powerpoint/2010/main" val="930050693"/>
+      </p:ext>
+    </p:extLst>
+  </p:cSld>
+  <p:clrMapOvr>
+    <a:masterClrMapping/>
+  </p:clrMapOvr>
+</p:notes>
 </file>
 
 <file path=ppt/slideLayouts/slideLayout1.xml><?xml version="1.0" encoding="utf-8"?>
@@ -807,7 +1239,7 @@
             <a:extLst>
               <a:ext uri="{BEBA8EAE-BF5A-486C-A8C5-ECC9F3942E4B}">
                 <a14:imgProps xmlns:a14="http://schemas.microsoft.com/office/drawing/2010/main">
-                  <a14:imgLayer r:embed="rId3">
+                  <a14:imgLayer>
                     <a14:imgEffect>
                       <a14:brightnessContrast bright="100000"/>
                     </a14:imgEffect>
@@ -1344,6 +1776,297 @@
 </p:sldLayout>
 </file>
 
+<file path=ppt/slideLayouts/slideLayout14.xml><?xml version="1.0" encoding="utf-8"?>
+<p:sldLayout xmlns:a="http://schemas.openxmlformats.org/drawingml/2006/main" xmlns:r="http://schemas.openxmlformats.org/officeDocument/2006/relationships" xmlns:p="http://schemas.openxmlformats.org/presentationml/2006/main" userDrawn="1">
+  <p:cSld name="Title Slide">
+    <p:spTree>
+      <p:nvGrpSpPr>
+        <p:cNvPr id="1" name=""/>
+        <p:cNvGrpSpPr/>
+        <p:nvPr/>
+      </p:nvGrpSpPr>
+      <p:grpSpPr>
+        <a:xfrm>
+          <a:off x="0" y="0"/>
+          <a:ext cx="0" cy="0"/>
+          <a:chOff x="0" y="0"/>
+          <a:chExt cx="0" cy="0"/>
+        </a:xfrm>
+      </p:grpSpPr>
+      <p:sp>
+        <p:nvSpPr>
+          <p:cNvPr id="2" name="Rectangle 1"/>
+          <p:cNvSpPr/>
+          <p:nvPr userDrawn="1"/>
+        </p:nvSpPr>
+        <p:spPr>
+          <a:xfrm>
+            <a:off x="1" y="6347637"/>
+            <a:ext cx="3274828" cy="510363"/>
+          </a:xfrm>
+          <a:prstGeom prst="rect">
+            <a:avLst/>
+          </a:prstGeom>
+          <a:solidFill>
+            <a:schemeClr val="bg1"/>
+          </a:solidFill>
+          <a:ln>
+            <a:noFill/>
+          </a:ln>
+        </p:spPr>
+        <p:style>
+          <a:lnRef idx="2">
+            <a:schemeClr val="accent1">
+              <a:shade val="50000"/>
+            </a:schemeClr>
+          </a:lnRef>
+          <a:fillRef idx="1">
+            <a:schemeClr val="accent1"/>
+          </a:fillRef>
+          <a:effectRef idx="0">
+            <a:schemeClr val="accent1"/>
+          </a:effectRef>
+          <a:fontRef idx="minor">
+            <a:schemeClr val="lt1"/>
+          </a:fontRef>
+        </p:style>
+        <p:txBody>
+          <a:bodyPr rtlCol="0" anchor="ctr"/>
+          <a:lstStyle/>
+          <a:p>
+            <a:pPr algn="ctr"/>
+            <a:endParaRPr lang="en-US"/>
+          </a:p>
+        </p:txBody>
+      </p:sp>
+      <p:sp>
+        <p:nvSpPr>
+          <p:cNvPr id="4" name="Picture Placeholder 3"/>
+          <p:cNvSpPr>
+            <a:spLocks noGrp="1"/>
+          </p:cNvSpPr>
+          <p:nvPr>
+            <p:ph type="pic" sz="quarter" idx="10" hasCustomPrompt="1"/>
+          </p:nvPr>
+        </p:nvSpPr>
+        <p:spPr>
+          <a:xfrm>
+            <a:off x="1" y="0"/>
+            <a:ext cx="12192000" cy="3300984"/>
+          </a:xfrm>
+          <a:solidFill>
+            <a:schemeClr val="bg2">
+              <a:lumMod val="85000"/>
+            </a:schemeClr>
+          </a:solidFill>
+        </p:spPr>
+        <p:txBody>
+          <a:bodyPr lIns="182880" rIns="182880" anchor="t"/>
+          <a:lstStyle>
+            <a:lvl1pPr marL="0" indent="0" algn="ctr">
+              <a:spcAft>
+                <a:spcPts val="0"/>
+              </a:spcAft>
+              <a:buNone/>
+              <a:defRPr baseline="0">
+                <a:solidFill>
+                  <a:schemeClr val="bg1"/>
+                </a:solidFill>
+              </a:defRPr>
+            </a:lvl1pPr>
+          </a:lstStyle>
+          <a:p>
+            <a:br>
+              <a:rPr lang="en-US" dirty="0"/>
+            </a:br>
+            <a:r>
+              <a:rPr lang="en-US" dirty="0"/>
+              <a:t>Drag picture to placeholder or click icon to add from a file.</a:t>
+            </a:r>
+            <a:br>
+              <a:rPr lang="en-US" dirty="0"/>
+            </a:br>
+            <a:r>
+              <a:rPr lang="en-US" dirty="0"/>
+              <a:t>Photo will be cropped to 960x260 pixels.</a:t>
+            </a:r>
+          </a:p>
+        </p:txBody>
+      </p:sp>
+      <p:pic>
+        <p:nvPicPr>
+          <p:cNvPr id="12" name="Picture 11"/>
+          <p:cNvPicPr>
+            <a:picLocks noChangeAspect="1"/>
+          </p:cNvPicPr>
+          <p:nvPr userDrawn="1"/>
+        </p:nvPicPr>
+        <p:blipFill>
+          <a:blip r:embed="rId2">
+            <a:extLst>
+              <a:ext uri="{28A0092B-C50C-407E-A947-70E740481C1C}">
+                <a14:useLocalDpi xmlns:a14="http://schemas.microsoft.com/office/drawing/2010/main"/>
+              </a:ext>
+            </a:extLst>
+          </a:blip>
+          <a:stretch>
+            <a:fillRect/>
+          </a:stretch>
+        </p:blipFill>
+        <p:spPr>
+          <a:xfrm>
+            <a:off x="457200" y="5488944"/>
+            <a:ext cx="3721608" cy="1007936"/>
+          </a:xfrm>
+          <a:prstGeom prst="rect">
+            <a:avLst/>
+          </a:prstGeom>
+        </p:spPr>
+      </p:pic>
+      <p:sp>
+        <p:nvSpPr>
+          <p:cNvPr id="6" name="TextBox 5"/>
+          <p:cNvSpPr txBox="1"/>
+          <p:nvPr userDrawn="1"/>
+        </p:nvSpPr>
+        <p:spPr>
+          <a:xfrm>
+            <a:off x="265815" y="-496181"/>
+            <a:ext cx="1716821" cy="483989"/>
+          </a:xfrm>
+          <a:prstGeom prst="round2SameRect">
+            <a:avLst/>
+          </a:prstGeom>
+          <a:solidFill>
+            <a:srgbClr val="F9FAF9"/>
+          </a:solidFill>
+          <a:ln w="6350">
+            <a:solidFill>
+              <a:schemeClr val="accent2"/>
+            </a:solidFill>
+            <a:prstDash val="solid"/>
+          </a:ln>
+        </p:spPr>
+        <p:txBody>
+          <a:bodyPr wrap="none" lIns="182880" tIns="91440" rIns="182880" bIns="182880" rtlCol="0">
+            <a:spAutoFit/>
+          </a:bodyPr>
+          <a:lstStyle>
+            <a:defPPr>
+              <a:defRPr lang="en-US"/>
+            </a:defPPr>
+            <a:lvl1pPr>
+              <a:defRPr sz="1200" b="1">
+                <a:solidFill>
+                  <a:schemeClr val="accent2"/>
+                </a:solidFill>
+              </a:defRPr>
+            </a:lvl1pPr>
+          </a:lstStyle>
+          <a:p>
+            <a:pPr lvl="0"/>
+            <a:r>
+              <a:rPr lang="en-US" dirty="0"/>
+              <a:t>Master: Title Slide</a:t>
+            </a:r>
+          </a:p>
+        </p:txBody>
+      </p:sp>
+      <p:sp>
+        <p:nvSpPr>
+          <p:cNvPr id="7" name="Text Placeholder 4">
+            <a:extLst>
+              <a:ext uri="{FF2B5EF4-FFF2-40B4-BE49-F238E27FC236}">
+                <a16:creationId xmlns:a16="http://schemas.microsoft.com/office/drawing/2014/main" id="{59602185-155F-114D-ABC9-23953F6B44C7}"/>
+              </a:ext>
+            </a:extLst>
+          </p:cNvPr>
+          <p:cNvSpPr>
+            <a:spLocks noGrp="1"/>
+          </p:cNvSpPr>
+          <p:nvPr>
+            <p:ph type="body" sz="quarter" idx="11" hasCustomPrompt="1"/>
+          </p:nvPr>
+        </p:nvSpPr>
+        <p:spPr>
+          <a:xfrm>
+            <a:off x="6096000" y="5725684"/>
+            <a:ext cx="5638800" cy="417677"/>
+          </a:xfrm>
+        </p:spPr>
+        <p:txBody>
+          <a:bodyPr anchor="b">
+            <a:normAutofit/>
+          </a:bodyPr>
+          <a:lstStyle>
+            <a:lvl1pPr marL="0" indent="0" algn="r">
+              <a:buNone/>
+              <a:defRPr sz="1200">
+                <a:solidFill>
+                  <a:schemeClr val="accent2">
+                    <a:lumMod val="75000"/>
+                  </a:schemeClr>
+                </a:solidFill>
+              </a:defRPr>
+            </a:lvl1pPr>
+            <a:lvl2pPr marL="457200" indent="0">
+              <a:buNone/>
+              <a:defRPr/>
+            </a:lvl2pPr>
+            <a:lvl3pPr marL="914400" indent="0">
+              <a:buNone/>
+              <a:defRPr/>
+            </a:lvl3pPr>
+            <a:lvl4pPr marL="1371600" indent="0">
+              <a:buNone/>
+              <a:defRPr/>
+            </a:lvl4pPr>
+            <a:lvl5pPr marL="1828800" indent="0">
+              <a:buNone/>
+              <a:defRPr/>
+            </a:lvl5pPr>
+          </a:lstStyle>
+          <a:p>
+            <a:pPr lvl="0"/>
+            <a:r>
+              <a:rPr lang="en-US" dirty="0"/>
+              <a:t>Click to edit optional author</a:t>
+            </a:r>
+          </a:p>
+        </p:txBody>
+      </p:sp>
+    </p:spTree>
+    <p:extLst>
+      <p:ext uri="{BB962C8B-B14F-4D97-AF65-F5344CB8AC3E}">
+        <p14:creationId xmlns:p14="http://schemas.microsoft.com/office/powerpoint/2010/main" val="2856302644"/>
+      </p:ext>
+    </p:extLst>
+  </p:cSld>
+  <p:clrMapOvr>
+    <a:masterClrMapping/>
+  </p:clrMapOvr>
+  <p:transition>
+    <p:fade/>
+  </p:transition>
+  <p:extLst>
+    <p:ext uri="{DCECCB84-F9BA-43D5-87BE-67443E8EF086}">
+      <p15:sldGuideLst xmlns:p15="http://schemas.microsoft.com/office/powerpoint/2012/main">
+        <p15:guide id="2" orient="horz" pos="2088">
+          <p15:clr>
+            <a:srgbClr val="FBAE40"/>
+          </p15:clr>
+        </p15:guide>
+        <p15:guide id="3" orient="horz" pos="360">
+          <p15:clr>
+            <a:srgbClr val="FBAE40"/>
+          </p15:clr>
+        </p15:guide>
+      </p15:sldGuideLst>
+    </p:ext>
+  </p:extLst>
+</p:sldLayout>
+</file>
+
 <file path=ppt/slideLayouts/slideLayout2.xml><?xml version="1.0" encoding="utf-8"?>
 <p:sldLayout xmlns:a="http://schemas.openxmlformats.org/drawingml/2006/main" xmlns:r="http://schemas.openxmlformats.org/officeDocument/2006/relationships" xmlns:p="http://schemas.openxmlformats.org/presentationml/2006/main" type="obj" preserve="1">
   <p:cSld name="Title and Content">
@@ -1451,7 +2174,7 @@
           <a:p>
             <a:fld id="{241EB5C9-1307-BA42-ABA2-0BC069CD8E7F}" type="datetimeFigureOut">
               <a:rPr lang="en-US" smtClean="0"/>
-              <a:t>1/2/22</a:t>
+              <a:t>7/24/2024</a:t>
             </a:fld>
             <a:endParaRPr lang="en-US"/>
           </a:p>
@@ -1696,7 +2419,7 @@
           <a:p>
             <a:fld id="{241EB5C9-1307-BA42-ABA2-0BC069CD8E7F}" type="datetimeFigureOut">
               <a:rPr lang="en-US" smtClean="0"/>
-              <a:t>1/2/22</a:t>
+              <a:t>7/24/2024</a:t>
             </a:fld>
             <a:endParaRPr lang="en-US"/>
           </a:p>
@@ -1981,7 +2704,7 @@
           <a:p>
             <a:fld id="{241EB5C9-1307-BA42-ABA2-0BC069CD8E7F}" type="datetimeFigureOut">
               <a:rPr lang="en-US" smtClean="0"/>
-              <a:t>1/2/22</a:t>
+              <a:t>7/24/2024</a:t>
             </a:fld>
             <a:endParaRPr lang="en-US"/>
           </a:p>
@@ -2400,7 +3123,7 @@
           <a:p>
             <a:fld id="{241EB5C9-1307-BA42-ABA2-0BC069CD8E7F}" type="datetimeFigureOut">
               <a:rPr lang="en-US" smtClean="0"/>
-              <a:t>1/2/22</a:t>
+              <a:t>7/24/2024</a:t>
             </a:fld>
             <a:endParaRPr lang="en-US"/>
           </a:p>
@@ -3406,7 +4129,7 @@
           <a:p>
             <a:fld id="{241EB5C9-1307-BA42-ABA2-0BC069CD8E7F}" type="datetimeFigureOut">
               <a:rPr lang="en-US" smtClean="0"/>
-              <a:t>1/2/22</a:t>
+              <a:t>7/24/2024</a:t>
             </a:fld>
             <a:endParaRPr lang="en-US"/>
           </a:p>
@@ -3590,7 +4313,7 @@
             <a:extLst>
               <a:ext uri="{BEBA8EAE-BF5A-486C-A8C5-ECC9F3942E4B}">
                 <a14:imgProps xmlns:a14="http://schemas.microsoft.com/office/drawing/2010/main">
-                  <a14:imgLayer r:embed="rId3">
+                  <a14:imgLayer>
                     <a14:imgEffect>
                       <a14:brightnessContrast bright="100000"/>
                     </a14:imgEffect>
@@ -3982,7 +4705,7 @@
 </file>
 
 <file path=ppt/slideMasters/slideMaster1.xml><?xml version="1.0" encoding="utf-8"?>
-<p:sldMaster xmlns:a="http://schemas.openxmlformats.org/drawingml/2006/main" xmlns:p="http://schemas.openxmlformats.org/presentationml/2006/main" xmlns:r="http://schemas.openxmlformats.org/officeDocument/2006/relationships">
+<p:sldMaster xmlns:a="http://schemas.openxmlformats.org/drawingml/2006/main" xmlns:r="http://schemas.openxmlformats.org/officeDocument/2006/relationships" xmlns:p="http://schemas.openxmlformats.org/presentationml/2006/main">
   <p:cSld>
     <p:bg>
       <p:bgPr>
@@ -4026,7 +4749,7 @@
           </a:prstGeom>
         </p:spPr>
         <p:txBody>
-          <a:bodyPr anchor="t" bIns="45720" lIns="0" rIns="0" rtlCol="0" tIns="45720" vert="horz">
+          <a:bodyPr vert="horz" lIns="0" tIns="45720" rIns="0" bIns="45720" rtlCol="0" anchor="t">
             <a:normAutofit/>
           </a:bodyPr>
           <a:lstStyle/>
@@ -4035,7 +4758,7 @@
               <a:rPr lang="en-US"/>
               <a:t>Click to edit Master title style</a:t>
             </a:r>
-            <a:endParaRPr dirty="0" lang="en-US"/>
+            <a:endParaRPr lang="en-US" dirty="0"/>
           </a:p>
         </p:txBody>
       </p:sp>
@@ -4046,7 +4769,7 @@
             <a:spLocks noGrp="1"/>
           </p:cNvSpPr>
           <p:nvPr>
-            <p:ph idx="1" type="body"/>
+            <p:ph type="body" idx="1"/>
           </p:nvPr>
         </p:nvSpPr>
         <p:spPr>
@@ -4059,7 +4782,7 @@
           </a:prstGeom>
         </p:spPr>
         <p:txBody>
-          <a:bodyPr bIns="45720" lIns="0" rIns="0" rtlCol="0" tIns="45720" vert="horz">
+          <a:bodyPr vert="horz" lIns="0" tIns="45720" rIns="0" bIns="45720" rtlCol="0">
             <a:normAutofit/>
           </a:bodyPr>
           <a:lstStyle/>
@@ -4097,7 +4820,7 @@
               <a:rPr lang="en-US"/>
               <a:t>Fifth level</a:t>
             </a:r>
-            <a:endParaRPr dirty="0" lang="en-US"/>
+            <a:endParaRPr lang="en-US" dirty="0"/>
           </a:p>
         </p:txBody>
       </p:sp>
@@ -4108,7 +4831,7 @@
             <a:spLocks noGrp="1"/>
           </p:cNvSpPr>
           <p:nvPr>
-            <p:ph idx="4" sz="quarter" type="sldNum"/>
+            <p:ph type="sldNum" sz="quarter" idx="4"/>
           </p:nvPr>
         </p:nvSpPr>
         <p:spPr>
@@ -4121,7 +4844,7 @@
           </a:prstGeom>
         </p:spPr>
         <p:txBody>
-          <a:bodyPr anchor="ctr" bIns="0" lIns="0" rIns="0" rtlCol="0" tIns="0" vert="horz"/>
+          <a:bodyPr vert="horz" lIns="0" tIns="0" rIns="0" bIns="0" rtlCol="0" anchor="ctr"/>
           <a:lstStyle>
             <a:lvl1pPr algn="r">
               <a:defRPr sz="1000">
@@ -4130,9 +4853,9 @@
                     <a:tint val="75000"/>
                   </a:schemeClr>
                 </a:solidFill>
-                <a:latin charset="0" typeface="Lato"/>
-                <a:ea charset="0" typeface="Lato"/>
-                <a:cs charset="0" typeface="Lato"/>
+                <a:latin typeface="Lato" charset="0"/>
+                <a:ea typeface="Lato" charset="0"/>
+                <a:cs typeface="Lato" charset="0"/>
               </a:defRPr>
             </a:lvl1pPr>
           </a:lstStyle>
@@ -4155,14 +4878,14 @@
           <p:nvPr userDrawn="1"/>
         </p:nvPicPr>
         <p:blipFill rotWithShape="1">
-          <a:blip r:embed="rId15">
+          <a:blip r:embed="rId16">
             <a:extLst>
               <a:ext uri="{28A0092B-C50C-407E-A947-70E740481C1C}">
                 <a14:useLocalDpi xmlns:a14="http://schemas.microsoft.com/office/drawing/2010/main"/>
               </a:ext>
             </a:extLst>
           </a:blip>
-          <a:srcRect l="14990" r="1" t="-24944"/>
+          <a:srcRect l="14990" t="-24944" r="1"/>
           <a:stretch/>
         </p:blipFill>
         <p:spPr>
@@ -4210,7 +4933,7 @@
           </a:fontRef>
         </p:style>
         <p:txBody>
-          <a:bodyPr anchor="ctr" rtlCol="0"/>
+          <a:bodyPr rtlCol="0" anchor="ctr"/>
           <a:lstStyle/>
           <a:p>
             <a:pPr algn="ctr"/>
@@ -4260,7 +4983,7 @@
           </a:fontRef>
         </p:style>
         <p:txBody>
-          <a:bodyPr anchor="ctr" rtlCol="0"/>
+          <a:bodyPr rtlCol="0" anchor="ctr"/>
           <a:lstStyle/>
           <a:p>
             <a:pPr algn="ctr"/>
@@ -4310,7 +5033,7 @@
           </a:fontRef>
         </p:style>
         <p:txBody>
-          <a:bodyPr anchor="ctr" rtlCol="0"/>
+          <a:bodyPr rtlCol="0" anchor="ctr"/>
           <a:lstStyle/>
           <a:p>
             <a:pPr algn="ctr"/>
@@ -4360,7 +5083,7 @@
           </a:fontRef>
         </p:style>
         <p:txBody>
-          <a:bodyPr anchor="ctr" rtlCol="0"/>
+          <a:bodyPr rtlCol="0" anchor="ctr"/>
           <a:lstStyle/>
           <a:p>
             <a:pPr algn="ctr"/>
@@ -4410,7 +5133,7 @@
           </a:fontRef>
         </p:style>
         <p:txBody>
-          <a:bodyPr anchor="ctr" rtlCol="0"/>
+          <a:bodyPr rtlCol="0" anchor="ctr"/>
           <a:lstStyle/>
           <a:p>
             <a:pPr algn="ctr"/>
@@ -4439,13 +5162,13 @@
           <a:noFill/>
         </p:spPr>
         <p:txBody>
-          <a:bodyPr rtlCol="0" vert="vert270" wrap="none">
+          <a:bodyPr vert="vert270" wrap="none" rtlCol="0">
             <a:spAutoFit/>
           </a:bodyPr>
           <a:lstStyle/>
           <a:p>
             <a:r>
-              <a:rPr b="1" dirty="0" lang="en-US" spc="0" sz="1000">
+              <a:rPr lang="en-US" sz="1000" b="1" spc="0" dirty="0">
                 <a:solidFill>
                   <a:schemeClr val="tx1">
                     <a:lumMod val="60000"/>
@@ -4456,7 +5179,7 @@
               <a:t>URBAN</a:t>
             </a:r>
             <a:r>
-              <a:rPr b="1" baseline="0" dirty="0" lang="en-US" spc="0" sz="1000">
+              <a:rPr lang="en-US" sz="1000" b="1" spc="0" baseline="0" dirty="0">
                 <a:solidFill>
                   <a:schemeClr val="tx1">
                     <a:lumMod val="60000"/>
@@ -4466,7 +5189,7 @@
               </a:rPr>
               <a:t> COLOR PALETTE</a:t>
             </a:r>
-            <a:endParaRPr b="1" dirty="0" lang="en-US" spc="0" sz="1000">
+            <a:endParaRPr lang="en-US" sz="1000" b="1" spc="0" dirty="0">
               <a:solidFill>
                 <a:schemeClr val="tx1">
                   <a:lumMod val="60000"/>
@@ -4494,14 +5217,14 @@
           <a:noFill/>
         </p:spPr>
         <p:txBody>
-          <a:bodyPr rtlCol="0" vert="horz" wrap="none">
+          <a:bodyPr vert="horz" wrap="none" rtlCol="0">
             <a:spAutoFit/>
           </a:bodyPr>
           <a:lstStyle/>
           <a:p>
             <a:pPr algn="r"/>
             <a:r>
-              <a:rPr b="1" dirty="0" lang="en-US" spc="0" sz="1000">
+              <a:rPr lang="en-US" sz="1000" b="1" spc="0" dirty="0">
                 <a:solidFill>
                   <a:schemeClr val="tx1">
                     <a:lumMod val="60000"/>
@@ -4511,7 +5234,7 @@
               </a:rPr>
               <a:t>TEMPLATE VERSION 2.2</a:t>
             </a:r>
-            <a:endParaRPr b="1" dirty="0" lang="en-US" spc="0" sz="1000">
+            <a:endParaRPr lang="en-US" sz="1000" b="1" spc="0" dirty="0">
               <a:solidFill>
                 <a:schemeClr val="tx1"/>
               </a:solidFill>
@@ -4526,7 +5249,7 @@
       </p:ext>
     </p:extLst>
   </p:cSld>
-  <p:clrMap accent1="accent1" accent2="accent2" accent3="accent3" accent4="accent4" accent5="accent5" accent6="accent6" bg1="lt1" bg2="lt2" folHlink="folHlink" hlink="hlink" tx1="dk1" tx2="dk2"/>
+  <p:clrMap bg1="lt1" tx1="dk1" bg2="lt2" tx2="dk2" accent1="accent1" accent2="accent2" accent3="accent3" accent4="accent4" accent5="accent5" accent6="accent6" hlink="hlink" folHlink="folHlink"/>
   <p:sldLayoutIdLst>
     <p:sldLayoutId id="2147483679" r:id="rId1"/>
     <p:sldLayoutId id="2147483678" r:id="rId2"/>
@@ -4541,14 +5264,15 @@
     <p:sldLayoutId id="2147483682" r:id="rId11"/>
     <p:sldLayoutId id="2147483683" r:id="rId12"/>
     <p:sldLayoutId id="2147483655" r:id="rId13"/>
+    <p:sldLayoutId id="2147483684" r:id="rId14"/>
   </p:sldLayoutIdLst>
   <p:transition>
     <p:fade/>
   </p:transition>
-  <p:hf dt="0" ftr="0" hdr="0"/>
+  <p:hf hdr="0" ftr="0" dt="0"/>
   <p:txStyles>
     <p:titleStyle>
-      <a:lvl1pPr algn="l" defTabSz="914400" eaLnBrk="1" hangingPunct="1" latinLnBrk="0" rtl="0">
+      <a:lvl1pPr algn="l" defTabSz="914400" rtl="0" eaLnBrk="1" latinLnBrk="0" hangingPunct="1">
         <a:lnSpc>
           <a:spcPct val="90000"/>
         </a:lnSpc>
@@ -4556,7 +5280,7 @@
           <a:spcPct val="0"/>
         </a:spcBef>
         <a:buNone/>
-        <a:defRPr b="1" baseline="0" kern="1200" sz="3400">
+        <a:defRPr sz="3400" b="1" kern="1200" baseline="0">
           <a:solidFill>
             <a:schemeClr val="tx1"/>
           </a:solidFill>
@@ -4567,7 +5291,7 @@
       </a:lvl1pPr>
     </p:titleStyle>
     <p:bodyStyle>
-      <a:lvl1pPr algn="l" defTabSz="914400" eaLnBrk="1" hangingPunct="1" indent="-228600" latinLnBrk="0" marL="228600" rtl="0">
+      <a:lvl1pPr marL="228600" indent="-228600" algn="l" defTabSz="914400" rtl="0" eaLnBrk="1" latinLnBrk="0" hangingPunct="1">
         <a:lnSpc>
           <a:spcPct val="100000"/>
         </a:lnSpc>
@@ -4580,9 +5304,9 @@
         <a:buClr>
           <a:schemeClr val="accent1"/>
         </a:buClr>
-        <a:buFont charset="2" typeface="Wingdings"/>
+        <a:buFont typeface="Wingdings" charset="2"/>
         <a:buChar char="§"/>
-        <a:defRPr kern="1200" sz="2200">
+        <a:defRPr sz="2200" kern="1200">
           <a:solidFill>
             <a:schemeClr val="tx1"/>
           </a:solidFill>
@@ -4591,7 +5315,7 @@
           <a:cs typeface="+mn-cs"/>
         </a:defRPr>
       </a:lvl1pPr>
-      <a:lvl2pPr algn="l" defTabSz="914400" eaLnBrk="1" hangingPunct="1" indent="-228600" latinLnBrk="0" marL="685800" rtl="0">
+      <a:lvl2pPr marL="685800" indent="-228600" algn="l" defTabSz="914400" rtl="0" eaLnBrk="1" latinLnBrk="0" hangingPunct="1">
         <a:lnSpc>
           <a:spcPct val="100000"/>
         </a:lnSpc>
@@ -4604,9 +5328,9 @@
         <a:buClr>
           <a:schemeClr val="accent1"/>
         </a:buClr>
-        <a:buFont charset="2" typeface="Wingdings"/>
+        <a:buFont typeface="Wingdings" charset="2"/>
         <a:buChar char="§"/>
-        <a:defRPr kern="1200" sz="2000">
+        <a:defRPr sz="2000" kern="1200">
           <a:solidFill>
             <a:schemeClr val="tx1"/>
           </a:solidFill>
@@ -4615,7 +5339,7 @@
           <a:cs typeface="+mn-cs"/>
         </a:defRPr>
       </a:lvl2pPr>
-      <a:lvl3pPr algn="l" defTabSz="914400" eaLnBrk="1" hangingPunct="1" indent="-228600" latinLnBrk="0" marL="1143000" rtl="0">
+      <a:lvl3pPr marL="1143000" indent="-228600" algn="l" defTabSz="914400" rtl="0" eaLnBrk="1" latinLnBrk="0" hangingPunct="1">
         <a:lnSpc>
           <a:spcPct val="100000"/>
         </a:lnSpc>
@@ -4628,9 +5352,9 @@
         <a:buClr>
           <a:schemeClr val="accent1"/>
         </a:buClr>
-        <a:buFont charset="2" typeface="Wingdings"/>
+        <a:buFont typeface="Wingdings" charset="2"/>
         <a:buChar char="§"/>
-        <a:defRPr kern="1200" sz="1800">
+        <a:defRPr sz="1800" kern="1200">
           <a:solidFill>
             <a:schemeClr val="tx1"/>
           </a:solidFill>
@@ -4639,7 +5363,7 @@
           <a:cs typeface="+mn-cs"/>
         </a:defRPr>
       </a:lvl3pPr>
-      <a:lvl4pPr algn="l" defTabSz="914400" eaLnBrk="1" hangingPunct="1" indent="-228600" latinLnBrk="0" marL="1600200" rtl="0">
+      <a:lvl4pPr marL="1600200" indent="-228600" algn="l" defTabSz="914400" rtl="0" eaLnBrk="1" latinLnBrk="0" hangingPunct="1">
         <a:lnSpc>
           <a:spcPct val="100000"/>
         </a:lnSpc>
@@ -4652,9 +5376,9 @@
         <a:buClr>
           <a:schemeClr val="accent1"/>
         </a:buClr>
-        <a:buFont charset="2" typeface="Wingdings"/>
+        <a:buFont typeface="Wingdings" charset="2"/>
         <a:buChar char="§"/>
-        <a:defRPr kern="1200" sz="1800">
+        <a:defRPr sz="1800" kern="1200">
           <a:solidFill>
             <a:schemeClr val="tx1"/>
           </a:solidFill>
@@ -4663,7 +5387,7 @@
           <a:cs typeface="+mn-cs"/>
         </a:defRPr>
       </a:lvl4pPr>
-      <a:lvl5pPr algn="l" defTabSz="914400" eaLnBrk="1" hangingPunct="1" indent="-228600" latinLnBrk="0" marL="2057400" rtl="0">
+      <a:lvl5pPr marL="2057400" indent="-228600" algn="l" defTabSz="914400" rtl="0" eaLnBrk="1" latinLnBrk="0" hangingPunct="1">
         <a:lnSpc>
           <a:spcPct val="100000"/>
         </a:lnSpc>
@@ -4676,9 +5400,9 @@
         <a:buClr>
           <a:schemeClr val="accent1"/>
         </a:buClr>
-        <a:buFont charset="2" typeface="Wingdings"/>
+        <a:buFont typeface="Wingdings" charset="2"/>
         <a:buChar char="§"/>
-        <a:defRPr kern="1200" sz="1800">
+        <a:defRPr sz="1800" kern="1200">
           <a:solidFill>
             <a:schemeClr val="tx1"/>
           </a:solidFill>
@@ -4687,7 +5411,7 @@
           <a:cs typeface="+mn-cs"/>
         </a:defRPr>
       </a:lvl5pPr>
-      <a:lvl6pPr algn="l" defTabSz="914400" eaLnBrk="1" hangingPunct="1" indent="-228600" latinLnBrk="0" marL="2514600" rtl="0">
+      <a:lvl6pPr marL="2514600" indent="-228600" algn="l" defTabSz="914400" rtl="0" eaLnBrk="1" latinLnBrk="0" hangingPunct="1">
         <a:lnSpc>
           <a:spcPct val="90000"/>
         </a:lnSpc>
@@ -4696,7 +5420,7 @@
         </a:spcBef>
         <a:buFont typeface="Arial"/>
         <a:buChar char="•"/>
-        <a:defRPr kern="1200" sz="1800">
+        <a:defRPr sz="1800" kern="1200">
           <a:solidFill>
             <a:schemeClr val="tx1"/>
           </a:solidFill>
@@ -4705,7 +5429,7 @@
           <a:cs typeface="+mn-cs"/>
         </a:defRPr>
       </a:lvl6pPr>
-      <a:lvl7pPr algn="l" defTabSz="914400" eaLnBrk="1" hangingPunct="1" indent="-228600" latinLnBrk="0" marL="2971800" rtl="0">
+      <a:lvl7pPr marL="2971800" indent="-228600" algn="l" defTabSz="914400" rtl="0" eaLnBrk="1" latinLnBrk="0" hangingPunct="1">
         <a:lnSpc>
           <a:spcPct val="90000"/>
         </a:lnSpc>
@@ -4714,7 +5438,7 @@
         </a:spcBef>
         <a:buFont typeface="Arial"/>
         <a:buChar char="•"/>
-        <a:defRPr kern="1200" sz="1800">
+        <a:defRPr sz="1800" kern="1200">
           <a:solidFill>
             <a:schemeClr val="tx1"/>
           </a:solidFill>
@@ -4723,7 +5447,7 @@
           <a:cs typeface="+mn-cs"/>
         </a:defRPr>
       </a:lvl7pPr>
-      <a:lvl8pPr algn="l" defTabSz="914400" eaLnBrk="1" hangingPunct="1" indent="-228600" latinLnBrk="0" marL="3429000" rtl="0">
+      <a:lvl8pPr marL="3429000" indent="-228600" algn="l" defTabSz="914400" rtl="0" eaLnBrk="1" latinLnBrk="0" hangingPunct="1">
         <a:lnSpc>
           <a:spcPct val="90000"/>
         </a:lnSpc>
@@ -4732,7 +5456,7 @@
         </a:spcBef>
         <a:buFont typeface="Arial"/>
         <a:buChar char="•"/>
-        <a:defRPr kern="1200" sz="1800">
+        <a:defRPr sz="1800" kern="1200">
           <a:solidFill>
             <a:schemeClr val="tx1"/>
           </a:solidFill>
@@ -4741,7 +5465,7 @@
           <a:cs typeface="+mn-cs"/>
         </a:defRPr>
       </a:lvl8pPr>
-      <a:lvl9pPr algn="l" defTabSz="914400" eaLnBrk="1" hangingPunct="1" indent="-228600" latinLnBrk="0" marL="3886200" rtl="0">
+      <a:lvl9pPr marL="3886200" indent="-228600" algn="l" defTabSz="914400" rtl="0" eaLnBrk="1" latinLnBrk="0" hangingPunct="1">
         <a:lnSpc>
           <a:spcPct val="90000"/>
         </a:lnSpc>
@@ -4750,7 +5474,7 @@
         </a:spcBef>
         <a:buFont typeface="Arial"/>
         <a:buChar char="•"/>
-        <a:defRPr kern="1200" sz="1800">
+        <a:defRPr sz="1800" kern="1200">
           <a:solidFill>
             <a:schemeClr val="tx1"/>
           </a:solidFill>
@@ -4764,8 +5488,8 @@
       <a:defPPr>
         <a:defRPr lang="en-US"/>
       </a:defPPr>
-      <a:lvl1pPr algn="l" defTabSz="914400" eaLnBrk="1" hangingPunct="1" latinLnBrk="0" marL="0" rtl="0">
-        <a:defRPr kern="1200" sz="1800">
+      <a:lvl1pPr marL="0" algn="l" defTabSz="914400" rtl="0" eaLnBrk="1" latinLnBrk="0" hangingPunct="1">
+        <a:defRPr sz="1800" kern="1200">
           <a:solidFill>
             <a:schemeClr val="tx1"/>
           </a:solidFill>
@@ -4774,8 +5498,8 @@
           <a:cs typeface="+mn-cs"/>
         </a:defRPr>
       </a:lvl1pPr>
-      <a:lvl2pPr algn="l" defTabSz="914400" eaLnBrk="1" hangingPunct="1" latinLnBrk="0" marL="457200" rtl="0">
-        <a:defRPr kern="1200" sz="1800">
+      <a:lvl2pPr marL="457200" algn="l" defTabSz="914400" rtl="0" eaLnBrk="1" latinLnBrk="0" hangingPunct="1">
+        <a:defRPr sz="1800" kern="1200">
           <a:solidFill>
             <a:schemeClr val="tx1"/>
           </a:solidFill>
@@ -4784,8 +5508,8 @@
           <a:cs typeface="+mn-cs"/>
         </a:defRPr>
       </a:lvl2pPr>
-      <a:lvl3pPr algn="l" defTabSz="914400" eaLnBrk="1" hangingPunct="1" latinLnBrk="0" marL="914400" rtl="0">
-        <a:defRPr kern="1200" sz="1800">
+      <a:lvl3pPr marL="914400" algn="l" defTabSz="914400" rtl="0" eaLnBrk="1" latinLnBrk="0" hangingPunct="1">
+        <a:defRPr sz="1800" kern="1200">
           <a:solidFill>
             <a:schemeClr val="tx1"/>
           </a:solidFill>
@@ -4794,8 +5518,8 @@
           <a:cs typeface="+mn-cs"/>
         </a:defRPr>
       </a:lvl3pPr>
-      <a:lvl4pPr algn="l" defTabSz="914400" eaLnBrk="1" hangingPunct="1" latinLnBrk="0" marL="1371600" rtl="0">
-        <a:defRPr kern="1200" sz="1800">
+      <a:lvl4pPr marL="1371600" algn="l" defTabSz="914400" rtl="0" eaLnBrk="1" latinLnBrk="0" hangingPunct="1">
+        <a:defRPr sz="1800" kern="1200">
           <a:solidFill>
             <a:schemeClr val="tx1"/>
           </a:solidFill>
@@ -4804,8 +5528,8 @@
           <a:cs typeface="+mn-cs"/>
         </a:defRPr>
       </a:lvl4pPr>
-      <a:lvl5pPr algn="l" defTabSz="914400" eaLnBrk="1" hangingPunct="1" latinLnBrk="0" marL="1828800" rtl="0">
-        <a:defRPr kern="1200" sz="1800">
+      <a:lvl5pPr marL="1828800" algn="l" defTabSz="914400" rtl="0" eaLnBrk="1" latinLnBrk="0" hangingPunct="1">
+        <a:defRPr sz="1800" kern="1200">
           <a:solidFill>
             <a:schemeClr val="tx1"/>
           </a:solidFill>
@@ -4814,8 +5538,8 @@
           <a:cs typeface="+mn-cs"/>
         </a:defRPr>
       </a:lvl5pPr>
-      <a:lvl6pPr algn="l" defTabSz="914400" eaLnBrk="1" hangingPunct="1" latinLnBrk="0" marL="2286000" rtl="0">
-        <a:defRPr kern="1200" sz="1800">
+      <a:lvl6pPr marL="2286000" algn="l" defTabSz="914400" rtl="0" eaLnBrk="1" latinLnBrk="0" hangingPunct="1">
+        <a:defRPr sz="1800" kern="1200">
           <a:solidFill>
             <a:schemeClr val="tx1"/>
           </a:solidFill>
@@ -4824,8 +5548,8 @@
           <a:cs typeface="+mn-cs"/>
         </a:defRPr>
       </a:lvl6pPr>
-      <a:lvl7pPr algn="l" defTabSz="914400" eaLnBrk="1" hangingPunct="1" latinLnBrk="0" marL="2743200" rtl="0">
-        <a:defRPr kern="1200" sz="1800">
+      <a:lvl7pPr marL="2743200" algn="l" defTabSz="914400" rtl="0" eaLnBrk="1" latinLnBrk="0" hangingPunct="1">
+        <a:defRPr sz="1800" kern="1200">
           <a:solidFill>
             <a:schemeClr val="tx1"/>
           </a:solidFill>
@@ -4834,8 +5558,8 @@
           <a:cs typeface="+mn-cs"/>
         </a:defRPr>
       </a:lvl7pPr>
-      <a:lvl8pPr algn="l" defTabSz="914400" eaLnBrk="1" hangingPunct="1" latinLnBrk="0" marL="3200400" rtl="0">
-        <a:defRPr kern="1200" sz="1800">
+      <a:lvl8pPr marL="3200400" algn="l" defTabSz="914400" rtl="0" eaLnBrk="1" latinLnBrk="0" hangingPunct="1">
+        <a:defRPr sz="1800" kern="1200">
           <a:solidFill>
             <a:schemeClr val="tx1"/>
           </a:solidFill>
@@ -4844,8 +5568,8 @@
           <a:cs typeface="+mn-cs"/>
         </a:defRPr>
       </a:lvl8pPr>
-      <a:lvl9pPr algn="l" defTabSz="914400" eaLnBrk="1" hangingPunct="1" latinLnBrk="0" marL="3657600" rtl="0">
-        <a:defRPr kern="1200" sz="1800">
+      <a:lvl9pPr marL="3657600" algn="l" defTabSz="914400" rtl="0" eaLnBrk="1" latinLnBrk="0" hangingPunct="1">
+        <a:defRPr sz="1800" kern="1200">
           <a:solidFill>
             <a:schemeClr val="tx1"/>
           </a:solidFill>
@@ -4922,11 +5646,380 @@
           <a:chExt cx="0" cy="0"/>
         </a:xfrm>
       </p:grpSpPr>
-      <p:sp/>
-      <p:sp/>
-      <p:sp/>
+      <p:sp>
+        <p:nvSpPr>
+          <p:cNvPr id="4" name="Rectangle 3"/>
+          <p:cNvSpPr/>
+          <p:nvPr/>
+        </p:nvSpPr>
+        <p:spPr>
+          <a:xfrm>
+            <a:off x="0" y="6427304"/>
+            <a:ext cx="2849217" cy="430696"/>
+          </a:xfrm>
+          <a:prstGeom prst="rect">
+            <a:avLst/>
+          </a:prstGeom>
+          <a:solidFill>
+            <a:schemeClr val="bg1"/>
+          </a:solidFill>
+          <a:ln>
+            <a:noFill/>
+          </a:ln>
+        </p:spPr>
+        <p:style>
+          <a:lnRef idx="2">
+            <a:schemeClr val="accent1">
+              <a:shade val="50000"/>
+            </a:schemeClr>
+          </a:lnRef>
+          <a:fillRef idx="1">
+            <a:schemeClr val="accent1"/>
+          </a:fillRef>
+          <a:effectRef idx="0">
+            <a:schemeClr val="accent1"/>
+          </a:effectRef>
+          <a:fontRef idx="minor">
+            <a:schemeClr val="lt1"/>
+          </a:fontRef>
+        </p:style>
+        <p:txBody>
+          <a:bodyPr rtlCol="0" anchor="ctr"/>
+          <a:lstStyle/>
+          <a:p>
+            <a:pPr algn="ctr"/>
+            <a:endParaRPr lang="en-US"/>
+          </a:p>
+        </p:txBody>
+      </p:sp>
+      <p:graphicFrame>
+        <p:nvGraphicFramePr>
+          <p:cNvPr id="2" name="Table 1"/>
+          <p:cNvGraphicFramePr>
+            <a:graphicFrameLocks noGrp="1"/>
+          </p:cNvGraphicFramePr>
+          <p:nvPr/>
+        </p:nvGraphicFramePr>
+        <p:xfrm>
+          <a:off x="820717" y="3593372"/>
+          <a:ext cx="10523557" cy="1981200"/>
+        </p:xfrm>
+        <a:graphic>
+          <a:graphicData uri="http://schemas.openxmlformats.org/drawingml/2006/table">
+            <a:tbl>
+              <a:tblPr firstRow="1" bandRow="1">
+                <a:tableStyleId>{5C22544A-7EE6-4342-B048-85BDC9FD1C3A}</a:tableStyleId>
+              </a:tblPr>
+              <a:tblGrid>
+                <a:gridCol w="10523557">
+                  <a:extLst>
+                    <a:ext uri="{9D8B030D-6E8A-4147-A177-3AD203B41FA5}">
+                      <a16:colId xmlns:a16="http://schemas.microsoft.com/office/drawing/2014/main" val="20000"/>
+                    </a:ext>
+                  </a:extLst>
+                </a:gridCol>
+              </a:tblGrid>
+              <a:tr h="128497">
+                <a:tc>
+                  <a:txBody>
+                    <a:bodyPr/>
+                    <a:lstStyle/>
+                    <a:p>
+                      <a:pPr marL="0" marR="0" lvl="0" indent="0" algn="l" defTabSz="914400" rtl="0" eaLnBrk="1" fontAlgn="auto" latinLnBrk="0" hangingPunct="1">
+                        <a:lnSpc>
+                          <a:spcPct val="100000"/>
+                        </a:lnSpc>
+                        <a:spcBef>
+                          <a:spcPts val="0"/>
+                        </a:spcBef>
+                        <a:spcAft>
+                          <a:spcPts val="1600"/>
+                        </a:spcAft>
+                        <a:buClr>
+                          <a:srgbClr val="139DEC"/>
+                        </a:buClr>
+                        <a:buSzTx/>
+                        <a:buFontTx/>
+                        <a:buNone/>
+                        <a:tabLst/>
+                        <a:defRPr/>
+                      </a:pPr>
+                      <a:endParaRPr kumimoji="0" lang="en-US" sz="1200" b="0" i="0" u="none" strike="noStrike" kern="1200" cap="none" spc="0" normalizeH="0" baseline="0" noProof="0" dirty="0">
+                        <a:ln>
+                          <a:noFill/>
+                        </a:ln>
+                        <a:solidFill>
+                          <a:srgbClr val="139DEC"/>
+                        </a:solidFill>
+                        <a:effectLst/>
+                        <a:uLnTx/>
+                        <a:uFillTx/>
+                        <a:latin typeface="+mn-lt"/>
+                        <a:ea typeface="+mn-ea"/>
+                        <a:cs typeface="+mn-cs"/>
+                      </a:endParaRPr>
+                    </a:p>
+                  </a:txBody>
+                  <a:tcPr marL="0" marR="0" marT="0" marB="0">
+                    <a:lnL w="12700" cmpd="sng">
+                      <a:noFill/>
+                    </a:lnL>
+                    <a:lnR w="12700" cmpd="sng">
+                      <a:noFill/>
+                    </a:lnR>
+                    <a:lnT w="12700" cmpd="sng">
+                      <a:noFill/>
+                    </a:lnT>
+                    <a:lnB w="38100" cmpd="sng">
+                      <a:noFill/>
+                    </a:lnB>
+                    <a:lnTlToBr w="12700" cmpd="sng">
+                      <a:noFill/>
+                      <a:prstDash val="solid"/>
+                    </a:lnTlToBr>
+                    <a:lnBlToTr w="12700" cmpd="sng">
+                      <a:noFill/>
+                      <a:prstDash val="solid"/>
+                    </a:lnBlToTr>
+                    <a:noFill/>
+                  </a:tcPr>
+                </a:tc>
+                <a:extLst>
+                  <a:ext uri="{0D108BD9-81ED-4DB2-BD59-A6C34878D82A}">
+                    <a16:rowId xmlns:a16="http://schemas.microsoft.com/office/drawing/2014/main" val="10000"/>
+                  </a:ext>
+                </a:extLst>
+              </a:tr>
+              <a:tr h="770983">
+                <a:tc>
+                  <a:txBody>
+                    <a:bodyPr/>
+                    <a:lstStyle/>
+                    <a:p>
+                      <a:pPr marL="0" marR="0" indent="0" algn="l" defTabSz="914400" rtl="0" eaLnBrk="1" fontAlgn="auto" latinLnBrk="0" hangingPunct="1">
+                        <a:lnSpc>
+                          <a:spcPct val="100000"/>
+                        </a:lnSpc>
+                        <a:spcBef>
+                          <a:spcPts val="0"/>
+                        </a:spcBef>
+                        <a:spcAft>
+                          <a:spcPts val="0"/>
+                        </a:spcAft>
+                        <a:buClrTx/>
+                        <a:buSzTx/>
+                        <a:buFontTx/>
+                        <a:buNone/>
+                        <a:tabLst/>
+                        <a:defRPr/>
+                      </a:pPr>
+                      <a:r>
+                        <a:rPr kumimoji="0" lang="en-US" sz="4800" b="1" i="0" u="none" strike="noStrike" kern="1200" cap="none" spc="0" normalizeH="0" baseline="0" noProof="0" dirty="0">
+                          <a:ln>
+                            <a:noFill/>
+                          </a:ln>
+                          <a:solidFill>
+                            <a:srgbClr val="494546"/>
+                          </a:solidFill>
+                          <a:effectLst/>
+                          <a:uLnTx/>
+                          <a:uFillTx/>
+                          <a:latin typeface="Lato"/>
+                          <a:ea typeface="+mn-ea"/>
+                          <a:cs typeface="+mn-cs"/>
+                        </a:rPr>
+                        <a:t>Baby Bonds: Preliminary Results of DYNASIM Simulations</a:t>
+                      </a:r>
+                      <a:endParaRPr lang="en-US" dirty="0"/>
+                    </a:p>
+                  </a:txBody>
+                  <a:tcPr marL="0" marR="0" marT="0" marB="0">
+                    <a:lnL w="12700" cmpd="sng">
+                      <a:noFill/>
+                    </a:lnL>
+                    <a:lnR w="12700" cmpd="sng">
+                      <a:noFill/>
+                    </a:lnR>
+                    <a:lnT w="38100" cmpd="sng">
+                      <a:noFill/>
+                    </a:lnT>
+                    <a:lnB w="12700" cmpd="sng">
+                      <a:noFill/>
+                    </a:lnB>
+                    <a:lnTlToBr w="12700" cmpd="sng">
+                      <a:noFill/>
+                      <a:prstDash val="solid"/>
+                    </a:lnTlToBr>
+                    <a:lnBlToTr w="12700" cmpd="sng">
+                      <a:noFill/>
+                      <a:prstDash val="solid"/>
+                    </a:lnBlToTr>
+                    <a:noFill/>
+                  </a:tcPr>
+                </a:tc>
+                <a:extLst>
+                  <a:ext uri="{0D108BD9-81ED-4DB2-BD59-A6C34878D82A}">
+                    <a16:rowId xmlns:a16="http://schemas.microsoft.com/office/drawing/2014/main" val="10001"/>
+                  </a:ext>
+                </a:extLst>
+              </a:tr>
+              <a:tr h="207299">
+                <a:tc>
+                  <a:txBody>
+                    <a:bodyPr/>
+                    <a:lstStyle/>
+                    <a:p>
+                      <a:pPr marL="0" marR="0" lvl="0" indent="0" algn="l" defTabSz="914400" rtl="0" eaLnBrk="1" fontAlgn="auto" latinLnBrk="0" hangingPunct="1">
+                        <a:lnSpc>
+                          <a:spcPct val="100000"/>
+                        </a:lnSpc>
+                        <a:spcBef>
+                          <a:spcPts val="0"/>
+                        </a:spcBef>
+                        <a:spcAft>
+                          <a:spcPts val="0"/>
+                        </a:spcAft>
+                        <a:buClrTx/>
+                        <a:buSzTx/>
+                        <a:buFontTx/>
+                        <a:buNone/>
+                        <a:tabLst/>
+                        <a:defRPr/>
+                      </a:pPr>
+                      <a:r>
+                        <a:rPr kumimoji="0" lang="en-US" sz="1600" b="1" i="0" u="none" strike="noStrike" kern="1200" cap="none" spc="0" normalizeH="0" baseline="0" noProof="0">
+                          <a:ln>
+                            <a:noFill/>
+                          </a:ln>
+                          <a:solidFill>
+                            <a:srgbClr val="139DEC"/>
+                          </a:solidFill>
+                          <a:effectLst/>
+                          <a:uLnTx/>
+                          <a:uFillTx/>
+                          <a:latin typeface="+mn-lt"/>
+                          <a:ea typeface="+mn-ea"/>
+                          <a:cs typeface="+mn-cs"/>
+                        </a:rPr>
+                        <a:t>25 </a:t>
+                      </a:r>
+                      <a:r>
+                        <a:rPr kumimoji="0" lang="en-US" sz="1600" b="1" i="0" u="none" strike="noStrike" kern="1200" cap="none" spc="0" normalizeH="0" baseline="0" noProof="0" dirty="0">
+                          <a:ln>
+                            <a:noFill/>
+                          </a:ln>
+                          <a:solidFill>
+                            <a:srgbClr val="139DEC"/>
+                          </a:solidFill>
+                          <a:effectLst/>
+                          <a:uLnTx/>
+                          <a:uFillTx/>
+                          <a:latin typeface="+mn-lt"/>
+                          <a:ea typeface="+mn-ea"/>
+                          <a:cs typeface="+mn-cs"/>
+                        </a:rPr>
+                        <a:t>July 2024</a:t>
+                      </a:r>
+                    </a:p>
+                  </a:txBody>
+                  <a:tcPr marL="0" marR="0" marT="91440" marB="0">
+                    <a:lnL w="12700" cmpd="sng">
+                      <a:noFill/>
+                    </a:lnL>
+                    <a:lnR w="12700" cmpd="sng">
+                      <a:noFill/>
+                    </a:lnR>
+                    <a:lnT w="12700" cmpd="sng">
+                      <a:noFill/>
+                    </a:lnT>
+                    <a:lnB w="12700" cmpd="sng">
+                      <a:noFill/>
+                    </a:lnB>
+                    <a:lnTlToBr w="12700" cmpd="sng">
+                      <a:noFill/>
+                      <a:prstDash val="solid"/>
+                    </a:lnTlToBr>
+                    <a:lnBlToTr w="12700" cmpd="sng">
+                      <a:noFill/>
+                      <a:prstDash val="solid"/>
+                    </a:lnBlToTr>
+                    <a:noFill/>
+                  </a:tcPr>
+                </a:tc>
+                <a:extLst>
+                  <a:ext uri="{0D108BD9-81ED-4DB2-BD59-A6C34878D82A}">
+                    <a16:rowId xmlns:a16="http://schemas.microsoft.com/office/drawing/2014/main" val="10002"/>
+                  </a:ext>
+                </a:extLst>
+              </a:tr>
+            </a:tbl>
+          </a:graphicData>
+        </a:graphic>
+      </p:graphicFrame>
+      <p:pic>
+        <p:nvPicPr>
+          <p:cNvPr id="5" name="Picture Placeholder 4"/>
+          <p:cNvPicPr>
+            <a:picLocks noGrp="1" noChangeAspect="1"/>
+          </p:cNvPicPr>
+          <p:nvPr>
+            <p:ph type="pic" sz="quarter" idx="10"/>
+          </p:nvPr>
+        </p:nvPicPr>
+        <p:blipFill>
+          <a:blip r:embed="rId3">
+            <a:extLst>
+              <a:ext uri="{28A0092B-C50C-407E-A947-70E740481C1C}">
+                <a14:useLocalDpi xmlns:a14="http://schemas.microsoft.com/office/drawing/2010/main" val="0"/>
+              </a:ext>
+            </a:extLst>
+          </a:blip>
+          <a:srcRect t="24" b="24"/>
+          <a:stretch/>
+        </p:blipFill>
+        <p:spPr/>
+      </p:pic>
+      <p:sp>
+        <p:nvSpPr>
+          <p:cNvPr id="7" name="Text Placeholder 6">
+            <a:extLst>
+              <a:ext uri="{FF2B5EF4-FFF2-40B4-BE49-F238E27FC236}">
+                <a16:creationId xmlns:a16="http://schemas.microsoft.com/office/drawing/2014/main" id="{220AB07B-F870-6BFE-DBB3-18AD55A7E7BB}"/>
+              </a:ext>
+            </a:extLst>
+          </p:cNvPr>
+          <p:cNvSpPr>
+            <a:spLocks noGrp="1"/>
+          </p:cNvSpPr>
+          <p:nvPr>
+            <p:ph type="body" sz="quarter" idx="11"/>
+          </p:nvPr>
+        </p:nvSpPr>
+        <p:spPr/>
+        <p:txBody>
+          <a:bodyPr/>
+          <a:lstStyle/>
+          <a:p>
+            <a:r>
+              <a:rPr lang="en-US" dirty="0"/>
+              <a:t>Damir Cosic</a:t>
+            </a:r>
+          </a:p>
+        </p:txBody>
+      </p:sp>
     </p:spTree>
+    <p:extLst>
+      <p:ext uri="{BB962C8B-B14F-4D97-AF65-F5344CB8AC3E}">
+        <p14:creationId xmlns:p14="http://schemas.microsoft.com/office/powerpoint/2010/main" val="525273313"/>
+      </p:ext>
+    </p:extLst>
   </p:cSld>
+  <p:clrMapOvr>
+    <a:masterClrMapping/>
+  </p:clrMapOvr>
+  <p:transition>
+    <p:fade/>
+  </p:transition>
 </p:sld>
 </file>
 
@@ -4962,11 +6055,10 @@
           <a:bodyPr/>
           <a:lstStyle/>
           <a:p>
-            <a:pPr lvl="0" indent="0" marL="0">
+            <a:pPr marL="0" lvl="0" indent="0">
               <a:buNone/>
             </a:pPr>
             <a:r>
-              <a:rPr/>
               <a:t>Family Financial Wealth at 18 by Race/Ethnicity</a:t>
             </a:r>
           </a:p>
@@ -4974,7 +6066,7 @@
       </p:sp>
       <p:pic>
         <p:nvPicPr>
-          <p:cNvPr descr="BabyBonds-2024-07-25_files/figure-pptx/fig-finwealth-by-race-18-1.png" id="0" name="Picture 1"/>
+          <p:cNvPr id="3" name="Picture 1" descr="BabyBonds-2024-07-25_files/figure-pptx/fig-finwealth-by-race-18-1.png"/>
           <p:cNvPicPr>
             <a:picLocks noGrp="1" noChangeAspect="1"/>
           </p:cNvPicPr>
@@ -5009,7 +6101,7 @@
             <a:spLocks noGrp="1"/>
           </p:cNvSpPr>
           <p:nvPr>
-            <p:ph idx="12" sz="quarter" type="sldNum"/>
+            <p:ph type="sldNum" sz="quarter" idx="12"/>
           </p:nvPr>
         </p:nvSpPr>
         <p:spPr/>
@@ -5019,7 +6111,7 @@
           <a:p>
             <a:fld id="{C5EF2332-01BF-834F-8236-50238282D533}" type="slidenum">
               <a:rPr lang="en-US" smtClean="0"/>
-              <a:t>‹#›</a:t>
+              <a:t>10</a:t>
             </a:fld>
             <a:endParaRPr lang="en-US"/>
           </a:p>
@@ -5027,6 +6119,9 @@
       </p:sp>
     </p:spTree>
   </p:cSld>
+  <p:clrMapOvr>
+    <a:masterClrMapping/>
+  </p:clrMapOvr>
 </p:sld>
 </file>
 
@@ -5062,11 +6157,10 @@
           <a:bodyPr/>
           <a:lstStyle/>
           <a:p>
-            <a:pPr lvl="0" indent="0" marL="0">
+            <a:pPr marL="0" lvl="0" indent="0">
               <a:buNone/>
             </a:pPr>
             <a:r>
-              <a:rPr/>
               <a:t>Family Financial Wealth by Race/Ethnicity (Restricted to dependent 18-year-olds)</a:t>
             </a:r>
           </a:p>
@@ -5074,7 +6168,7 @@
       </p:sp>
       <p:pic>
         <p:nvPicPr>
-          <p:cNvPr descr="BabyBonds-2024-07-25_files/figure-pptx/fig-finwealth-by-race-dep18-1.png" id="0" name="Picture 1"/>
+          <p:cNvPr id="3" name="Picture 1" descr="BabyBonds-2024-07-25_files/figure-pptx/fig-finwealth-by-race-dep18-1.png"/>
           <p:cNvPicPr>
             <a:picLocks noGrp="1" noChangeAspect="1"/>
           </p:cNvPicPr>
@@ -5109,7 +6203,7 @@
             <a:spLocks noGrp="1"/>
           </p:cNvSpPr>
           <p:nvPr>
-            <p:ph idx="12" sz="quarter" type="sldNum"/>
+            <p:ph type="sldNum" sz="quarter" idx="12"/>
           </p:nvPr>
         </p:nvSpPr>
         <p:spPr/>
@@ -5119,7 +6213,7 @@
           <a:p>
             <a:fld id="{C5EF2332-01BF-834F-8236-50238282D533}" type="slidenum">
               <a:rPr lang="en-US" smtClean="0"/>
-              <a:t>‹#›</a:t>
+              <a:t>11</a:t>
             </a:fld>
             <a:endParaRPr lang="en-US"/>
           </a:p>
@@ -5127,6 +6221,9 @@
       </p:sp>
     </p:spTree>
   </p:cSld>
+  <p:clrMapOvr>
+    <a:masterClrMapping/>
+  </p:clrMapOvr>
 </p:sld>
 </file>
 
@@ -5162,11 +6259,10 @@
           <a:bodyPr/>
           <a:lstStyle/>
           <a:p>
-            <a:pPr lvl="0" indent="0" marL="0">
+            <a:pPr marL="0" lvl="0" indent="0">
               <a:buNone/>
             </a:pPr>
             <a:r>
-              <a:rPr/>
               <a:t>Family Financial Wealth at 18 by Family Income at Birth</a:t>
             </a:r>
           </a:p>
@@ -5174,7 +6270,7 @@
       </p:sp>
       <p:pic>
         <p:nvPicPr>
-          <p:cNvPr descr="BabyBonds-2024-07-25_files/figure-pptx/fig-finwealth-by-lhincquin-18-1.png" id="0" name="Picture 1"/>
+          <p:cNvPr id="3" name="Picture 1" descr="BabyBonds-2024-07-25_files/figure-pptx/fig-finwealth-by-lhincquin-18-1.png"/>
           <p:cNvPicPr>
             <a:picLocks noGrp="1" noChangeAspect="1"/>
           </p:cNvPicPr>
@@ -5209,7 +6305,7 @@
             <a:spLocks noGrp="1"/>
           </p:cNvSpPr>
           <p:nvPr>
-            <p:ph idx="12" sz="quarter" type="sldNum"/>
+            <p:ph type="sldNum" sz="quarter" idx="12"/>
           </p:nvPr>
         </p:nvSpPr>
         <p:spPr/>
@@ -5219,7 +6315,7 @@
           <a:p>
             <a:fld id="{C5EF2332-01BF-834F-8236-50238282D533}" type="slidenum">
               <a:rPr lang="en-US" smtClean="0"/>
-              <a:t>‹#›</a:t>
+              <a:t>12</a:t>
             </a:fld>
             <a:endParaRPr lang="en-US"/>
           </a:p>
@@ -5227,6 +6323,9 @@
       </p:sp>
     </p:spTree>
   </p:cSld>
+  <p:clrMapOvr>
+    <a:masterClrMapping/>
+  </p:clrMapOvr>
 </p:sld>
 </file>
 
@@ -5262,11 +6361,10 @@
           <a:bodyPr/>
           <a:lstStyle/>
           <a:p>
-            <a:pPr lvl="0" indent="0" marL="0">
+            <a:pPr marL="0" lvl="0" indent="0">
               <a:buNone/>
             </a:pPr>
             <a:r>
-              <a:rPr/>
               <a:t>Family Financial Wealth by Family Income at Birth (Restricted to dependent 18-year-olds)</a:t>
             </a:r>
           </a:p>
@@ -5274,7 +6372,7 @@
       </p:sp>
       <p:pic>
         <p:nvPicPr>
-          <p:cNvPr descr="BabyBonds-2024-07-25_files/figure-pptx/fig-finwealth-by-lhincquin-dep18-1.png" id="0" name="Picture 1"/>
+          <p:cNvPr id="3" name="Picture 1" descr="BabyBonds-2024-07-25_files/figure-pptx/fig-finwealth-by-lhincquin-dep18-1.png"/>
           <p:cNvPicPr>
             <a:picLocks noGrp="1" noChangeAspect="1"/>
           </p:cNvPicPr>
@@ -5309,7 +6407,7 @@
             <a:spLocks noGrp="1"/>
           </p:cNvSpPr>
           <p:nvPr>
-            <p:ph idx="12" sz="quarter" type="sldNum"/>
+            <p:ph type="sldNum" sz="quarter" idx="12"/>
           </p:nvPr>
         </p:nvSpPr>
         <p:spPr/>
@@ -5319,7 +6417,7 @@
           <a:p>
             <a:fld id="{C5EF2332-01BF-834F-8236-50238282D533}" type="slidenum">
               <a:rPr lang="en-US" smtClean="0"/>
-              <a:t>‹#›</a:t>
+              <a:t>13</a:t>
             </a:fld>
             <a:endParaRPr lang="en-US"/>
           </a:p>
@@ -5327,6 +6425,9 @@
       </p:sp>
     </p:spTree>
   </p:cSld>
+  <p:clrMapOvr>
+    <a:masterClrMapping/>
+  </p:clrMapOvr>
 </p:sld>
 </file>
 
@@ -5357,51 +6458,25 @@
             <p:ph type="title"/>
           </p:nvPr>
         </p:nvSpPr>
-        <p:spPr/>
-        <p:txBody>
-          <a:bodyPr/>
-          <a:lstStyle/>
-          <a:p>
-            <a:pPr lvl="0" indent="0" marL="0">
+        <p:spPr>
+          <a:xfrm>
+            <a:off x="722313" y="3305176"/>
+            <a:ext cx="7772400" cy="1021556"/>
+          </a:xfrm>
+        </p:spPr>
+        <p:txBody>
+          <a:bodyPr/>
+          <a:lstStyle/>
+          <a:p>
+            <a:pPr marL="0" lvl="0" indent="0">
               <a:buNone/>
             </a:pPr>
             <a:r>
-              <a:rPr/>
-              <a:t>Family Net-Worth by Race/Ethnicity</a:t>
-            </a:r>
-          </a:p>
-        </p:txBody>
-      </p:sp>
-      <p:pic>
-        <p:nvPicPr>
-          <p:cNvPr descr="BabyBonds-2024-07-25_files/figure-pptx/fig-networth-by-race-lhincquin-18-1.png" id="0" name="Picture 1"/>
-          <p:cNvPicPr>
-            <a:picLocks noGrp="1" noChangeAspect="1"/>
-          </p:cNvPicPr>
-          <p:nvPr/>
-        </p:nvPicPr>
-        <p:blipFill>
-          <a:blip r:embed="rId2"/>
-          <a:stretch>
-            <a:fillRect/>
-          </a:stretch>
-        </p:blipFill>
-        <p:spPr bwMode="auto">
-          <a:xfrm>
-            <a:off x="1866900" y="1816100"/>
-            <a:ext cx="8458200" cy="4229100"/>
-          </a:xfrm>
-          <a:prstGeom prst="rect">
-            <a:avLst/>
-          </a:prstGeom>
-          <a:noFill/>
-          <a:ln w="9525">
-            <a:noFill/>
-            <a:headEnd/>
-            <a:tailEnd/>
-          </a:ln>
-        </p:spPr>
-      </p:pic>
+              <a:t>Results at Age 45</a:t>
+            </a:r>
+          </a:p>
+        </p:txBody>
+      </p:sp>
       <p:sp>
         <p:nvSpPr>
           <p:cNvPr id="6" name="Slide Number Placeholder 5"/>
@@ -5409,7 +6484,7 @@
             <a:spLocks noGrp="1"/>
           </p:cNvSpPr>
           <p:nvPr>
-            <p:ph idx="12" sz="quarter" type="sldNum"/>
+            <p:ph type="sldNum" sz="quarter" idx="12"/>
           </p:nvPr>
         </p:nvSpPr>
         <p:spPr/>
@@ -5419,7 +6494,7 @@
           <a:p>
             <a:fld id="{C5EF2332-01BF-834F-8236-50238282D533}" type="slidenum">
               <a:rPr lang="en-US" smtClean="0"/>
-              <a:t>‹#›</a:t>
+              <a:t>14</a:t>
             </a:fld>
             <a:endParaRPr lang="en-US"/>
           </a:p>
@@ -5427,6 +6502,9 @@
       </p:sp>
     </p:spTree>
   </p:cSld>
+  <p:clrMapOvr>
+    <a:masterClrMapping/>
+  </p:clrMapOvr>
 </p:sld>
 </file>
 
@@ -5462,19 +6540,18 @@
           <a:bodyPr/>
           <a:lstStyle/>
           <a:p>
-            <a:pPr lvl="0" indent="0" marL="0">
+            <a:pPr marL="0" lvl="0" indent="0">
               <a:buNone/>
             </a:pPr>
             <a:r>
-              <a:rPr/>
-              <a:t>Family Net-Worth by Race/Ethnicity (Restricted to dependent 18-year-olds)</a:t>
+              <a:t>Share of People with College Degree by Race/Ethnicity</a:t>
             </a:r>
           </a:p>
         </p:txBody>
       </p:sp>
       <p:pic>
         <p:nvPicPr>
-          <p:cNvPr descr="BabyBonds-2024-07-25_files/figure-pptx/fig-networth-by-race-lhincquin-dep18-1.png" id="0" name="Picture 1"/>
+          <p:cNvPr id="3" name="Picture 1" descr="BabyBonds-2024-07-25_files/figure-pptx/fig-coldeg-share-by-race-45-1.png"/>
           <p:cNvPicPr>
             <a:picLocks noGrp="1" noChangeAspect="1"/>
           </p:cNvPicPr>
@@ -5509,7 +6586,7 @@
             <a:spLocks noGrp="1"/>
           </p:cNvSpPr>
           <p:nvPr>
-            <p:ph idx="12" sz="quarter" type="sldNum"/>
+            <p:ph type="sldNum" sz="quarter" idx="12"/>
           </p:nvPr>
         </p:nvSpPr>
         <p:spPr/>
@@ -5519,7 +6596,7 @@
           <a:p>
             <a:fld id="{C5EF2332-01BF-834F-8236-50238282D533}" type="slidenum">
               <a:rPr lang="en-US" smtClean="0"/>
-              <a:t>‹#›</a:t>
+              <a:t>15</a:t>
             </a:fld>
             <a:endParaRPr lang="en-US"/>
           </a:p>
@@ -5527,6 +6604,9 @@
       </p:sp>
     </p:spTree>
   </p:cSld>
+  <p:clrMapOvr>
+    <a:masterClrMapping/>
+  </p:clrMapOvr>
 </p:sld>
 </file>
 
@@ -5562,19 +6642,18 @@
           <a:bodyPr/>
           <a:lstStyle/>
           <a:p>
-            <a:pPr lvl="0" indent="0" marL="0">
+            <a:pPr marL="0" lvl="0" indent="0">
               <a:buNone/>
             </a:pPr>
             <a:r>
-              <a:rPr/>
-              <a:t>Family Home Equity by Race/Ethnicity</a:t>
+              <a:t>Share of People with College Degree by Race/Ethnicity and Sex</a:t>
             </a:r>
           </a:p>
         </p:txBody>
       </p:sp>
       <p:pic>
         <p:nvPicPr>
-          <p:cNvPr descr="BabyBonds-2024-07-25_files/figure-pptx/fig-homeeq-by-race-lhincquin-18-1.png" id="0" name="Picture 1"/>
+          <p:cNvPr id="3" name="Picture 1" descr="BabyBonds-2024-07-25_files/figure-pptx/fig-coldeg-share-by-race-sex-45-1.png"/>
           <p:cNvPicPr>
             <a:picLocks noGrp="1" noChangeAspect="1"/>
           </p:cNvPicPr>
@@ -5609,7 +6688,7 @@
             <a:spLocks noGrp="1"/>
           </p:cNvSpPr>
           <p:nvPr>
-            <p:ph idx="12" sz="quarter" type="sldNum"/>
+            <p:ph type="sldNum" sz="quarter" idx="12"/>
           </p:nvPr>
         </p:nvSpPr>
         <p:spPr/>
@@ -5619,7 +6698,7 @@
           <a:p>
             <a:fld id="{C5EF2332-01BF-834F-8236-50238282D533}" type="slidenum">
               <a:rPr lang="en-US" smtClean="0"/>
-              <a:t>‹#›</a:t>
+              <a:t>16</a:t>
             </a:fld>
             <a:endParaRPr lang="en-US"/>
           </a:p>
@@ -5627,6 +6706,9 @@
       </p:sp>
     </p:spTree>
   </p:cSld>
+  <p:clrMapOvr>
+    <a:masterClrMapping/>
+  </p:clrMapOvr>
 </p:sld>
 </file>
 
@@ -5662,19 +6744,18 @@
           <a:bodyPr/>
           <a:lstStyle/>
           <a:p>
-            <a:pPr lvl="0" indent="0" marL="0">
+            <a:pPr marL="0" lvl="0" indent="0">
               <a:buNone/>
             </a:pPr>
             <a:r>
-              <a:rPr/>
-              <a:t>Family Home Equity by Race/Ethnicity (Restricted to dependent 18-year-olds)</a:t>
+              <a:t>Share of People with College Degree by Quintile of Family Income at Birth</a:t>
             </a:r>
           </a:p>
         </p:txBody>
       </p:sp>
       <p:pic>
         <p:nvPicPr>
-          <p:cNvPr descr="BabyBonds-2024-07-25_files/figure-pptx/fig-homeeq-by-race-lhincquin-dep18-1.png" id="0" name="Picture 1"/>
+          <p:cNvPr id="3" name="Picture 1" descr="BabyBonds-2024-07-25_files/figure-pptx/fig-coldeg-share-by-lhinc0quin-45-1.png"/>
           <p:cNvPicPr>
             <a:picLocks noGrp="1" noChangeAspect="1"/>
           </p:cNvPicPr>
@@ -5709,7 +6790,7 @@
             <a:spLocks noGrp="1"/>
           </p:cNvSpPr>
           <p:nvPr>
-            <p:ph idx="12" sz="quarter" type="sldNum"/>
+            <p:ph type="sldNum" sz="quarter" idx="12"/>
           </p:nvPr>
         </p:nvSpPr>
         <p:spPr/>
@@ -5719,7 +6800,7 @@
           <a:p>
             <a:fld id="{C5EF2332-01BF-834F-8236-50238282D533}" type="slidenum">
               <a:rPr lang="en-US" smtClean="0"/>
-              <a:t>‹#›</a:t>
+              <a:t>17</a:t>
             </a:fld>
             <a:endParaRPr lang="en-US"/>
           </a:p>
@@ -5727,6 +6808,9 @@
       </p:sp>
     </p:spTree>
   </p:cSld>
+  <p:clrMapOvr>
+    <a:masterClrMapping/>
+  </p:clrMapOvr>
 </p:sld>
 </file>
 
@@ -5757,26 +6841,50 @@
             <p:ph type="title"/>
           </p:nvPr>
         </p:nvSpPr>
-        <p:spPr>
-          <a:xfrm>
-            <a:off x="722313" y="3305176"/>
-            <a:ext cx="7772400" cy="1021556"/>
-          </a:xfrm>
-        </p:spPr>
-        <p:txBody>
-          <a:bodyPr/>
-          <a:lstStyle/>
-          <a:p>
-            <a:pPr lvl="0" indent="0" marL="0">
+        <p:spPr/>
+        <p:txBody>
+          <a:bodyPr/>
+          <a:lstStyle/>
+          <a:p>
+            <a:pPr marL="0" lvl="0" indent="0">
               <a:buNone/>
             </a:pPr>
             <a:r>
-              <a:rPr/>
-              <a:t>Results at Age 45</a:t>
-            </a:r>
-          </a:p>
-        </p:txBody>
-      </p:sp>
+              <a:t>Share of People with College Degree by Quintile of Family Income at Birth and Sex</a:t>
+            </a:r>
+          </a:p>
+        </p:txBody>
+      </p:sp>
+      <p:pic>
+        <p:nvPicPr>
+          <p:cNvPr id="3" name="Picture 1" descr="BabyBonds-2024-07-25_files/figure-pptx/fig-coldeg-share-by-lhinc0quin-sex-45-1.png"/>
+          <p:cNvPicPr>
+            <a:picLocks noGrp="1" noChangeAspect="1"/>
+          </p:cNvPicPr>
+          <p:nvPr/>
+        </p:nvPicPr>
+        <p:blipFill>
+          <a:blip r:embed="rId2"/>
+          <a:stretch>
+            <a:fillRect/>
+          </a:stretch>
+        </p:blipFill>
+        <p:spPr bwMode="auto">
+          <a:xfrm>
+            <a:off x="1866900" y="1816100"/>
+            <a:ext cx="8458200" cy="4229100"/>
+          </a:xfrm>
+          <a:prstGeom prst="rect">
+            <a:avLst/>
+          </a:prstGeom>
+          <a:noFill/>
+          <a:ln w="9525">
+            <a:noFill/>
+            <a:headEnd/>
+            <a:tailEnd/>
+          </a:ln>
+        </p:spPr>
+      </p:pic>
       <p:sp>
         <p:nvSpPr>
           <p:cNvPr id="6" name="Slide Number Placeholder 5"/>
@@ -5784,7 +6892,7 @@
             <a:spLocks noGrp="1"/>
           </p:cNvSpPr>
           <p:nvPr>
-            <p:ph idx="12" sz="quarter" type="sldNum"/>
+            <p:ph type="sldNum" sz="quarter" idx="12"/>
           </p:nvPr>
         </p:nvSpPr>
         <p:spPr/>
@@ -5794,7 +6902,7 @@
           <a:p>
             <a:fld id="{C5EF2332-01BF-834F-8236-50238282D533}" type="slidenum">
               <a:rPr lang="en-US" smtClean="0"/>
-              <a:t>‹#›</a:t>
+              <a:t>18</a:t>
             </a:fld>
             <a:endParaRPr lang="en-US"/>
           </a:p>
@@ -5802,6 +6910,9 @@
       </p:sp>
     </p:spTree>
   </p:cSld>
+  <p:clrMapOvr>
+    <a:masterClrMapping/>
+  </p:clrMapOvr>
 </p:sld>
 </file>
 
@@ -5837,19 +6948,18 @@
           <a:bodyPr/>
           <a:lstStyle/>
           <a:p>
-            <a:pPr lvl="0" indent="0" marL="0">
+            <a:pPr marL="0" lvl="0" indent="0">
               <a:buNone/>
             </a:pPr>
             <a:r>
-              <a:rPr/>
-              <a:t>Share of People with College Degree by Race/Ethnicity</a:t>
+              <a:t>Share of People who Took a Student Loan by Race/Ethnicity and Sex</a:t>
             </a:r>
           </a:p>
         </p:txBody>
       </p:sp>
       <p:pic>
         <p:nvPicPr>
-          <p:cNvPr descr="BabyBonds-2024-07-25_files/figure-pptx/fig-coldeg-share-by-race-45-1.png" id="0" name="Picture 1"/>
+          <p:cNvPr id="3" name="Picture 1" descr="BabyBonds-2024-07-25_files/figure-pptx/fig-share-stdebt-by-race-sex-45-1.png"/>
           <p:cNvPicPr>
             <a:picLocks noGrp="1" noChangeAspect="1"/>
           </p:cNvPicPr>
@@ -5884,7 +6994,7 @@
             <a:spLocks noGrp="1"/>
           </p:cNvSpPr>
           <p:nvPr>
-            <p:ph idx="12" sz="quarter" type="sldNum"/>
+            <p:ph type="sldNum" sz="quarter" idx="12"/>
           </p:nvPr>
         </p:nvSpPr>
         <p:spPr/>
@@ -5894,7 +7004,7 @@
           <a:p>
             <a:fld id="{C5EF2332-01BF-834F-8236-50238282D533}" type="slidenum">
               <a:rPr lang="en-US" smtClean="0"/>
-              <a:t>‹#›</a:t>
+              <a:t>19</a:t>
             </a:fld>
             <a:endParaRPr lang="en-US"/>
           </a:p>
@@ -5902,6 +7012,9 @@
       </p:sp>
     </p:spTree>
   </p:cSld>
+  <p:clrMapOvr>
+    <a:masterClrMapping/>
+  </p:clrMapOvr>
 </p:sld>
 </file>
 
@@ -5937,11 +7050,10 @@
           <a:bodyPr/>
           <a:lstStyle/>
           <a:p>
-            <a:pPr lvl="0" indent="0" marL="0">
+            <a:pPr marL="0" lvl="0" indent="0">
               <a:buNone/>
             </a:pPr>
             <a:r>
-              <a:rPr/>
               <a:t>Baby Bonds Simulations</a:t>
             </a:r>
           </a:p>
@@ -5964,35 +7076,30 @@
           <a:p>
             <a:pPr lvl="0"/>
             <a:r>
-              <a:rPr/>
               <a:t>The Baby Bonds program as defined in the American Opportunity Accounts Act starts in 2024.</a:t>
             </a:r>
           </a:p>
           <a:p>
             <a:pPr lvl="0"/>
             <a:r>
-              <a:rPr/>
               <a:t>We simulate the use of baby bonds for college education, home purchase, and retirement savings.</a:t>
             </a:r>
           </a:p>
           <a:p>
             <a:pPr lvl="0"/>
             <a:r>
-              <a:rPr/>
               <a:t>College students who would take student loans use the maximum anount of baby bonds up to the amount of loans.</a:t>
             </a:r>
           </a:p>
           <a:p>
             <a:pPr lvl="0"/>
             <a:r>
-              <a:rPr/>
               <a:t>People who did not use their baby bonds for college, use them for home purchase if they decide to buy one.</a:t>
             </a:r>
           </a:p>
           <a:p>
             <a:pPr lvl="0"/>
             <a:r>
-              <a:rPr/>
               <a:t>Any residual baby bonds are added to retirement savings.</a:t>
             </a:r>
           </a:p>
@@ -6005,7 +7112,7 @@
             <a:spLocks noGrp="1"/>
           </p:cNvSpPr>
           <p:nvPr>
-            <p:ph idx="12" sz="quarter" type="sldNum"/>
+            <p:ph type="sldNum" sz="quarter" idx="12"/>
           </p:nvPr>
         </p:nvSpPr>
         <p:spPr/>
@@ -6015,7 +7122,7 @@
           <a:p>
             <a:fld id="{C5EF2332-01BF-834F-8236-50238282D533}" type="slidenum">
               <a:rPr lang="en-US" smtClean="0"/>
-              <a:t>‹#›</a:t>
+              <a:t>2</a:t>
             </a:fld>
             <a:endParaRPr lang="en-US"/>
           </a:p>
@@ -6023,6 +7130,9 @@
       </p:sp>
     </p:spTree>
   </p:cSld>
+  <p:clrMapOvr>
+    <a:masterClrMapping/>
+  </p:clrMapOvr>
 </p:sld>
 </file>
 
@@ -6058,19 +7168,18 @@
           <a:bodyPr/>
           <a:lstStyle/>
           <a:p>
-            <a:pPr lvl="0" indent="0" marL="0">
+            <a:pPr marL="0" lvl="0" indent="0">
               <a:buNone/>
             </a:pPr>
             <a:r>
-              <a:rPr/>
-              <a:t>Share of People with College Degree by Race/Ethnicity and Sex</a:t>
+              <a:t>Average Student Loan Debt at College Exit among College Attendees by Race/Ethnicity and Sex</a:t>
             </a:r>
           </a:p>
         </p:txBody>
       </p:sp>
       <p:pic>
         <p:nvPicPr>
-          <p:cNvPr descr="BabyBonds-2024-07-25_files/figure-pptx/fig-coldeg-share-by-race-sex-45-1.png" id="0" name="Picture 1"/>
+          <p:cNvPr id="3" name="Picture 1" descr="BabyBonds-2024-07-25_files/figure-pptx/fig-avg-stdebt-by-race-sex-45-1.png"/>
           <p:cNvPicPr>
             <a:picLocks noGrp="1" noChangeAspect="1"/>
           </p:cNvPicPr>
@@ -6105,7 +7214,7 @@
             <a:spLocks noGrp="1"/>
           </p:cNvSpPr>
           <p:nvPr>
-            <p:ph idx="12" sz="quarter" type="sldNum"/>
+            <p:ph type="sldNum" sz="quarter" idx="12"/>
           </p:nvPr>
         </p:nvSpPr>
         <p:spPr/>
@@ -6115,7 +7224,7 @@
           <a:p>
             <a:fld id="{C5EF2332-01BF-834F-8236-50238282D533}" type="slidenum">
               <a:rPr lang="en-US" smtClean="0"/>
-              <a:t>‹#›</a:t>
+              <a:t>20</a:t>
             </a:fld>
             <a:endParaRPr lang="en-US"/>
           </a:p>
@@ -6123,6 +7232,9 @@
       </p:sp>
     </p:spTree>
   </p:cSld>
+  <p:clrMapOvr>
+    <a:masterClrMapping/>
+  </p:clrMapOvr>
 </p:sld>
 </file>
 
@@ -6158,19 +7270,18 @@
           <a:bodyPr/>
           <a:lstStyle/>
           <a:p>
-            <a:pPr lvl="0" indent="0" marL="0">
+            <a:pPr marL="0" lvl="0" indent="0">
               <a:buNone/>
             </a:pPr>
             <a:r>
-              <a:rPr/>
-              <a:t>Share of People with College Degree by Quintile of Family Income at Birth</a:t>
+              <a:t>Average Student Loan Debt at College Exit Among Borrowers by Race/Ethnicity and Sex</a:t>
             </a:r>
           </a:p>
         </p:txBody>
       </p:sp>
       <p:pic>
         <p:nvPicPr>
-          <p:cNvPr descr="BabyBonds-2024-07-25_files/figure-pptx/fig-coldeg-share-by-lhinc0quin-45-1.png" id="0" name="Picture 1"/>
+          <p:cNvPr id="3" name="Picture 1" descr="BabyBonds-2024-07-25_files/figure-pptx/fig-avg-stdebt-by-race-sex-45-brw-1.png"/>
           <p:cNvPicPr>
             <a:picLocks noGrp="1" noChangeAspect="1"/>
           </p:cNvPicPr>
@@ -6205,7 +7316,7 @@
             <a:spLocks noGrp="1"/>
           </p:cNvSpPr>
           <p:nvPr>
-            <p:ph idx="12" sz="quarter" type="sldNum"/>
+            <p:ph type="sldNum" sz="quarter" idx="12"/>
           </p:nvPr>
         </p:nvSpPr>
         <p:spPr/>
@@ -6215,7 +7326,7 @@
           <a:p>
             <a:fld id="{C5EF2332-01BF-834F-8236-50238282D533}" type="slidenum">
               <a:rPr lang="en-US" smtClean="0"/>
-              <a:t>‹#›</a:t>
+              <a:t>21</a:t>
             </a:fld>
             <a:endParaRPr lang="en-US"/>
           </a:p>
@@ -6223,6 +7334,9 @@
       </p:sp>
     </p:spTree>
   </p:cSld>
+  <p:clrMapOvr>
+    <a:masterClrMapping/>
+  </p:clrMapOvr>
 </p:sld>
 </file>
 
@@ -6258,19 +7372,18 @@
           <a:bodyPr/>
           <a:lstStyle/>
           <a:p>
-            <a:pPr lvl="0" indent="0" marL="0">
+            <a:pPr marL="0" lvl="0" indent="0">
               <a:buNone/>
             </a:pPr>
             <a:r>
-              <a:rPr/>
-              <a:t>Share of People with College Degree by Quintile of Family Income at Birth and Sex</a:t>
+              <a:t>Median Student Loan Debt at College Exit Among Borrowers by Race/Ethnicity and Sex</a:t>
             </a:r>
           </a:p>
         </p:txBody>
       </p:sp>
       <p:pic>
         <p:nvPicPr>
-          <p:cNvPr descr="BabyBonds-2024-07-25_files/figure-pptx/fig-coldeg-share-by-lhinc0quin-sex-45-1.png" id="0" name="Picture 1"/>
+          <p:cNvPr id="3" name="Picture 1" descr="BabyBonds-2024-07-25_files/figure-pptx/fig-med-stdebt-by-race-sex-45-brw-1.png"/>
           <p:cNvPicPr>
             <a:picLocks noGrp="1" noChangeAspect="1"/>
           </p:cNvPicPr>
@@ -6305,7 +7418,7 @@
             <a:spLocks noGrp="1"/>
           </p:cNvSpPr>
           <p:nvPr>
-            <p:ph idx="12" sz="quarter" type="sldNum"/>
+            <p:ph type="sldNum" sz="quarter" idx="12"/>
           </p:nvPr>
         </p:nvSpPr>
         <p:spPr/>
@@ -6315,7 +7428,7 @@
           <a:p>
             <a:fld id="{C5EF2332-01BF-834F-8236-50238282D533}" type="slidenum">
               <a:rPr lang="en-US" smtClean="0"/>
-              <a:t>‹#›</a:t>
+              <a:t>22</a:t>
             </a:fld>
             <a:endParaRPr lang="en-US"/>
           </a:p>
@@ -6323,6 +7436,9 @@
       </p:sp>
     </p:spTree>
   </p:cSld>
+  <p:clrMapOvr>
+    <a:masterClrMapping/>
+  </p:clrMapOvr>
 </p:sld>
 </file>
 
@@ -6358,19 +7474,18 @@
           <a:bodyPr/>
           <a:lstStyle/>
           <a:p>
-            <a:pPr lvl="0" indent="0" marL="0">
+            <a:pPr marL="0" lvl="0" indent="0">
               <a:buNone/>
             </a:pPr>
             <a:r>
-              <a:rPr/>
-              <a:t>Share of People who Took a Student Loan by Race/Ethnicity and Sex</a:t>
+              <a:t>Share of People who Took a Student Loan by Family Income at Birth</a:t>
             </a:r>
           </a:p>
         </p:txBody>
       </p:sp>
       <p:pic>
         <p:nvPicPr>
-          <p:cNvPr descr="BabyBonds-2024-07-25_files/figure-pptx/fig-share-stdebt-by-race-sex-45-1.png" id="0" name="Picture 1"/>
+          <p:cNvPr id="3" name="Picture 1" descr="BabyBonds-2024-07-25_files/figure-pptx/fig-share-stdebt-by-lhincquin-sex-45-1.png"/>
           <p:cNvPicPr>
             <a:picLocks noGrp="1" noChangeAspect="1"/>
           </p:cNvPicPr>
@@ -6405,7 +7520,7 @@
             <a:spLocks noGrp="1"/>
           </p:cNvSpPr>
           <p:nvPr>
-            <p:ph idx="12" sz="quarter" type="sldNum"/>
+            <p:ph type="sldNum" sz="quarter" idx="12"/>
           </p:nvPr>
         </p:nvSpPr>
         <p:spPr/>
@@ -6415,7 +7530,7 @@
           <a:p>
             <a:fld id="{C5EF2332-01BF-834F-8236-50238282D533}" type="slidenum">
               <a:rPr lang="en-US" smtClean="0"/>
-              <a:t>‹#›</a:t>
+              <a:t>23</a:t>
             </a:fld>
             <a:endParaRPr lang="en-US"/>
           </a:p>
@@ -6423,6 +7538,9 @@
       </p:sp>
     </p:spTree>
   </p:cSld>
+  <p:clrMapOvr>
+    <a:masterClrMapping/>
+  </p:clrMapOvr>
 </p:sld>
 </file>
 
@@ -6458,19 +7576,18 @@
           <a:bodyPr/>
           <a:lstStyle/>
           <a:p>
-            <a:pPr lvl="0" indent="0" marL="0">
+            <a:pPr marL="0" lvl="0" indent="0">
               <a:buNone/>
             </a:pPr>
             <a:r>
-              <a:rPr/>
-              <a:t>Average Student Loan Debt at College Exit among College Attendees by Race/Ethnicity and Sex</a:t>
+              <a:t>Average Student Loan Debt at College Exit among College Attendees by Quintile of Family Income at Birth and Sex</a:t>
             </a:r>
           </a:p>
         </p:txBody>
       </p:sp>
       <p:pic>
         <p:nvPicPr>
-          <p:cNvPr descr="BabyBonds-2024-07-25_files/figure-pptx/fig-avg-stdebt-by-race-sex-45-1.png" id="0" name="Picture 1"/>
+          <p:cNvPr id="3" name="Picture 1" descr="BabyBonds-2024-07-25_files/figure-pptx/fig-avg-stdebt-by-lhincquin-sex-45-1.png"/>
           <p:cNvPicPr>
             <a:picLocks noGrp="1" noChangeAspect="1"/>
           </p:cNvPicPr>
@@ -6505,7 +7622,7 @@
             <a:spLocks noGrp="1"/>
           </p:cNvSpPr>
           <p:nvPr>
-            <p:ph idx="12" sz="quarter" type="sldNum"/>
+            <p:ph type="sldNum" sz="quarter" idx="12"/>
           </p:nvPr>
         </p:nvSpPr>
         <p:spPr/>
@@ -6515,7 +7632,7 @@
           <a:p>
             <a:fld id="{C5EF2332-01BF-834F-8236-50238282D533}" type="slidenum">
               <a:rPr lang="en-US" smtClean="0"/>
-              <a:t>‹#›</a:t>
+              <a:t>24</a:t>
             </a:fld>
             <a:endParaRPr lang="en-US"/>
           </a:p>
@@ -6523,6 +7640,9 @@
       </p:sp>
     </p:spTree>
   </p:cSld>
+  <p:clrMapOvr>
+    <a:masterClrMapping/>
+  </p:clrMapOvr>
 </p:sld>
 </file>
 
@@ -6558,19 +7678,18 @@
           <a:bodyPr/>
           <a:lstStyle/>
           <a:p>
-            <a:pPr lvl="0" indent="0" marL="0">
+            <a:pPr marL="0" lvl="0" indent="0">
               <a:buNone/>
             </a:pPr>
             <a:r>
-              <a:rPr/>
-              <a:t>Average Student Loan Debt at College Exit Among Borrowers by Race/Ethnicity and Sex</a:t>
+              <a:t>Average Student Loan Debt at College Exit Among Borrowers by Family Income at Birth and Sex</a:t>
             </a:r>
           </a:p>
         </p:txBody>
       </p:sp>
       <p:pic>
         <p:nvPicPr>
-          <p:cNvPr descr="BabyBonds-2024-07-25_files/figure-pptx/fig-avg-stdebt-by-race-sex-45-brw-1.png" id="0" name="Picture 1"/>
+          <p:cNvPr id="3" name="Picture 1" descr="BabyBonds-2024-07-25_files/figure-pptx/fig-avg-stdebt-by-lhincquin-sex-45-brw-1.png"/>
           <p:cNvPicPr>
             <a:picLocks noGrp="1" noChangeAspect="1"/>
           </p:cNvPicPr>
@@ -6605,7 +7724,7 @@
             <a:spLocks noGrp="1"/>
           </p:cNvSpPr>
           <p:nvPr>
-            <p:ph idx="12" sz="quarter" type="sldNum"/>
+            <p:ph type="sldNum" sz="quarter" idx="12"/>
           </p:nvPr>
         </p:nvSpPr>
         <p:spPr/>
@@ -6615,7 +7734,7 @@
           <a:p>
             <a:fld id="{C5EF2332-01BF-834F-8236-50238282D533}" type="slidenum">
               <a:rPr lang="en-US" smtClean="0"/>
-              <a:t>‹#›</a:t>
+              <a:t>25</a:t>
             </a:fld>
             <a:endParaRPr lang="en-US"/>
           </a:p>
@@ -6623,6 +7742,9 @@
       </p:sp>
     </p:spTree>
   </p:cSld>
+  <p:clrMapOvr>
+    <a:masterClrMapping/>
+  </p:clrMapOvr>
 </p:sld>
 </file>
 
@@ -6658,19 +7780,18 @@
           <a:bodyPr/>
           <a:lstStyle/>
           <a:p>
-            <a:pPr lvl="0" indent="0" marL="0">
+            <a:pPr marL="0" lvl="0" indent="0">
               <a:buNone/>
             </a:pPr>
             <a:r>
-              <a:rPr/>
-              <a:t>Median Student Loan Debt at College Exit Among Borrowers by Race/Ethnicity and Sex</a:t>
+              <a:t>Median Student Loan Debt at College Exit Among Borrowers by Quintile of Family Income at Birth and Sex</a:t>
             </a:r>
           </a:p>
         </p:txBody>
       </p:sp>
       <p:pic>
         <p:nvPicPr>
-          <p:cNvPr descr="BabyBonds-2024-07-25_files/figure-pptx/fig-med-stdebt-by-race-sex-45-brw-1.png" id="0" name="Picture 1"/>
+          <p:cNvPr id="3" name="Picture 1" descr="BabyBonds-2024-07-25_files/figure-pptx/fig-med-stdebt-by-lhincquin-sex-45-brw-1.png"/>
           <p:cNvPicPr>
             <a:picLocks noGrp="1" noChangeAspect="1"/>
           </p:cNvPicPr>
@@ -6705,7 +7826,7 @@
             <a:spLocks noGrp="1"/>
           </p:cNvSpPr>
           <p:nvPr>
-            <p:ph idx="12" sz="quarter" type="sldNum"/>
+            <p:ph type="sldNum" sz="quarter" idx="12"/>
           </p:nvPr>
         </p:nvSpPr>
         <p:spPr/>
@@ -6715,7 +7836,7 @@
           <a:p>
             <a:fld id="{C5EF2332-01BF-834F-8236-50238282D533}" type="slidenum">
               <a:rPr lang="en-US" smtClean="0"/>
-              <a:t>‹#›</a:t>
+              <a:t>26</a:t>
             </a:fld>
             <a:endParaRPr lang="en-US"/>
           </a:p>
@@ -6723,6 +7844,9 @@
       </p:sp>
     </p:spTree>
   </p:cSld>
+  <p:clrMapOvr>
+    <a:masterClrMapping/>
+  </p:clrMapOvr>
 </p:sld>
 </file>
 
@@ -6758,19 +7882,18 @@
           <a:bodyPr/>
           <a:lstStyle/>
           <a:p>
-            <a:pPr lvl="0" indent="0" marL="0">
+            <a:pPr marL="0" lvl="0" indent="0">
               <a:buNone/>
             </a:pPr>
             <a:r>
-              <a:rPr/>
-              <a:t>Share of People who Took a Student Loan by Family Income at Birth</a:t>
+              <a:t>Average Earnings by Race/Ethnicity and Sex</a:t>
             </a:r>
           </a:p>
         </p:txBody>
       </p:sp>
       <p:pic>
         <p:nvPicPr>
-          <p:cNvPr descr="BabyBonds-2024-07-25_files/figure-pptx/fig-share-stdebt-by-lhincquin-sex-45-1.png" id="0" name="Picture 1"/>
+          <p:cNvPr id="3" name="Picture 1" descr="BabyBonds-2024-07-25_files/figure-pptx/fig-avg-earn-by-race-sex-45-1.png"/>
           <p:cNvPicPr>
             <a:picLocks noGrp="1" noChangeAspect="1"/>
           </p:cNvPicPr>
@@ -6805,7 +7928,7 @@
             <a:spLocks noGrp="1"/>
           </p:cNvSpPr>
           <p:nvPr>
-            <p:ph idx="12" sz="quarter" type="sldNum"/>
+            <p:ph type="sldNum" sz="quarter" idx="12"/>
           </p:nvPr>
         </p:nvSpPr>
         <p:spPr/>
@@ -6815,7 +7938,7 @@
           <a:p>
             <a:fld id="{C5EF2332-01BF-834F-8236-50238282D533}" type="slidenum">
               <a:rPr lang="en-US" smtClean="0"/>
-              <a:t>‹#›</a:t>
+              <a:t>27</a:t>
             </a:fld>
             <a:endParaRPr lang="en-US"/>
           </a:p>
@@ -6823,6 +7946,9 @@
       </p:sp>
     </p:spTree>
   </p:cSld>
+  <p:clrMapOvr>
+    <a:masterClrMapping/>
+  </p:clrMapOvr>
 </p:sld>
 </file>
 
@@ -6858,19 +7984,18 @@
           <a:bodyPr/>
           <a:lstStyle/>
           <a:p>
-            <a:pPr lvl="0" indent="0" marL="0">
+            <a:pPr marL="0" lvl="0" indent="0">
               <a:buNone/>
             </a:pPr>
             <a:r>
-              <a:rPr/>
-              <a:t>Average Student Loan Debt at College Exit among College Attendees by Quintile of Family Income at Birth and Sex</a:t>
+              <a:t>Median Earnings by Race/Ethnicity and Sex</a:t>
             </a:r>
           </a:p>
         </p:txBody>
       </p:sp>
       <p:pic>
         <p:nvPicPr>
-          <p:cNvPr descr="BabyBonds-2024-07-25_files/figure-pptx/fig-avg-stdebt-by-lhincquin-sex-45-1.png" id="0" name="Picture 1"/>
+          <p:cNvPr id="3" name="Picture 1" descr="BabyBonds-2024-07-25_files/figure-pptx/fig-med-earn-by-race-sex-45-1.png"/>
           <p:cNvPicPr>
             <a:picLocks noGrp="1" noChangeAspect="1"/>
           </p:cNvPicPr>
@@ -6905,7 +8030,7 @@
             <a:spLocks noGrp="1"/>
           </p:cNvSpPr>
           <p:nvPr>
-            <p:ph idx="12" sz="quarter" type="sldNum"/>
+            <p:ph type="sldNum" sz="quarter" idx="12"/>
           </p:nvPr>
         </p:nvSpPr>
         <p:spPr/>
@@ -6915,7 +8040,7 @@
           <a:p>
             <a:fld id="{C5EF2332-01BF-834F-8236-50238282D533}" type="slidenum">
               <a:rPr lang="en-US" smtClean="0"/>
-              <a:t>‹#›</a:t>
+              <a:t>28</a:t>
             </a:fld>
             <a:endParaRPr lang="en-US"/>
           </a:p>
@@ -6923,6 +8048,9 @@
       </p:sp>
     </p:spTree>
   </p:cSld>
+  <p:clrMapOvr>
+    <a:masterClrMapping/>
+  </p:clrMapOvr>
 </p:sld>
 </file>
 
@@ -6958,19 +8086,18 @@
           <a:bodyPr/>
           <a:lstStyle/>
           <a:p>
-            <a:pPr lvl="0" indent="0" marL="0">
+            <a:pPr marL="0" lvl="0" indent="0">
               <a:buNone/>
             </a:pPr>
             <a:r>
-              <a:rPr/>
-              <a:t>Average Student Loan Debt at College Exit Among Borrowers by Family Income at Birth and Sex</a:t>
+              <a:t>Average Earnings by Educational Attainment and Sex</a:t>
             </a:r>
           </a:p>
         </p:txBody>
       </p:sp>
       <p:pic>
         <p:nvPicPr>
-          <p:cNvPr descr="BabyBonds-2024-07-25_files/figure-pptx/fig-avg-stdebt-by-lhincquin-sex-45-brw-1.png" id="0" name="Picture 1"/>
+          <p:cNvPr id="3" name="Picture 1" descr="BabyBonds-2024-07-25_files/figure-pptx/fig-avg-earn-by-educ-sex-45-1.png"/>
           <p:cNvPicPr>
             <a:picLocks noGrp="1" noChangeAspect="1"/>
           </p:cNvPicPr>
@@ -7005,7 +8132,7 @@
             <a:spLocks noGrp="1"/>
           </p:cNvSpPr>
           <p:nvPr>
-            <p:ph idx="12" sz="quarter" type="sldNum"/>
+            <p:ph type="sldNum" sz="quarter" idx="12"/>
           </p:nvPr>
         </p:nvSpPr>
         <p:spPr/>
@@ -7015,7 +8142,7 @@
           <a:p>
             <a:fld id="{C5EF2332-01BF-834F-8236-50238282D533}" type="slidenum">
               <a:rPr lang="en-US" smtClean="0"/>
-              <a:t>‹#›</a:t>
+              <a:t>29</a:t>
             </a:fld>
             <a:endParaRPr lang="en-US"/>
           </a:p>
@@ -7023,6 +8150,9 @@
       </p:sp>
     </p:spTree>
   </p:cSld>
+  <p:clrMapOvr>
+    <a:masterClrMapping/>
+  </p:clrMapOvr>
 </p:sld>
 </file>
 
@@ -7058,11 +8188,10 @@
           <a:bodyPr/>
           <a:lstStyle/>
           <a:p>
-            <a:pPr lvl="0" indent="0" marL="0">
+            <a:pPr marL="0" lvl="0" indent="0">
               <a:buNone/>
             </a:pPr>
             <a:r>
-              <a:rPr/>
               <a:t>Analysis</a:t>
             </a:r>
           </a:p>
@@ -7085,35 +8214,30 @@
           <a:p>
             <a:pPr lvl="0"/>
             <a:r>
-              <a:rPr/>
               <a:t>This analysis observes people born from 2024 to 2028</a:t>
             </a:r>
           </a:p>
           <a:p>
             <a:pPr lvl="0"/>
             <a:r>
-              <a:rPr/>
               <a:t>It analyzes the following outcomes:</a:t>
             </a:r>
           </a:p>
           <a:p>
             <a:pPr lvl="1"/>
             <a:r>
-              <a:rPr/>
               <a:t>At age 18, demographic composition, the amount of baby bonds.</a:t>
             </a:r>
           </a:p>
           <a:p>
             <a:pPr lvl="1"/>
             <a:r>
-              <a:rPr/>
               <a:t>At age 45, the share of people with college degree, student loan debt, earnings, and homeownership.</a:t>
             </a:r>
           </a:p>
           <a:p>
             <a:pPr lvl="1"/>
             <a:r>
-              <a:rPr/>
               <a:t>At age 65, retirement savings and lifetime earnings.</a:t>
             </a:r>
           </a:p>
@@ -7126,7 +8250,7 @@
             <a:spLocks noGrp="1"/>
           </p:cNvSpPr>
           <p:nvPr>
-            <p:ph idx="12" sz="quarter" type="sldNum"/>
+            <p:ph type="sldNum" sz="quarter" idx="12"/>
           </p:nvPr>
         </p:nvSpPr>
         <p:spPr/>
@@ -7136,7 +8260,7 @@
           <a:p>
             <a:fld id="{C5EF2332-01BF-834F-8236-50238282D533}" type="slidenum">
               <a:rPr lang="en-US" smtClean="0"/>
-              <a:t>‹#›</a:t>
+              <a:t>3</a:t>
             </a:fld>
             <a:endParaRPr lang="en-US"/>
           </a:p>
@@ -7144,6 +8268,9 @@
       </p:sp>
     </p:spTree>
   </p:cSld>
+  <p:clrMapOvr>
+    <a:masterClrMapping/>
+  </p:clrMapOvr>
 </p:sld>
 </file>
 
@@ -7179,19 +8306,18 @@
           <a:bodyPr/>
           <a:lstStyle/>
           <a:p>
-            <a:pPr lvl="0" indent="0" marL="0">
+            <a:pPr marL="0" lvl="0" indent="0">
               <a:buNone/>
             </a:pPr>
             <a:r>
-              <a:rPr/>
-              <a:t>Median Student Loan Debt at College Exit Among Borrowers by Quintile of Family Income at Birth and Sex</a:t>
+              <a:t>Median Earnings by Educational Attainment and Sex</a:t>
             </a:r>
           </a:p>
         </p:txBody>
       </p:sp>
       <p:pic>
         <p:nvPicPr>
-          <p:cNvPr descr="BabyBonds-2024-07-25_files/figure-pptx/fig-med-stdebt-by-lhincquin-sex-45-brw-1.png" id="0" name="Picture 1"/>
+          <p:cNvPr id="3" name="Picture 1" descr="BabyBonds-2024-07-25_files/figure-pptx/fig-med-earn-by-educ-sex-45-1.png"/>
           <p:cNvPicPr>
             <a:picLocks noGrp="1" noChangeAspect="1"/>
           </p:cNvPicPr>
@@ -7226,7 +8352,7 @@
             <a:spLocks noGrp="1"/>
           </p:cNvSpPr>
           <p:nvPr>
-            <p:ph idx="12" sz="quarter" type="sldNum"/>
+            <p:ph type="sldNum" sz="quarter" idx="12"/>
           </p:nvPr>
         </p:nvSpPr>
         <p:spPr/>
@@ -7236,7 +8362,7 @@
           <a:p>
             <a:fld id="{C5EF2332-01BF-834F-8236-50238282D533}" type="slidenum">
               <a:rPr lang="en-US" smtClean="0"/>
-              <a:t>‹#›</a:t>
+              <a:t>30</a:t>
             </a:fld>
             <a:endParaRPr lang="en-US"/>
           </a:p>
@@ -7244,6 +8370,9 @@
       </p:sp>
     </p:spTree>
   </p:cSld>
+  <p:clrMapOvr>
+    <a:masterClrMapping/>
+  </p:clrMapOvr>
 </p:sld>
 </file>
 
@@ -7279,19 +8408,18 @@
           <a:bodyPr/>
           <a:lstStyle/>
           <a:p>
-            <a:pPr lvl="0" indent="0" marL="0">
+            <a:pPr marL="0" lvl="0" indent="0">
               <a:buNone/>
             </a:pPr>
             <a:r>
-              <a:rPr/>
-              <a:t>Average Earnings by Race/Ethnicity and Sex</a:t>
+              <a:t>Homeownership by Race/Ethnicity and Sex</a:t>
             </a:r>
           </a:p>
         </p:txBody>
       </p:sp>
       <p:pic>
         <p:nvPicPr>
-          <p:cNvPr descr="BabyBonds-2024-07-25_files/figure-pptx/fig-avg-earn-by-race-sex-45-1.png" id="0" name="Picture 1"/>
+          <p:cNvPr id="3" name="Picture 1" descr="BabyBonds-2024-07-25_files/figure-pptx/fig-homeown-by-race-sex-45-1.png"/>
           <p:cNvPicPr>
             <a:picLocks noGrp="1" noChangeAspect="1"/>
           </p:cNvPicPr>
@@ -7326,7 +8454,7 @@
             <a:spLocks noGrp="1"/>
           </p:cNvSpPr>
           <p:nvPr>
-            <p:ph idx="12" sz="quarter" type="sldNum"/>
+            <p:ph type="sldNum" sz="quarter" idx="12"/>
           </p:nvPr>
         </p:nvSpPr>
         <p:spPr/>
@@ -7336,7 +8464,7 @@
           <a:p>
             <a:fld id="{C5EF2332-01BF-834F-8236-50238282D533}" type="slidenum">
               <a:rPr lang="en-US" smtClean="0"/>
-              <a:t>‹#›</a:t>
+              <a:t>31</a:t>
             </a:fld>
             <a:endParaRPr lang="en-US"/>
           </a:p>
@@ -7344,6 +8472,9 @@
       </p:sp>
     </p:spTree>
   </p:cSld>
+  <p:clrMapOvr>
+    <a:masterClrMapping/>
+  </p:clrMapOvr>
 </p:sld>
 </file>
 
@@ -7379,19 +8510,18 @@
           <a:bodyPr/>
           <a:lstStyle/>
           <a:p>
-            <a:pPr lvl="0" indent="0" marL="0">
+            <a:pPr marL="0" lvl="0" indent="0">
               <a:buNone/>
             </a:pPr>
             <a:r>
-              <a:rPr/>
-              <a:t>Median Earnings by Race/Ethnicity and Sex</a:t>
+              <a:t>Average Home Equity by Race/Ethnicity and Sex</a:t>
             </a:r>
           </a:p>
         </p:txBody>
       </p:sp>
       <p:pic>
         <p:nvPicPr>
-          <p:cNvPr descr="BabyBonds-2024-07-25_files/figure-pptx/fig-med-earn-by-race-sex-45-1.png" id="0" name="Picture 1"/>
+          <p:cNvPr id="3" name="Picture 1" descr="BabyBonds-2024-07-25_files/figure-pptx/fig-avg-homeeq-by-race-sex-45-1.png"/>
           <p:cNvPicPr>
             <a:picLocks noGrp="1" noChangeAspect="1"/>
           </p:cNvPicPr>
@@ -7426,7 +8556,7 @@
             <a:spLocks noGrp="1"/>
           </p:cNvSpPr>
           <p:nvPr>
-            <p:ph idx="12" sz="quarter" type="sldNum"/>
+            <p:ph type="sldNum" sz="quarter" idx="12"/>
           </p:nvPr>
         </p:nvSpPr>
         <p:spPr/>
@@ -7436,7 +8566,7 @@
           <a:p>
             <a:fld id="{C5EF2332-01BF-834F-8236-50238282D533}" type="slidenum">
               <a:rPr lang="en-US" smtClean="0"/>
-              <a:t>‹#›</a:t>
+              <a:t>32</a:t>
             </a:fld>
             <a:endParaRPr lang="en-US"/>
           </a:p>
@@ -7444,6 +8574,9 @@
       </p:sp>
     </p:spTree>
   </p:cSld>
+  <p:clrMapOvr>
+    <a:masterClrMapping/>
+  </p:clrMapOvr>
 </p:sld>
 </file>
 
@@ -7479,19 +8612,18 @@
           <a:bodyPr/>
           <a:lstStyle/>
           <a:p>
-            <a:pPr lvl="0" indent="0" marL="0">
+            <a:pPr marL="0" lvl="0" indent="0">
               <a:buNone/>
             </a:pPr>
             <a:r>
-              <a:rPr/>
-              <a:t>Average Earnings by Educational Attainment and Sex</a:t>
+              <a:t>Median Home Equity by Race/Ethnicity and Sex</a:t>
             </a:r>
           </a:p>
         </p:txBody>
       </p:sp>
       <p:pic>
         <p:nvPicPr>
-          <p:cNvPr descr="BabyBonds-2024-07-25_files/figure-pptx/fig-avg-earn-by-educ-sex-45-1.png" id="0" name="Picture 1"/>
+          <p:cNvPr id="3" name="Picture 1" descr="BabyBonds-2024-07-25_files/figure-pptx/fig-med-homeeq-by-race-sex-45-1.png"/>
           <p:cNvPicPr>
             <a:picLocks noGrp="1" noChangeAspect="1"/>
           </p:cNvPicPr>
@@ -7526,7 +8658,7 @@
             <a:spLocks noGrp="1"/>
           </p:cNvSpPr>
           <p:nvPr>
-            <p:ph idx="12" sz="quarter" type="sldNum"/>
+            <p:ph type="sldNum" sz="quarter" idx="12"/>
           </p:nvPr>
         </p:nvSpPr>
         <p:spPr/>
@@ -7536,7 +8668,7 @@
           <a:p>
             <a:fld id="{C5EF2332-01BF-834F-8236-50238282D533}" type="slidenum">
               <a:rPr lang="en-US" smtClean="0"/>
-              <a:t>‹#›</a:t>
+              <a:t>33</a:t>
             </a:fld>
             <a:endParaRPr lang="en-US"/>
           </a:p>
@@ -7544,6 +8676,9 @@
       </p:sp>
     </p:spTree>
   </p:cSld>
+  <p:clrMapOvr>
+    <a:masterClrMapping/>
+  </p:clrMapOvr>
 </p:sld>
 </file>
 
@@ -7579,19 +8714,18 @@
           <a:bodyPr/>
           <a:lstStyle/>
           <a:p>
-            <a:pPr lvl="0" indent="0" marL="0">
+            <a:pPr marL="0" lvl="0" indent="0">
               <a:buNone/>
             </a:pPr>
             <a:r>
-              <a:rPr/>
-              <a:t>Median Earnings by Educational Attainment and Sex</a:t>
+              <a:t>Homeownership by by Quintile of Family Income at Birth and Sex</a:t>
             </a:r>
           </a:p>
         </p:txBody>
       </p:sp>
       <p:pic>
         <p:nvPicPr>
-          <p:cNvPr descr="BabyBonds-2024-07-25_files/figure-pptx/fig-med-earn-by-educ-sex-45-1.png" id="0" name="Picture 1"/>
+          <p:cNvPr id="3" name="Picture 1" descr="BabyBonds-2024-07-25_files/figure-pptx/fig-homeown-by-lhincquin-sex-45-1.png"/>
           <p:cNvPicPr>
             <a:picLocks noGrp="1" noChangeAspect="1"/>
           </p:cNvPicPr>
@@ -7626,7 +8760,7 @@
             <a:spLocks noGrp="1"/>
           </p:cNvSpPr>
           <p:nvPr>
-            <p:ph idx="12" sz="quarter" type="sldNum"/>
+            <p:ph type="sldNum" sz="quarter" idx="12"/>
           </p:nvPr>
         </p:nvSpPr>
         <p:spPr/>
@@ -7636,7 +8770,7 @@
           <a:p>
             <a:fld id="{C5EF2332-01BF-834F-8236-50238282D533}" type="slidenum">
               <a:rPr lang="en-US" smtClean="0"/>
-              <a:t>‹#›</a:t>
+              <a:t>34</a:t>
             </a:fld>
             <a:endParaRPr lang="en-US"/>
           </a:p>
@@ -7644,6 +8778,9 @@
       </p:sp>
     </p:spTree>
   </p:cSld>
+  <p:clrMapOvr>
+    <a:masterClrMapping/>
+  </p:clrMapOvr>
 </p:sld>
 </file>
 
@@ -7679,19 +8816,18 @@
           <a:bodyPr/>
           <a:lstStyle/>
           <a:p>
-            <a:pPr lvl="0" indent="0" marL="0">
+            <a:pPr marL="0" lvl="0" indent="0">
               <a:buNone/>
             </a:pPr>
             <a:r>
-              <a:rPr/>
-              <a:t>Homeownership by Race/Ethnicity and Sex</a:t>
+              <a:t>Average Home Equity by by Quintile of Family Income at Birth and Sex</a:t>
             </a:r>
           </a:p>
         </p:txBody>
       </p:sp>
       <p:pic>
         <p:nvPicPr>
-          <p:cNvPr descr="BabyBonds-2024-07-25_files/figure-pptx/fig-homeown-by-race-sex-45-1.png" id="0" name="Picture 1"/>
+          <p:cNvPr id="3" name="Picture 1" descr="BabyBonds-2024-07-25_files/figure-pptx/fig-avg-homeeq-by-lhincquin-sex-45-1.png"/>
           <p:cNvPicPr>
             <a:picLocks noGrp="1" noChangeAspect="1"/>
           </p:cNvPicPr>
@@ -7726,7 +8862,7 @@
             <a:spLocks noGrp="1"/>
           </p:cNvSpPr>
           <p:nvPr>
-            <p:ph idx="12" sz="quarter" type="sldNum"/>
+            <p:ph type="sldNum" sz="quarter" idx="12"/>
           </p:nvPr>
         </p:nvSpPr>
         <p:spPr/>
@@ -7736,7 +8872,7 @@
           <a:p>
             <a:fld id="{C5EF2332-01BF-834F-8236-50238282D533}" type="slidenum">
               <a:rPr lang="en-US" smtClean="0"/>
-              <a:t>‹#›</a:t>
+              <a:t>35</a:t>
             </a:fld>
             <a:endParaRPr lang="en-US"/>
           </a:p>
@@ -7744,6 +8880,9 @@
       </p:sp>
     </p:spTree>
   </p:cSld>
+  <p:clrMapOvr>
+    <a:masterClrMapping/>
+  </p:clrMapOvr>
 </p:sld>
 </file>
 
@@ -7779,19 +8918,18 @@
           <a:bodyPr/>
           <a:lstStyle/>
           <a:p>
-            <a:pPr lvl="0" indent="0" marL="0">
+            <a:pPr marL="0" lvl="0" indent="0">
               <a:buNone/>
             </a:pPr>
             <a:r>
-              <a:rPr/>
-              <a:t>Average Home Equity by Race/Ethnicity and Sex</a:t>
+              <a:t>Median Home Equity by by Quintile of Family Income at Birth and Sex</a:t>
             </a:r>
           </a:p>
         </p:txBody>
       </p:sp>
       <p:pic>
         <p:nvPicPr>
-          <p:cNvPr descr="BabyBonds-2024-07-25_files/figure-pptx/fig-avg-homeeq-by-race-sex-45-1.png" id="0" name="Picture 1"/>
+          <p:cNvPr id="3" name="Picture 1" descr="BabyBonds-2024-07-25_files/figure-pptx/fig-med-homeeq-by-lhincquin-sex-45-1.png"/>
           <p:cNvPicPr>
             <a:picLocks noGrp="1" noChangeAspect="1"/>
           </p:cNvPicPr>
@@ -7826,7 +8964,7 @@
             <a:spLocks noGrp="1"/>
           </p:cNvSpPr>
           <p:nvPr>
-            <p:ph idx="12" sz="quarter" type="sldNum"/>
+            <p:ph type="sldNum" sz="quarter" idx="12"/>
           </p:nvPr>
         </p:nvSpPr>
         <p:spPr/>
@@ -7836,7 +8974,7 @@
           <a:p>
             <a:fld id="{C5EF2332-01BF-834F-8236-50238282D533}" type="slidenum">
               <a:rPr lang="en-US" smtClean="0"/>
-              <a:t>‹#›</a:t>
+              <a:t>36</a:t>
             </a:fld>
             <a:endParaRPr lang="en-US"/>
           </a:p>
@@ -7844,6 +8982,9 @@
       </p:sp>
     </p:spTree>
   </p:cSld>
+  <p:clrMapOvr>
+    <a:masterClrMapping/>
+  </p:clrMapOvr>
 </p:sld>
 </file>
 
@@ -7874,51 +9015,25 @@
             <p:ph type="title"/>
           </p:nvPr>
         </p:nvSpPr>
-        <p:spPr/>
-        <p:txBody>
-          <a:bodyPr/>
-          <a:lstStyle/>
-          <a:p>
-            <a:pPr lvl="0" indent="0" marL="0">
+        <p:spPr>
+          <a:xfrm>
+            <a:off x="722313" y="3305176"/>
+            <a:ext cx="7772400" cy="1021556"/>
+          </a:xfrm>
+        </p:spPr>
+        <p:txBody>
+          <a:bodyPr/>
+          <a:lstStyle/>
+          <a:p>
+            <a:pPr marL="0" lvl="0" indent="0">
               <a:buNone/>
             </a:pPr>
             <a:r>
-              <a:rPr/>
-              <a:t>Median Home Equity by Race/Ethnicity and Sex</a:t>
-            </a:r>
-          </a:p>
-        </p:txBody>
-      </p:sp>
-      <p:pic>
-        <p:nvPicPr>
-          <p:cNvPr descr="BabyBonds-2024-07-25_files/figure-pptx/fig-med-homeeq-by-race-sex-45-1.png" id="0" name="Picture 1"/>
-          <p:cNvPicPr>
-            <a:picLocks noGrp="1" noChangeAspect="1"/>
-          </p:cNvPicPr>
-          <p:nvPr/>
-        </p:nvPicPr>
-        <p:blipFill>
-          <a:blip r:embed="rId2"/>
-          <a:stretch>
-            <a:fillRect/>
-          </a:stretch>
-        </p:blipFill>
-        <p:spPr bwMode="auto">
-          <a:xfrm>
-            <a:off x="1866900" y="1816100"/>
-            <a:ext cx="8458200" cy="4229100"/>
-          </a:xfrm>
-          <a:prstGeom prst="rect">
-            <a:avLst/>
-          </a:prstGeom>
-          <a:noFill/>
-          <a:ln w="9525">
-            <a:noFill/>
-            <a:headEnd/>
-            <a:tailEnd/>
-          </a:ln>
-        </p:spPr>
-      </p:pic>
+              <a:t>Results at Age 65</a:t>
+            </a:r>
+          </a:p>
+        </p:txBody>
+      </p:sp>
       <p:sp>
         <p:nvSpPr>
           <p:cNvPr id="6" name="Slide Number Placeholder 5"/>
@@ -7926,7 +9041,7 @@
             <a:spLocks noGrp="1"/>
           </p:cNvSpPr>
           <p:nvPr>
-            <p:ph idx="12" sz="quarter" type="sldNum"/>
+            <p:ph type="sldNum" sz="quarter" idx="12"/>
           </p:nvPr>
         </p:nvSpPr>
         <p:spPr/>
@@ -7936,7 +9051,7 @@
           <a:p>
             <a:fld id="{C5EF2332-01BF-834F-8236-50238282D533}" type="slidenum">
               <a:rPr lang="en-US" smtClean="0"/>
-              <a:t>‹#›</a:t>
+              <a:t>37</a:t>
             </a:fld>
             <a:endParaRPr lang="en-US"/>
           </a:p>
@@ -7944,6 +9059,9 @@
       </p:sp>
     </p:spTree>
   </p:cSld>
+  <p:clrMapOvr>
+    <a:masterClrMapping/>
+  </p:clrMapOvr>
 </p:sld>
 </file>
 
@@ -7979,19 +9097,18 @@
           <a:bodyPr/>
           <a:lstStyle/>
           <a:p>
-            <a:pPr lvl="0" indent="0" marL="0">
+            <a:pPr marL="0" lvl="0" indent="0">
               <a:buNone/>
             </a:pPr>
             <a:r>
-              <a:rPr/>
-              <a:t>Homeownership by by Quintile of Family Income at Birth and Sex</a:t>
+              <a:t>Average Per-Capita Retirement Savings by Race/Ethnicity</a:t>
             </a:r>
           </a:p>
         </p:txBody>
       </p:sp>
       <p:pic>
         <p:nvPicPr>
-          <p:cNvPr descr="BabyBonds-2024-07-25_files/figure-pptx/fig-homeown-by-lhincquin-sex-45-1.png" id="0" name="Picture 1"/>
+          <p:cNvPr id="3" name="Picture 1" descr="BabyBonds-2024-07-25_files/figure-pptx/fig-avg-retbal-by-race-sex-45-1.png"/>
           <p:cNvPicPr>
             <a:picLocks noGrp="1" noChangeAspect="1"/>
           </p:cNvPicPr>
@@ -8026,7 +9143,7 @@
             <a:spLocks noGrp="1"/>
           </p:cNvSpPr>
           <p:nvPr>
-            <p:ph idx="12" sz="quarter" type="sldNum"/>
+            <p:ph type="sldNum" sz="quarter" idx="12"/>
           </p:nvPr>
         </p:nvSpPr>
         <p:spPr/>
@@ -8036,7 +9153,7 @@
           <a:p>
             <a:fld id="{C5EF2332-01BF-834F-8236-50238282D533}" type="slidenum">
               <a:rPr lang="en-US" smtClean="0"/>
-              <a:t>‹#›</a:t>
+              <a:t>38</a:t>
             </a:fld>
             <a:endParaRPr lang="en-US"/>
           </a:p>
@@ -8044,6 +9161,9 @@
       </p:sp>
     </p:spTree>
   </p:cSld>
+  <p:clrMapOvr>
+    <a:masterClrMapping/>
+  </p:clrMapOvr>
 </p:sld>
 </file>
 
@@ -8079,19 +9199,18 @@
           <a:bodyPr/>
           <a:lstStyle/>
           <a:p>
-            <a:pPr lvl="0" indent="0" marL="0">
+            <a:pPr marL="0" lvl="0" indent="0">
               <a:buNone/>
             </a:pPr>
             <a:r>
-              <a:rPr/>
-              <a:t>Average Home Equity by by Quintile of Family Income at Birth and Sex</a:t>
+              <a:t>Median Per-Capita Retirement Savings by Race/Ethnicity</a:t>
             </a:r>
           </a:p>
         </p:txBody>
       </p:sp>
       <p:pic>
         <p:nvPicPr>
-          <p:cNvPr descr="BabyBonds-2024-07-25_files/figure-pptx/fig-avg-homeeq-by-lhincquin-sex-45-1.png" id="0" name="Picture 1"/>
+          <p:cNvPr id="3" name="Picture 1" descr="BabyBonds-2024-07-25_files/figure-pptx/fig-med-retbal-by-race-sex-45-1.png"/>
           <p:cNvPicPr>
             <a:picLocks noGrp="1" noChangeAspect="1"/>
           </p:cNvPicPr>
@@ -8126,7 +9245,7 @@
             <a:spLocks noGrp="1"/>
           </p:cNvSpPr>
           <p:nvPr>
-            <p:ph idx="12" sz="quarter" type="sldNum"/>
+            <p:ph type="sldNum" sz="quarter" idx="12"/>
           </p:nvPr>
         </p:nvSpPr>
         <p:spPr/>
@@ -8136,7 +9255,7 @@
           <a:p>
             <a:fld id="{C5EF2332-01BF-834F-8236-50238282D533}" type="slidenum">
               <a:rPr lang="en-US" smtClean="0"/>
-              <a:t>‹#›</a:t>
+              <a:t>39</a:t>
             </a:fld>
             <a:endParaRPr lang="en-US"/>
           </a:p>
@@ -8144,6 +9263,9 @@
       </p:sp>
     </p:spTree>
   </p:cSld>
+  <p:clrMapOvr>
+    <a:masterClrMapping/>
+  </p:clrMapOvr>
 </p:sld>
 </file>
 
@@ -8179,11 +9301,10 @@
           <a:bodyPr/>
           <a:lstStyle/>
           <a:p>
-            <a:pPr lvl="0" indent="0" marL="0">
+            <a:pPr marL="0" lvl="0" indent="0">
               <a:buNone/>
             </a:pPr>
             <a:r>
-              <a:rPr/>
               <a:t>Analysis (continued)</a:t>
             </a:r>
           </a:p>
@@ -8206,28 +9327,24 @@
           <a:p>
             <a:pPr lvl="0"/>
             <a:r>
-              <a:rPr/>
               <a:t>This analysis disaggregates outcomes along the following dimensions:</a:t>
             </a:r>
           </a:p>
           <a:p>
             <a:pPr lvl="1"/>
             <a:r>
-              <a:rPr/>
               <a:t>Sex,</a:t>
             </a:r>
           </a:p>
           <a:p>
             <a:pPr lvl="1"/>
             <a:r>
-              <a:rPr/>
               <a:t>Race/ethnicity (Non-Hispanic Black, Hispanic, and Non-Hispanic White), and</a:t>
             </a:r>
           </a:p>
           <a:p>
             <a:pPr lvl="1"/>
             <a:r>
-              <a:rPr/>
               <a:t>Quintile of family income at birth.</a:t>
             </a:r>
           </a:p>
@@ -8240,7 +9357,7 @@
             <a:spLocks noGrp="1"/>
           </p:cNvSpPr>
           <p:nvPr>
-            <p:ph idx="12" sz="quarter" type="sldNum"/>
+            <p:ph type="sldNum" sz="quarter" idx="12"/>
           </p:nvPr>
         </p:nvSpPr>
         <p:spPr/>
@@ -8250,7 +9367,7 @@
           <a:p>
             <a:fld id="{C5EF2332-01BF-834F-8236-50238282D533}" type="slidenum">
               <a:rPr lang="en-US" smtClean="0"/>
-              <a:t>‹#›</a:t>
+              <a:t>4</a:t>
             </a:fld>
             <a:endParaRPr lang="en-US"/>
           </a:p>
@@ -8258,6 +9375,9 @@
       </p:sp>
     </p:spTree>
   </p:cSld>
+  <p:clrMapOvr>
+    <a:masterClrMapping/>
+  </p:clrMapOvr>
 </p:sld>
 </file>
 
@@ -8293,19 +9413,18 @@
           <a:bodyPr/>
           <a:lstStyle/>
           <a:p>
-            <a:pPr lvl="0" indent="0" marL="0">
+            <a:pPr marL="0" lvl="0" indent="0">
               <a:buNone/>
             </a:pPr>
             <a:r>
-              <a:rPr/>
-              <a:t>Median Home Equity by by Quintile of Family Income at Birth and Sex</a:t>
+              <a:t>Average Per-Capita Retirement Savings by Family Income at Birth and Sex</a:t>
             </a:r>
           </a:p>
         </p:txBody>
       </p:sp>
       <p:pic>
         <p:nvPicPr>
-          <p:cNvPr descr="BabyBonds-2024-07-25_files/figure-pptx/fig-med-homeeq-by-lhincquin-sex-45-1.png" id="0" name="Picture 1"/>
+          <p:cNvPr id="3" name="Picture 1" descr="BabyBonds-2024-07-25_files/figure-pptx/fig-avg-retbal-by-lhincquin-sex-45-1.png"/>
           <p:cNvPicPr>
             <a:picLocks noGrp="1" noChangeAspect="1"/>
           </p:cNvPicPr>
@@ -8340,7 +9459,7 @@
             <a:spLocks noGrp="1"/>
           </p:cNvSpPr>
           <p:nvPr>
-            <p:ph idx="12" sz="quarter" type="sldNum"/>
+            <p:ph type="sldNum" sz="quarter" idx="12"/>
           </p:nvPr>
         </p:nvSpPr>
         <p:spPr/>
@@ -8350,7 +9469,7 @@
           <a:p>
             <a:fld id="{C5EF2332-01BF-834F-8236-50238282D533}" type="slidenum">
               <a:rPr lang="en-US" smtClean="0"/>
-              <a:t>‹#›</a:t>
+              <a:t>40</a:t>
             </a:fld>
             <a:endParaRPr lang="en-US"/>
           </a:p>
@@ -8358,6 +9477,9 @@
       </p:sp>
     </p:spTree>
   </p:cSld>
+  <p:clrMapOvr>
+    <a:masterClrMapping/>
+  </p:clrMapOvr>
 </p:sld>
 </file>
 
@@ -8388,26 +9510,50 @@
             <p:ph type="title"/>
           </p:nvPr>
         </p:nvSpPr>
-        <p:spPr>
-          <a:xfrm>
-            <a:off x="722313" y="3305176"/>
-            <a:ext cx="7772400" cy="1021556"/>
-          </a:xfrm>
-        </p:spPr>
-        <p:txBody>
-          <a:bodyPr/>
-          <a:lstStyle/>
-          <a:p>
-            <a:pPr lvl="0" indent="0" marL="0">
+        <p:spPr/>
+        <p:txBody>
+          <a:bodyPr/>
+          <a:lstStyle/>
+          <a:p>
+            <a:pPr marL="0" lvl="0" indent="0">
               <a:buNone/>
             </a:pPr>
             <a:r>
-              <a:rPr/>
-              <a:t>Results at Age 65</a:t>
-            </a:r>
-          </a:p>
-        </p:txBody>
-      </p:sp>
+              <a:t>Median Per-Capita Retirement Savings by Family Income at Birth and Sex</a:t>
+            </a:r>
+          </a:p>
+        </p:txBody>
+      </p:sp>
+      <p:pic>
+        <p:nvPicPr>
+          <p:cNvPr id="3" name="Picture 1" descr="BabyBonds-2024-07-25_files/figure-pptx/fig-med-retbal-by-lhincquin-sex-45-1.png"/>
+          <p:cNvPicPr>
+            <a:picLocks noGrp="1" noChangeAspect="1"/>
+          </p:cNvPicPr>
+          <p:nvPr/>
+        </p:nvPicPr>
+        <p:blipFill>
+          <a:blip r:embed="rId2"/>
+          <a:stretch>
+            <a:fillRect/>
+          </a:stretch>
+        </p:blipFill>
+        <p:spPr bwMode="auto">
+          <a:xfrm>
+            <a:off x="1866900" y="1816100"/>
+            <a:ext cx="8458200" cy="4229100"/>
+          </a:xfrm>
+          <a:prstGeom prst="rect">
+            <a:avLst/>
+          </a:prstGeom>
+          <a:noFill/>
+          <a:ln w="9525">
+            <a:noFill/>
+            <a:headEnd/>
+            <a:tailEnd/>
+          </a:ln>
+        </p:spPr>
+      </p:pic>
       <p:sp>
         <p:nvSpPr>
           <p:cNvPr id="6" name="Slide Number Placeholder 5"/>
@@ -8415,7 +9561,7 @@
             <a:spLocks noGrp="1"/>
           </p:cNvSpPr>
           <p:nvPr>
-            <p:ph idx="12" sz="quarter" type="sldNum"/>
+            <p:ph type="sldNum" sz="quarter" idx="12"/>
           </p:nvPr>
         </p:nvSpPr>
         <p:spPr/>
@@ -8425,7 +9571,7 @@
           <a:p>
             <a:fld id="{C5EF2332-01BF-834F-8236-50238282D533}" type="slidenum">
               <a:rPr lang="en-US" smtClean="0"/>
-              <a:t>‹#›</a:t>
+              <a:t>41</a:t>
             </a:fld>
             <a:endParaRPr lang="en-US"/>
           </a:p>
@@ -8433,6 +9579,9 @@
       </p:sp>
     </p:spTree>
   </p:cSld>
+  <p:clrMapOvr>
+    <a:masterClrMapping/>
+  </p:clrMapOvr>
 </p:sld>
 </file>
 
@@ -8468,19 +9617,18 @@
           <a:bodyPr/>
           <a:lstStyle/>
           <a:p>
-            <a:pPr lvl="0" indent="0" marL="0">
+            <a:pPr marL="0" lvl="0" indent="0">
               <a:buNone/>
             </a:pPr>
             <a:r>
-              <a:rPr/>
-              <a:t>Average Per-Capita Retirement Savings by Race/Ethnicity</a:t>
+              <a:t>Average Per-Capita Lifetime Earnings Savings by Race/Ethnicity</a:t>
             </a:r>
           </a:p>
         </p:txBody>
       </p:sp>
       <p:pic>
         <p:nvPicPr>
-          <p:cNvPr descr="BabyBonds-2024-07-25_files/figure-pptx/fig-avg-retbal-by-race-sex-45-1.png" id="0" name="Picture 1"/>
+          <p:cNvPr id="3" name="Picture 1" descr="BabyBonds-2024-07-25_files/figure-pptx/fig-avg-lifearn-by-race-sex-45-1.png"/>
           <p:cNvPicPr>
             <a:picLocks noGrp="1" noChangeAspect="1"/>
           </p:cNvPicPr>
@@ -8515,7 +9663,7 @@
             <a:spLocks noGrp="1"/>
           </p:cNvSpPr>
           <p:nvPr>
-            <p:ph idx="12" sz="quarter" type="sldNum"/>
+            <p:ph type="sldNum" sz="quarter" idx="12"/>
           </p:nvPr>
         </p:nvSpPr>
         <p:spPr/>
@@ -8525,7 +9673,7 @@
           <a:p>
             <a:fld id="{C5EF2332-01BF-834F-8236-50238282D533}" type="slidenum">
               <a:rPr lang="en-US" smtClean="0"/>
-              <a:t>‹#›</a:t>
+              <a:t>42</a:t>
             </a:fld>
             <a:endParaRPr lang="en-US"/>
           </a:p>
@@ -8533,6 +9681,9 @@
       </p:sp>
     </p:spTree>
   </p:cSld>
+  <p:clrMapOvr>
+    <a:masterClrMapping/>
+  </p:clrMapOvr>
 </p:sld>
 </file>
 
@@ -8568,19 +9719,18 @@
           <a:bodyPr/>
           <a:lstStyle/>
           <a:p>
-            <a:pPr lvl="0" indent="0" marL="0">
+            <a:pPr marL="0" lvl="0" indent="0">
               <a:buNone/>
             </a:pPr>
             <a:r>
-              <a:rPr/>
-              <a:t>Median Per-Capita Retirement Savings by Race/Ethnicity</a:t>
+              <a:t>Median Per-Capita Lifetime Earnings Savings by Race/Ethnicity</a:t>
             </a:r>
           </a:p>
         </p:txBody>
       </p:sp>
       <p:pic>
         <p:nvPicPr>
-          <p:cNvPr descr="BabyBonds-2024-07-25_files/figure-pptx/fig-med-retbal-by-race-sex-45-1.png" id="0" name="Picture 1"/>
+          <p:cNvPr id="3" name="Picture 1" descr="BabyBonds-2024-07-25_files/figure-pptx/fig-med-lifearn-by-race-sex-45-1.png"/>
           <p:cNvPicPr>
             <a:picLocks noGrp="1" noChangeAspect="1"/>
           </p:cNvPicPr>
@@ -8615,7 +9765,7 @@
             <a:spLocks noGrp="1"/>
           </p:cNvSpPr>
           <p:nvPr>
-            <p:ph idx="12" sz="quarter" type="sldNum"/>
+            <p:ph type="sldNum" sz="quarter" idx="12"/>
           </p:nvPr>
         </p:nvSpPr>
         <p:spPr/>
@@ -8625,7 +9775,7 @@
           <a:p>
             <a:fld id="{C5EF2332-01BF-834F-8236-50238282D533}" type="slidenum">
               <a:rPr lang="en-US" smtClean="0"/>
-              <a:t>‹#›</a:t>
+              <a:t>43</a:t>
             </a:fld>
             <a:endParaRPr lang="en-US"/>
           </a:p>
@@ -8633,6 +9783,9 @@
       </p:sp>
     </p:spTree>
   </p:cSld>
+  <p:clrMapOvr>
+    <a:masterClrMapping/>
+  </p:clrMapOvr>
 </p:sld>
 </file>
 
@@ -8668,46 +9821,49 @@
           <a:bodyPr/>
           <a:lstStyle/>
           <a:p>
-            <a:pPr lvl="0" indent="0" marL="0">
+            <a:pPr marL="0" lvl="0" indent="0">
               <a:buNone/>
             </a:pPr>
             <a:r>
-              <a:rPr/>
-              <a:t>Average Per-Capita Retirement Savings by Family Income at Birth and Sex</a:t>
-            </a:r>
-          </a:p>
-        </p:txBody>
-      </p:sp>
-      <p:pic>
-        <p:nvPicPr>
-          <p:cNvPr descr="BabyBonds-2024-07-25_files/figure-pptx/fig-avg-retbal-by-lhincquin-sex-45-1.png" id="0" name="Picture 1"/>
-          <p:cNvPicPr>
-            <a:picLocks noGrp="1" noChangeAspect="1"/>
-          </p:cNvPicPr>
-          <p:nvPr/>
-        </p:nvPicPr>
-        <p:blipFill>
-          <a:blip r:embed="rId2"/>
-          <a:stretch>
-            <a:fillRect/>
-          </a:stretch>
-        </p:blipFill>
-        <p:spPr bwMode="auto">
-          <a:xfrm>
-            <a:off x="1866900" y="1816100"/>
-            <a:ext cx="8458200" cy="4229100"/>
-          </a:xfrm>
-          <a:prstGeom prst="rect">
-            <a:avLst/>
-          </a:prstGeom>
-          <a:noFill/>
-          <a:ln w="9525">
-            <a:noFill/>
-            <a:headEnd/>
-            <a:tailEnd/>
-          </a:ln>
-        </p:spPr>
-      </p:pic>
+              <a:t>Conclusion</a:t>
+            </a:r>
+          </a:p>
+        </p:txBody>
+      </p:sp>
+      <p:sp>
+        <p:nvSpPr>
+          <p:cNvPr id="3" name="Content Placeholder 2"/>
+          <p:cNvSpPr>
+            <a:spLocks noGrp="1"/>
+          </p:cNvSpPr>
+          <p:nvPr>
+            <p:ph idx="1"/>
+          </p:nvPr>
+        </p:nvSpPr>
+        <p:spPr/>
+        <p:txBody>
+          <a:bodyPr/>
+          <a:lstStyle/>
+          <a:p>
+            <a:pPr lvl="0"/>
+            <a:r>
+              <a:t>The effect of baby bonds on college education is small and positive for4 people from lower-income families and for Black and Hispanic people.</a:t>
+            </a:r>
+          </a:p>
+          <a:p>
+            <a:pPr lvl="0"/>
+            <a:r>
+              <a:t>The biggest effect of baby bonds is on student debt. For all race-sex groups, they reduce the share of people who take this debt and they reduce the amount of debt for borrowers.</a:t>
+            </a:r>
+          </a:p>
+          <a:p>
+            <a:pPr lvl="0"/>
+            <a:r>
+              <a:t>The effect of baby bonds on earnings (annual and lifetime), homeownership rates, home equity, and retirement savings varies by race and sex, not only in magnitude but also in sign. Most likely, this is due to the random variation.</a:t>
+            </a:r>
+          </a:p>
+        </p:txBody>
+      </p:sp>
       <p:sp>
         <p:nvSpPr>
           <p:cNvPr id="6" name="Slide Number Placeholder 5"/>
@@ -8715,7 +9871,7 @@
             <a:spLocks noGrp="1"/>
           </p:cNvSpPr>
           <p:nvPr>
-            <p:ph idx="12" sz="quarter" type="sldNum"/>
+            <p:ph type="sldNum" sz="quarter" idx="12"/>
           </p:nvPr>
         </p:nvSpPr>
         <p:spPr/>
@@ -8725,7 +9881,7 @@
           <a:p>
             <a:fld id="{C5EF2332-01BF-834F-8236-50238282D533}" type="slidenum">
               <a:rPr lang="en-US" smtClean="0"/>
-              <a:t>‹#›</a:t>
+              <a:t>44</a:t>
             </a:fld>
             <a:endParaRPr lang="en-US"/>
           </a:p>
@@ -8733,413 +9889,9 @@
       </p:sp>
     </p:spTree>
   </p:cSld>
-</p:sld>
-</file>
-
-<file path=ppt/slides/slide45.xml><?xml version="1.0" encoding="utf-8"?>
-<p:sld xmlns:a="http://schemas.openxmlformats.org/drawingml/2006/main" xmlns:r="http://schemas.openxmlformats.org/officeDocument/2006/relationships" xmlns:p="http://schemas.openxmlformats.org/presentationml/2006/main">
-  <p:cSld>
-    <p:spTree>
-      <p:nvGrpSpPr>
-        <p:cNvPr id="1" name=""/>
-        <p:cNvGrpSpPr/>
-        <p:nvPr/>
-      </p:nvGrpSpPr>
-      <p:grpSpPr>
-        <a:xfrm>
-          <a:off x="0" y="0"/>
-          <a:ext cx="0" cy="0"/>
-          <a:chOff x="0" y="0"/>
-          <a:chExt cx="0" cy="0"/>
-        </a:xfrm>
-      </p:grpSpPr>
-      <p:sp>
-        <p:nvSpPr>
-          <p:cNvPr id="2" name="Title 1"/>
-          <p:cNvSpPr>
-            <a:spLocks noGrp="1"/>
-          </p:cNvSpPr>
-          <p:nvPr>
-            <p:ph type="title"/>
-          </p:nvPr>
-        </p:nvSpPr>
-        <p:spPr/>
-        <p:txBody>
-          <a:bodyPr/>
-          <a:lstStyle/>
-          <a:p>
-            <a:pPr lvl="0" indent="0" marL="0">
-              <a:buNone/>
-            </a:pPr>
-            <a:r>
-              <a:rPr/>
-              <a:t>Median Per-Capita Retirement Savings by Family Income at Birth and Sex</a:t>
-            </a:r>
-          </a:p>
-        </p:txBody>
-      </p:sp>
-      <p:pic>
-        <p:nvPicPr>
-          <p:cNvPr descr="BabyBonds-2024-07-25_files/figure-pptx/fig-med-retbal-by-lhincquin-sex-45-1.png" id="0" name="Picture 1"/>
-          <p:cNvPicPr>
-            <a:picLocks noGrp="1" noChangeAspect="1"/>
-          </p:cNvPicPr>
-          <p:nvPr/>
-        </p:nvPicPr>
-        <p:blipFill>
-          <a:blip r:embed="rId2"/>
-          <a:stretch>
-            <a:fillRect/>
-          </a:stretch>
-        </p:blipFill>
-        <p:spPr bwMode="auto">
-          <a:xfrm>
-            <a:off x="1866900" y="1816100"/>
-            <a:ext cx="8458200" cy="4229100"/>
-          </a:xfrm>
-          <a:prstGeom prst="rect">
-            <a:avLst/>
-          </a:prstGeom>
-          <a:noFill/>
-          <a:ln w="9525">
-            <a:noFill/>
-            <a:headEnd/>
-            <a:tailEnd/>
-          </a:ln>
-        </p:spPr>
-      </p:pic>
-      <p:sp>
-        <p:nvSpPr>
-          <p:cNvPr id="6" name="Slide Number Placeholder 5"/>
-          <p:cNvSpPr>
-            <a:spLocks noGrp="1"/>
-          </p:cNvSpPr>
-          <p:nvPr>
-            <p:ph idx="12" sz="quarter" type="sldNum"/>
-          </p:nvPr>
-        </p:nvSpPr>
-        <p:spPr/>
-        <p:txBody>
-          <a:bodyPr/>
-          <a:lstStyle/>
-          <a:p>
-            <a:fld id="{C5EF2332-01BF-834F-8236-50238282D533}" type="slidenum">
-              <a:rPr lang="en-US" smtClean="0"/>
-              <a:t>‹#›</a:t>
-            </a:fld>
-            <a:endParaRPr lang="en-US"/>
-          </a:p>
-        </p:txBody>
-      </p:sp>
-    </p:spTree>
-  </p:cSld>
-</p:sld>
-</file>
-
-<file path=ppt/slides/slide46.xml><?xml version="1.0" encoding="utf-8"?>
-<p:sld xmlns:a="http://schemas.openxmlformats.org/drawingml/2006/main" xmlns:r="http://schemas.openxmlformats.org/officeDocument/2006/relationships" xmlns:p="http://schemas.openxmlformats.org/presentationml/2006/main">
-  <p:cSld>
-    <p:spTree>
-      <p:nvGrpSpPr>
-        <p:cNvPr id="1" name=""/>
-        <p:cNvGrpSpPr/>
-        <p:nvPr/>
-      </p:nvGrpSpPr>
-      <p:grpSpPr>
-        <a:xfrm>
-          <a:off x="0" y="0"/>
-          <a:ext cx="0" cy="0"/>
-          <a:chOff x="0" y="0"/>
-          <a:chExt cx="0" cy="0"/>
-        </a:xfrm>
-      </p:grpSpPr>
-      <p:sp>
-        <p:nvSpPr>
-          <p:cNvPr id="2" name="Title 1"/>
-          <p:cNvSpPr>
-            <a:spLocks noGrp="1"/>
-          </p:cNvSpPr>
-          <p:nvPr>
-            <p:ph type="title"/>
-          </p:nvPr>
-        </p:nvSpPr>
-        <p:spPr/>
-        <p:txBody>
-          <a:bodyPr/>
-          <a:lstStyle/>
-          <a:p>
-            <a:pPr lvl="0" indent="0" marL="0">
-              <a:buNone/>
-            </a:pPr>
-            <a:r>
-              <a:rPr/>
-              <a:t>Average Per-Capita Lifetime Earnings Savings by Race/Ethnicity</a:t>
-            </a:r>
-          </a:p>
-        </p:txBody>
-      </p:sp>
-      <p:pic>
-        <p:nvPicPr>
-          <p:cNvPr descr="BabyBonds-2024-07-25_files/figure-pptx/fig-avg-lifearn-by-race-sex-45-1.png" id="0" name="Picture 1"/>
-          <p:cNvPicPr>
-            <a:picLocks noGrp="1" noChangeAspect="1"/>
-          </p:cNvPicPr>
-          <p:nvPr/>
-        </p:nvPicPr>
-        <p:blipFill>
-          <a:blip r:embed="rId2"/>
-          <a:stretch>
-            <a:fillRect/>
-          </a:stretch>
-        </p:blipFill>
-        <p:spPr bwMode="auto">
-          <a:xfrm>
-            <a:off x="1866900" y="1816100"/>
-            <a:ext cx="8458200" cy="4229100"/>
-          </a:xfrm>
-          <a:prstGeom prst="rect">
-            <a:avLst/>
-          </a:prstGeom>
-          <a:noFill/>
-          <a:ln w="9525">
-            <a:noFill/>
-            <a:headEnd/>
-            <a:tailEnd/>
-          </a:ln>
-        </p:spPr>
-      </p:pic>
-      <p:sp>
-        <p:nvSpPr>
-          <p:cNvPr id="6" name="Slide Number Placeholder 5"/>
-          <p:cNvSpPr>
-            <a:spLocks noGrp="1"/>
-          </p:cNvSpPr>
-          <p:nvPr>
-            <p:ph idx="12" sz="quarter" type="sldNum"/>
-          </p:nvPr>
-        </p:nvSpPr>
-        <p:spPr/>
-        <p:txBody>
-          <a:bodyPr/>
-          <a:lstStyle/>
-          <a:p>
-            <a:fld id="{C5EF2332-01BF-834F-8236-50238282D533}" type="slidenum">
-              <a:rPr lang="en-US" smtClean="0"/>
-              <a:t>‹#›</a:t>
-            </a:fld>
-            <a:endParaRPr lang="en-US"/>
-          </a:p>
-        </p:txBody>
-      </p:sp>
-    </p:spTree>
-  </p:cSld>
-</p:sld>
-</file>
-
-<file path=ppt/slides/slide47.xml><?xml version="1.0" encoding="utf-8"?>
-<p:sld xmlns:a="http://schemas.openxmlformats.org/drawingml/2006/main" xmlns:r="http://schemas.openxmlformats.org/officeDocument/2006/relationships" xmlns:p="http://schemas.openxmlformats.org/presentationml/2006/main">
-  <p:cSld>
-    <p:spTree>
-      <p:nvGrpSpPr>
-        <p:cNvPr id="1" name=""/>
-        <p:cNvGrpSpPr/>
-        <p:nvPr/>
-      </p:nvGrpSpPr>
-      <p:grpSpPr>
-        <a:xfrm>
-          <a:off x="0" y="0"/>
-          <a:ext cx="0" cy="0"/>
-          <a:chOff x="0" y="0"/>
-          <a:chExt cx="0" cy="0"/>
-        </a:xfrm>
-      </p:grpSpPr>
-      <p:sp>
-        <p:nvSpPr>
-          <p:cNvPr id="2" name="Title 1"/>
-          <p:cNvSpPr>
-            <a:spLocks noGrp="1"/>
-          </p:cNvSpPr>
-          <p:nvPr>
-            <p:ph type="title"/>
-          </p:nvPr>
-        </p:nvSpPr>
-        <p:spPr/>
-        <p:txBody>
-          <a:bodyPr/>
-          <a:lstStyle/>
-          <a:p>
-            <a:pPr lvl="0" indent="0" marL="0">
-              <a:buNone/>
-            </a:pPr>
-            <a:r>
-              <a:rPr/>
-              <a:t>Median Per-Capita Lifetime Earnings Savings by Race/Ethnicity</a:t>
-            </a:r>
-          </a:p>
-        </p:txBody>
-      </p:sp>
-      <p:pic>
-        <p:nvPicPr>
-          <p:cNvPr descr="BabyBonds-2024-07-25_files/figure-pptx/fig-med-lifearn-by-race-sex-45-1.png" id="0" name="Picture 1"/>
-          <p:cNvPicPr>
-            <a:picLocks noGrp="1" noChangeAspect="1"/>
-          </p:cNvPicPr>
-          <p:nvPr/>
-        </p:nvPicPr>
-        <p:blipFill>
-          <a:blip r:embed="rId2"/>
-          <a:stretch>
-            <a:fillRect/>
-          </a:stretch>
-        </p:blipFill>
-        <p:spPr bwMode="auto">
-          <a:xfrm>
-            <a:off x="1866900" y="1816100"/>
-            <a:ext cx="8458200" cy="4229100"/>
-          </a:xfrm>
-          <a:prstGeom prst="rect">
-            <a:avLst/>
-          </a:prstGeom>
-          <a:noFill/>
-          <a:ln w="9525">
-            <a:noFill/>
-            <a:headEnd/>
-            <a:tailEnd/>
-          </a:ln>
-        </p:spPr>
-      </p:pic>
-      <p:sp>
-        <p:nvSpPr>
-          <p:cNvPr id="6" name="Slide Number Placeholder 5"/>
-          <p:cNvSpPr>
-            <a:spLocks noGrp="1"/>
-          </p:cNvSpPr>
-          <p:nvPr>
-            <p:ph idx="12" sz="quarter" type="sldNum"/>
-          </p:nvPr>
-        </p:nvSpPr>
-        <p:spPr/>
-        <p:txBody>
-          <a:bodyPr/>
-          <a:lstStyle/>
-          <a:p>
-            <a:fld id="{C5EF2332-01BF-834F-8236-50238282D533}" type="slidenum">
-              <a:rPr lang="en-US" smtClean="0"/>
-              <a:t>‹#›</a:t>
-            </a:fld>
-            <a:endParaRPr lang="en-US"/>
-          </a:p>
-        </p:txBody>
-      </p:sp>
-    </p:spTree>
-  </p:cSld>
-</p:sld>
-</file>
-
-<file path=ppt/slides/slide48.xml><?xml version="1.0" encoding="utf-8"?>
-<p:sld xmlns:a="http://schemas.openxmlformats.org/drawingml/2006/main" xmlns:r="http://schemas.openxmlformats.org/officeDocument/2006/relationships" xmlns:p="http://schemas.openxmlformats.org/presentationml/2006/main">
-  <p:cSld>
-    <p:spTree>
-      <p:nvGrpSpPr>
-        <p:cNvPr id="1" name=""/>
-        <p:cNvGrpSpPr/>
-        <p:nvPr/>
-      </p:nvGrpSpPr>
-      <p:grpSpPr>
-        <a:xfrm>
-          <a:off x="0" y="0"/>
-          <a:ext cx="0" cy="0"/>
-          <a:chOff x="0" y="0"/>
-          <a:chExt cx="0" cy="0"/>
-        </a:xfrm>
-      </p:grpSpPr>
-      <p:sp>
-        <p:nvSpPr>
-          <p:cNvPr id="2" name="Title 1"/>
-          <p:cNvSpPr>
-            <a:spLocks noGrp="1"/>
-          </p:cNvSpPr>
-          <p:nvPr>
-            <p:ph type="title"/>
-          </p:nvPr>
-        </p:nvSpPr>
-        <p:spPr/>
-        <p:txBody>
-          <a:bodyPr/>
-          <a:lstStyle/>
-          <a:p>
-            <a:pPr lvl="0" indent="0" marL="0">
-              <a:buNone/>
-            </a:pPr>
-            <a:r>
-              <a:rPr/>
-              <a:t>Conclusion</a:t>
-            </a:r>
-          </a:p>
-        </p:txBody>
-      </p:sp>
-      <p:sp>
-        <p:nvSpPr>
-          <p:cNvPr id="3" name="Content Placeholder 2"/>
-          <p:cNvSpPr>
-            <a:spLocks noGrp="1"/>
-          </p:cNvSpPr>
-          <p:nvPr>
-            <p:ph idx="1"/>
-          </p:nvPr>
-        </p:nvSpPr>
-        <p:spPr/>
-        <p:txBody>
-          <a:bodyPr/>
-          <a:lstStyle/>
-          <a:p>
-            <a:pPr lvl="0"/>
-            <a:r>
-              <a:rPr/>
-              <a:t>The effect of baby bonds on college education is small and positive for4 people from lower-income families and for Black and Hispanic people.</a:t>
-            </a:r>
-          </a:p>
-          <a:p>
-            <a:pPr lvl="0"/>
-            <a:r>
-              <a:rPr/>
-              <a:t>The biggest effect of baby bonds is on student debt. For all race-sex groups, they reduce the share of people who take this debt and they reduce the amount of debt for borrowers.</a:t>
-            </a:r>
-          </a:p>
-          <a:p>
-            <a:pPr lvl="0"/>
-            <a:r>
-              <a:rPr/>
-              <a:t>The effect of baby bonds on earnings (annual and lifetime), homeownership rates, home equity, and retirement savings varies by race and sex, not only in magnitude but also in sign. Most likely, this is due to the random variation.</a:t>
-            </a:r>
-          </a:p>
-        </p:txBody>
-      </p:sp>
-      <p:sp>
-        <p:nvSpPr>
-          <p:cNvPr id="6" name="Slide Number Placeholder 5"/>
-          <p:cNvSpPr>
-            <a:spLocks noGrp="1"/>
-          </p:cNvSpPr>
-          <p:nvPr>
-            <p:ph idx="12" sz="quarter" type="sldNum"/>
-          </p:nvPr>
-        </p:nvSpPr>
-        <p:spPr/>
-        <p:txBody>
-          <a:bodyPr/>
-          <a:lstStyle/>
-          <a:p>
-            <a:fld id="{C5EF2332-01BF-834F-8236-50238282D533}" type="slidenum">
-              <a:rPr lang="en-US" smtClean="0"/>
-              <a:t>‹#›</a:t>
-            </a:fld>
-            <a:endParaRPr lang="en-US"/>
-          </a:p>
-        </p:txBody>
-      </p:sp>
-    </p:spTree>
-  </p:cSld>
+  <p:clrMapOvr>
+    <a:masterClrMapping/>
+  </p:clrMapOvr>
 </p:sld>
 </file>
 
@@ -9180,11 +9932,10 @@
           <a:bodyPr/>
           <a:lstStyle/>
           <a:p>
-            <a:pPr lvl="0" indent="0" marL="0">
+            <a:pPr marL="0" lvl="0" indent="0">
               <a:buNone/>
             </a:pPr>
             <a:r>
-              <a:rPr/>
               <a:t>Results at Age 18</a:t>
             </a:r>
           </a:p>
@@ -9197,7 +9948,7 @@
             <a:spLocks noGrp="1"/>
           </p:cNvSpPr>
           <p:nvPr>
-            <p:ph idx="12" sz="quarter" type="sldNum"/>
+            <p:ph type="sldNum" sz="quarter" idx="12"/>
           </p:nvPr>
         </p:nvSpPr>
         <p:spPr/>
@@ -9207,7 +9958,7 @@
           <a:p>
             <a:fld id="{C5EF2332-01BF-834F-8236-50238282D533}" type="slidenum">
               <a:rPr lang="en-US" smtClean="0"/>
-              <a:t>‹#›</a:t>
+              <a:t>5</a:t>
             </a:fld>
             <a:endParaRPr lang="en-US"/>
           </a:p>
@@ -9215,6 +9966,9 @@
       </p:sp>
     </p:spTree>
   </p:cSld>
+  <p:clrMapOvr>
+    <a:masterClrMapping/>
+  </p:clrMapOvr>
 </p:sld>
 </file>
 
@@ -9250,11 +10004,10 @@
           <a:bodyPr/>
           <a:lstStyle/>
           <a:p>
-            <a:pPr lvl="0" indent="0" marL="0">
+            <a:pPr marL="0" lvl="0" indent="0">
               <a:buNone/>
             </a:pPr>
             <a:r>
-              <a:rPr/>
               <a:t>Race/Ethnicity Shares by Quintile of Family Income at Birth</a:t>
             </a:r>
           </a:p>
@@ -9262,7 +10015,7 @@
       </p:sp>
       <p:pic>
         <p:nvPicPr>
-          <p:cNvPr descr="BabyBonds-2024-07-25_files/figure-pptx/fig-pop-by-race-thousands-18-1.png" id="0" name="Picture 1"/>
+          <p:cNvPr id="3" name="Picture 1" descr="BabyBonds-2024-07-25_files/figure-pptx/fig-pop-by-race-thousands-18-1.png"/>
           <p:cNvPicPr>
             <a:picLocks noGrp="1" noChangeAspect="1"/>
           </p:cNvPicPr>
@@ -9297,7 +10050,7 @@
             <a:spLocks noGrp="1"/>
           </p:cNvSpPr>
           <p:nvPr>
-            <p:ph idx="12" sz="quarter" type="sldNum"/>
+            <p:ph type="sldNum" sz="quarter" idx="12"/>
           </p:nvPr>
         </p:nvSpPr>
         <p:spPr/>
@@ -9307,7 +10060,7 @@
           <a:p>
             <a:fld id="{C5EF2332-01BF-834F-8236-50238282D533}" type="slidenum">
               <a:rPr lang="en-US" smtClean="0"/>
-              <a:t>‹#›</a:t>
+              <a:t>6</a:t>
             </a:fld>
             <a:endParaRPr lang="en-US"/>
           </a:p>
@@ -9315,6 +10068,9 @@
       </p:sp>
     </p:spTree>
   </p:cSld>
+  <p:clrMapOvr>
+    <a:masterClrMapping/>
+  </p:clrMapOvr>
 </p:sld>
 </file>
 
@@ -9350,11 +10106,10 @@
           <a:bodyPr/>
           <a:lstStyle/>
           <a:p>
-            <a:pPr lvl="0" indent="0" marL="0">
+            <a:pPr marL="0" lvl="0" indent="0">
               <a:buNone/>
             </a:pPr>
             <a:r>
-              <a:rPr/>
               <a:t>Shares of Quintile of Family Income at Birth by Race/Ethnicity</a:t>
             </a:r>
           </a:p>
@@ -9362,7 +10117,7 @@
       </p:sp>
       <p:pic>
         <p:nvPicPr>
-          <p:cNvPr descr="BabyBonds-2024-07-25_files/figure-pptx/fig-pop-by-lhincquin-thousands-18-1.png" id="0" name="Picture 1"/>
+          <p:cNvPr id="3" name="Picture 1" descr="BabyBonds-2024-07-25_files/figure-pptx/fig-pop-by-lhincquin-thousands-18-1.png"/>
           <p:cNvPicPr>
             <a:picLocks noGrp="1" noChangeAspect="1"/>
           </p:cNvPicPr>
@@ -9397,7 +10152,7 @@
             <a:spLocks noGrp="1"/>
           </p:cNvSpPr>
           <p:nvPr>
-            <p:ph idx="12" sz="quarter" type="sldNum"/>
+            <p:ph type="sldNum" sz="quarter" idx="12"/>
           </p:nvPr>
         </p:nvSpPr>
         <p:spPr/>
@@ -9407,7 +10162,7 @@
           <a:p>
             <a:fld id="{C5EF2332-01BF-834F-8236-50238282D533}" type="slidenum">
               <a:rPr lang="en-US" smtClean="0"/>
-              <a:t>‹#›</a:t>
+              <a:t>7</a:t>
             </a:fld>
             <a:endParaRPr lang="en-US"/>
           </a:p>
@@ -9415,6 +10170,9 @@
       </p:sp>
     </p:spTree>
   </p:cSld>
+  <p:clrMapOvr>
+    <a:masterClrMapping/>
+  </p:clrMapOvr>
 </p:sld>
 </file>
 
@@ -9450,11 +10208,10 @@
           <a:bodyPr/>
           <a:lstStyle/>
           <a:p>
-            <a:pPr lvl="0" indent="0" marL="0">
+            <a:pPr marL="0" lvl="0" indent="0">
               <a:buNone/>
             </a:pPr>
             <a:r>
-              <a:rPr/>
               <a:t>The Average Baby-Bonds Amount by Race/Ethnicity</a:t>
             </a:r>
           </a:p>
@@ -9462,7 +10219,7 @@
       </p:sp>
       <p:pic>
         <p:nvPicPr>
-          <p:cNvPr descr="BabyBonds-2024-07-25_files/figure-pptx/fig-babybonds-by-race-18-1.png" id="0" name="Picture 1"/>
+          <p:cNvPr id="3" name="Picture 1" descr="BabyBonds-2024-07-25_files/figure-pptx/fig-babybonds-by-race-18-1.png"/>
           <p:cNvPicPr>
             <a:picLocks noGrp="1" noChangeAspect="1"/>
           </p:cNvPicPr>
@@ -9497,7 +10254,7 @@
             <a:spLocks noGrp="1"/>
           </p:cNvSpPr>
           <p:nvPr>
-            <p:ph idx="12" sz="quarter" type="sldNum"/>
+            <p:ph type="sldNum" sz="quarter" idx="12"/>
           </p:nvPr>
         </p:nvSpPr>
         <p:spPr/>
@@ -9507,7 +10264,7 @@
           <a:p>
             <a:fld id="{C5EF2332-01BF-834F-8236-50238282D533}" type="slidenum">
               <a:rPr lang="en-US" smtClean="0"/>
-              <a:t>‹#›</a:t>
+              <a:t>8</a:t>
             </a:fld>
             <a:endParaRPr lang="en-US"/>
           </a:p>
@@ -9515,6 +10272,9 @@
       </p:sp>
     </p:spTree>
   </p:cSld>
+  <p:clrMapOvr>
+    <a:masterClrMapping/>
+  </p:clrMapOvr>
 </p:sld>
 </file>
 
@@ -9550,11 +10310,10 @@
           <a:bodyPr/>
           <a:lstStyle/>
           <a:p>
-            <a:pPr lvl="0" indent="0" marL="0">
+            <a:pPr marL="0" lvl="0" indent="0">
               <a:buNone/>
             </a:pPr>
             <a:r>
-              <a:rPr/>
               <a:t>Baby Bonds Amount by Quintile of Family Income at Birth and Race/Ethnicity</a:t>
             </a:r>
           </a:p>
@@ -9562,7 +10321,7 @@
       </p:sp>
       <p:pic>
         <p:nvPicPr>
-          <p:cNvPr descr="BabyBonds-2024-07-25_files/figure-pptx/fig-babybonds-by-race-lhincquin-18-1.png" id="0" name="Picture 1"/>
+          <p:cNvPr id="3" name="Picture 1" descr="BabyBonds-2024-07-25_files/figure-pptx/fig-babybonds-by-race-lhincquin-18-1.png"/>
           <p:cNvPicPr>
             <a:picLocks noGrp="1" noChangeAspect="1"/>
           </p:cNvPicPr>
@@ -9597,7 +10356,7 @@
             <a:spLocks noGrp="1"/>
           </p:cNvSpPr>
           <p:nvPr>
-            <p:ph idx="12" sz="quarter" type="sldNum"/>
+            <p:ph type="sldNum" sz="quarter" idx="12"/>
           </p:nvPr>
         </p:nvSpPr>
         <p:spPr/>
@@ -9607,7 +10366,7 @@
           <a:p>
             <a:fld id="{C5EF2332-01BF-834F-8236-50238282D533}" type="slidenum">
               <a:rPr lang="en-US" smtClean="0"/>
-              <a:t>‹#›</a:t>
+              <a:t>9</a:t>
             </a:fld>
             <a:endParaRPr lang="en-US"/>
           </a:p>
@@ -9615,6 +10374,9 @@
       </p:sp>
     </p:spTree>
   </p:cSld>
+  <p:clrMapOvr>
+    <a:masterClrMapping/>
+  </p:clrMapOvr>
 </p:sld>
 </file>
 
@@ -9830,44 +10592,44 @@
         <a:sysClr val="window" lastClr="FFFFFF"/>
       </a:lt1>
       <a:dk2>
-        <a:srgbClr val="44546A"/>
+        <a:srgbClr val="0E2841"/>
       </a:dk2>
       <a:lt2>
-        <a:srgbClr val="E7E6E6"/>
+        <a:srgbClr val="E8E8E8"/>
       </a:lt2>
       <a:accent1>
-        <a:srgbClr val="5B9BD5"/>
+        <a:srgbClr val="156082"/>
       </a:accent1>
       <a:accent2>
-        <a:srgbClr val="ED7D31"/>
+        <a:srgbClr val="E97132"/>
       </a:accent2>
       <a:accent3>
-        <a:srgbClr val="A5A5A5"/>
+        <a:srgbClr val="196B24"/>
       </a:accent3>
       <a:accent4>
-        <a:srgbClr val="FFC000"/>
+        <a:srgbClr val="0F9ED5"/>
       </a:accent4>
       <a:accent5>
-        <a:srgbClr val="4472C4"/>
+        <a:srgbClr val="A02B93"/>
       </a:accent5>
       <a:accent6>
-        <a:srgbClr val="70AD47"/>
+        <a:srgbClr val="4EA72E"/>
       </a:accent6>
       <a:hlink>
-        <a:srgbClr val="0563C1"/>
+        <a:srgbClr val="467886"/>
       </a:hlink>
       <a:folHlink>
-        <a:srgbClr val="954F72"/>
+        <a:srgbClr val="96607D"/>
       </a:folHlink>
     </a:clrScheme>
     <a:fontScheme name="Office">
       <a:majorFont>
-        <a:latin typeface="Calibri Light"/>
+        <a:latin typeface="Aptos Display" panose="02110004020202020204"/>
         <a:ea typeface=""/>
         <a:cs typeface=""/>
-        <a:font script="Jpan" typeface="Yu Gothic Light"/>
+        <a:font script="Jpan" typeface="游ゴシック Light"/>
         <a:font script="Hang" typeface="맑은 고딕"/>
-        <a:font script="Hans" typeface="DengXian Light"/>
+        <a:font script="Hans" typeface="等线 Light"/>
         <a:font script="Hant" typeface="新細明體"/>
         <a:font script="Arab" typeface="Times New Roman"/>
         <a:font script="Hebr" typeface="Times New Roman"/>
@@ -9895,14 +10657,31 @@
         <a:font script="Viet" typeface="Times New Roman"/>
         <a:font script="Uigh" typeface="Microsoft Uighur"/>
         <a:font script="Geor" typeface="Sylfaen"/>
+        <a:font script="Armn" typeface="Arial"/>
+        <a:font script="Bugi" typeface="Leelawadee UI"/>
+        <a:font script="Bopo" typeface="Microsoft JhengHei"/>
+        <a:font script="Java" typeface="Javanese Text"/>
+        <a:font script="Lisu" typeface="Segoe UI"/>
+        <a:font script="Mymr" typeface="Myanmar Text"/>
+        <a:font script="Nkoo" typeface="Ebrima"/>
+        <a:font script="Olck" typeface="Nirmala UI"/>
+        <a:font script="Osma" typeface="Ebrima"/>
+        <a:font script="Phag" typeface="Phagspa"/>
+        <a:font script="Syrn" typeface="Estrangelo Edessa"/>
+        <a:font script="Syrj" typeface="Estrangelo Edessa"/>
+        <a:font script="Syre" typeface="Estrangelo Edessa"/>
+        <a:font script="Sora" typeface="Nirmala UI"/>
+        <a:font script="Tale" typeface="Microsoft Tai Le"/>
+        <a:font script="Talu" typeface="Microsoft New Tai Lue"/>
+        <a:font script="Tfng" typeface="Ebrima"/>
       </a:majorFont>
       <a:minorFont>
-        <a:latin typeface="Calibri"/>
+        <a:latin typeface="Aptos" panose="02110004020202020204"/>
         <a:ea typeface=""/>
         <a:cs typeface=""/>
-        <a:font script="Jpan" typeface="Yu Gothic"/>
+        <a:font script="Jpan" typeface="游ゴシック"/>
         <a:font script="Hang" typeface="맑은 고딕"/>
-        <a:font script="Hans" typeface="DengXian"/>
+        <a:font script="Hans" typeface="等线"/>
         <a:font script="Hant" typeface="新細明體"/>
         <a:font script="Arab" typeface="Arial"/>
         <a:font script="Hebr" typeface="Arial"/>
@@ -9930,6 +10709,23 @@
         <a:font script="Viet" typeface="Arial"/>
         <a:font script="Uigh" typeface="Microsoft Uighur"/>
         <a:font script="Geor" typeface="Sylfaen"/>
+        <a:font script="Armn" typeface="Arial"/>
+        <a:font script="Bugi" typeface="Leelawadee UI"/>
+        <a:font script="Bopo" typeface="Microsoft JhengHei"/>
+        <a:font script="Java" typeface="Javanese Text"/>
+        <a:font script="Lisu" typeface="Segoe UI"/>
+        <a:font script="Mymr" typeface="Myanmar Text"/>
+        <a:font script="Nkoo" typeface="Ebrima"/>
+        <a:font script="Olck" typeface="Nirmala UI"/>
+        <a:font script="Osma" typeface="Ebrima"/>
+        <a:font script="Phag" typeface="Phagspa"/>
+        <a:font script="Syrn" typeface="Estrangelo Edessa"/>
+        <a:font script="Syrj" typeface="Estrangelo Edessa"/>
+        <a:font script="Syre" typeface="Estrangelo Edessa"/>
+        <a:font script="Sora" typeface="Nirmala UI"/>
+        <a:font script="Tale" typeface="Microsoft Tai Le"/>
+        <a:font script="Talu" typeface="Microsoft New Tai Lue"/>
+        <a:font script="Tfng" typeface="Ebrima"/>
       </a:minorFont>
     </a:fontScheme>
     <a:fmtScheme name="Office">
@@ -9991,13 +10787,6 @@
         </a:gradFill>
       </a:fillStyleLst>
       <a:lnStyleLst>
-        <a:ln w="6350" cap="flat" cmpd="sng" algn="ctr">
-          <a:solidFill>
-            <a:schemeClr val="phClr"/>
-          </a:solidFill>
-          <a:prstDash val="solid"/>
-          <a:miter lim="800000"/>
-        </a:ln>
         <a:ln w="12700" cap="flat" cmpd="sng" algn="ctr">
           <a:solidFill>
             <a:schemeClr val="phClr"/>
@@ -10006,6 +10795,13 @@
           <a:miter lim="800000"/>
         </a:ln>
         <a:ln w="19050" cap="flat" cmpd="sng" algn="ctr">
+          <a:solidFill>
+            <a:schemeClr val="phClr"/>
+          </a:solidFill>
+          <a:prstDash val="solid"/>
+          <a:miter lim="800000"/>
+        </a:ln>
+        <a:ln w="25400" cap="flat" cmpd="sng" algn="ctr">
           <a:solidFill>
             <a:schemeClr val="phClr"/>
           </a:solidFill>
@@ -10070,272 +10866,31 @@
       </a:bgFillStyleLst>
     </a:fmtScheme>
   </a:themeElements>
-  <a:objectDefaults/>
+  <a:objectDefaults>
+    <a:lnDef>
+      <a:spPr/>
+      <a:bodyPr/>
+      <a:lstStyle/>
+      <a:style>
+        <a:lnRef idx="2">
+          <a:schemeClr val="accent1"/>
+        </a:lnRef>
+        <a:fillRef idx="0">
+          <a:schemeClr val="accent1"/>
+        </a:fillRef>
+        <a:effectRef idx="1">
+          <a:schemeClr val="accent1"/>
+        </a:effectRef>
+        <a:fontRef idx="minor">
+          <a:schemeClr val="tx1"/>
+        </a:fontRef>
+      </a:style>
+    </a:lnDef>
+  </a:objectDefaults>
   <a:extraClrSchemeLst/>
   <a:extLst>
     <a:ext uri="{05A4C25C-085E-4340-85A3-A5531E510DB2}">
-      <thm15:themeFamily xmlns:thm15="http://schemas.microsoft.com/office/thememl/2012/main" name="Office Theme" id="{62F939B6-93AF-4DB8-9C6B-D6C7DFDC589F}" vid="{4A3C46E8-61CC-4603-A589-7422A47A8E4A}"/>
-    </a:ext>
-  </a:extLst>
-</a:theme>
-</file>
-
-<file path=ppt/theme/theme3.xml><?xml version="1.0" encoding="utf-8"?>
-<a:theme xmlns:a="http://schemas.openxmlformats.org/drawingml/2006/main" name="Office Theme">
-  <a:themeElements>
-    <a:clrScheme name="Office">
-      <a:dk1>
-        <a:sysClr val="windowText" lastClr="000000"/>
-      </a:dk1>
-      <a:lt1>
-        <a:sysClr val="window" lastClr="FFFFFF"/>
-      </a:lt1>
-      <a:dk2>
-        <a:srgbClr val="44546A"/>
-      </a:dk2>
-      <a:lt2>
-        <a:srgbClr val="E7E6E6"/>
-      </a:lt2>
-      <a:accent1>
-        <a:srgbClr val="4472C4"/>
-      </a:accent1>
-      <a:accent2>
-        <a:srgbClr val="ED7D31"/>
-      </a:accent2>
-      <a:accent3>
-        <a:srgbClr val="A5A5A5"/>
-      </a:accent3>
-      <a:accent4>
-        <a:srgbClr val="FFC000"/>
-      </a:accent4>
-      <a:accent5>
-        <a:srgbClr val="5B9BD5"/>
-      </a:accent5>
-      <a:accent6>
-        <a:srgbClr val="70AD47"/>
-      </a:accent6>
-      <a:hlink>
-        <a:srgbClr val="0563C1"/>
-      </a:hlink>
-      <a:folHlink>
-        <a:srgbClr val="954F72"/>
-      </a:folHlink>
-    </a:clrScheme>
-    <a:fontScheme name="Office">
-      <a:majorFont>
-        <a:latin typeface="Calibri Light"/>
-        <a:ea typeface=""/>
-        <a:cs typeface=""/>
-        <a:font script="Jpan" typeface="Yu Gothic Light"/>
-        <a:font script="Hang" typeface="맑은 고딕"/>
-        <a:font script="Hans" typeface="DengXian Light"/>
-        <a:font script="Hant" typeface="新細明體"/>
-        <a:font script="Arab" typeface="Times New Roman"/>
-        <a:font script="Hebr" typeface="Times New Roman"/>
-        <a:font script="Thai" typeface="Angsana New"/>
-        <a:font script="Ethi" typeface="Nyala"/>
-        <a:font script="Beng" typeface="Vrinda"/>
-        <a:font script="Gujr" typeface="Shruti"/>
-        <a:font script="Khmr" typeface="MoolBoran"/>
-        <a:font script="Knda" typeface="Tunga"/>
-        <a:font script="Guru" typeface="Raavi"/>
-        <a:font script="Cans" typeface="Euphemia"/>
-        <a:font script="Cher" typeface="Plantagenet Cherokee"/>
-        <a:font script="Yiii" typeface="Microsoft Yi Baiti"/>
-        <a:font script="Tibt" typeface="Microsoft Himalaya"/>
-        <a:font script="Thaa" typeface="MV Boli"/>
-        <a:font script="Deva" typeface="Mangal"/>
-        <a:font script="Telu" typeface="Gautami"/>
-        <a:font script="Taml" typeface="Latha"/>
-        <a:font script="Syrc" typeface="Estrangelo Edessa"/>
-        <a:font script="Orya" typeface="Kalinga"/>
-        <a:font script="Mlym" typeface="Kartika"/>
-        <a:font script="Laoo" typeface="DokChampa"/>
-        <a:font script="Sinh" typeface="Iskoola Pota"/>
-        <a:font script="Mong" typeface="Mongolian Baiti"/>
-        <a:font script="Viet" typeface="Times New Roman"/>
-        <a:font script="Uigh" typeface="Microsoft Uighur"/>
-        <a:font script="Geor" typeface="Sylfaen"/>
-      </a:majorFont>
-      <a:minorFont>
-        <a:latin typeface="Calibri"/>
-        <a:ea typeface=""/>
-        <a:cs typeface=""/>
-        <a:font script="Jpan" typeface="Yu Gothic"/>
-        <a:font script="Hang" typeface="맑은 고딕"/>
-        <a:font script="Hans" typeface="DengXian"/>
-        <a:font script="Hant" typeface="新細明體"/>
-        <a:font script="Arab" typeface="Arial"/>
-        <a:font script="Hebr" typeface="Arial"/>
-        <a:font script="Thai" typeface="Cordia New"/>
-        <a:font script="Ethi" typeface="Nyala"/>
-        <a:font script="Beng" typeface="Vrinda"/>
-        <a:font script="Gujr" typeface="Shruti"/>
-        <a:font script="Khmr" typeface="DaunPenh"/>
-        <a:font script="Knda" typeface="Tunga"/>
-        <a:font script="Guru" typeface="Raavi"/>
-        <a:font script="Cans" typeface="Euphemia"/>
-        <a:font script="Cher" typeface="Plantagenet Cherokee"/>
-        <a:font script="Yiii" typeface="Microsoft Yi Baiti"/>
-        <a:font script="Tibt" typeface="Microsoft Himalaya"/>
-        <a:font script="Thaa" typeface="MV Boli"/>
-        <a:font script="Deva" typeface="Mangal"/>
-        <a:font script="Telu" typeface="Gautami"/>
-        <a:font script="Taml" typeface="Latha"/>
-        <a:font script="Syrc" typeface="Estrangelo Edessa"/>
-        <a:font script="Orya" typeface="Kalinga"/>
-        <a:font script="Mlym" typeface="Kartika"/>
-        <a:font script="Laoo" typeface="DokChampa"/>
-        <a:font script="Sinh" typeface="Iskoola Pota"/>
-        <a:font script="Mong" typeface="Mongolian Baiti"/>
-        <a:font script="Viet" typeface="Arial"/>
-        <a:font script="Uigh" typeface="Microsoft Uighur"/>
-        <a:font script="Geor" typeface="Sylfaen"/>
-      </a:minorFont>
-    </a:fontScheme>
-    <a:fmtScheme name="Office">
-      <a:fillStyleLst>
-        <a:solidFill>
-          <a:schemeClr val="phClr"/>
-        </a:solidFill>
-        <a:gradFill rotWithShape="1">
-          <a:gsLst>
-            <a:gs pos="0">
-              <a:schemeClr val="phClr">
-                <a:lumMod val="110000"/>
-                <a:satMod val="105000"/>
-                <a:tint val="67000"/>
-              </a:schemeClr>
-            </a:gs>
-            <a:gs pos="50000">
-              <a:schemeClr val="phClr">
-                <a:lumMod val="105000"/>
-                <a:satMod val="103000"/>
-                <a:tint val="73000"/>
-              </a:schemeClr>
-            </a:gs>
-            <a:gs pos="100000">
-              <a:schemeClr val="phClr">
-                <a:lumMod val="105000"/>
-                <a:satMod val="109000"/>
-                <a:tint val="81000"/>
-              </a:schemeClr>
-            </a:gs>
-          </a:gsLst>
-          <a:lin ang="5400000" scaled="0"/>
-        </a:gradFill>
-        <a:gradFill rotWithShape="1">
-          <a:gsLst>
-            <a:gs pos="0">
-              <a:schemeClr val="phClr">
-                <a:satMod val="103000"/>
-                <a:lumMod val="102000"/>
-                <a:tint val="94000"/>
-              </a:schemeClr>
-            </a:gs>
-            <a:gs pos="50000">
-              <a:schemeClr val="phClr">
-                <a:satMod val="110000"/>
-                <a:lumMod val="100000"/>
-                <a:shade val="100000"/>
-              </a:schemeClr>
-            </a:gs>
-            <a:gs pos="100000">
-              <a:schemeClr val="phClr">
-                <a:lumMod val="99000"/>
-                <a:satMod val="120000"/>
-                <a:shade val="78000"/>
-              </a:schemeClr>
-            </a:gs>
-          </a:gsLst>
-          <a:lin ang="5400000" scaled="0"/>
-        </a:gradFill>
-      </a:fillStyleLst>
-      <a:lnStyleLst>
-        <a:ln w="6350" cap="flat" cmpd="sng" algn="ctr">
-          <a:solidFill>
-            <a:schemeClr val="phClr"/>
-          </a:solidFill>
-          <a:prstDash val="solid"/>
-          <a:miter lim="800000"/>
-        </a:ln>
-        <a:ln w="12700" cap="flat" cmpd="sng" algn="ctr">
-          <a:solidFill>
-            <a:schemeClr val="phClr"/>
-          </a:solidFill>
-          <a:prstDash val="solid"/>
-          <a:miter lim="800000"/>
-        </a:ln>
-        <a:ln w="19050" cap="flat" cmpd="sng" algn="ctr">
-          <a:solidFill>
-            <a:schemeClr val="phClr"/>
-          </a:solidFill>
-          <a:prstDash val="solid"/>
-          <a:miter lim="800000"/>
-        </a:ln>
-      </a:lnStyleLst>
-      <a:effectStyleLst>
-        <a:effectStyle>
-          <a:effectLst/>
-        </a:effectStyle>
-        <a:effectStyle>
-          <a:effectLst/>
-        </a:effectStyle>
-        <a:effectStyle>
-          <a:effectLst>
-            <a:outerShdw blurRad="57150" dist="19050" dir="5400000" algn="ctr" rotWithShape="0">
-              <a:srgbClr val="000000">
-                <a:alpha val="63000"/>
-              </a:srgbClr>
-            </a:outerShdw>
-          </a:effectLst>
-        </a:effectStyle>
-      </a:effectStyleLst>
-      <a:bgFillStyleLst>
-        <a:solidFill>
-          <a:schemeClr val="phClr"/>
-        </a:solidFill>
-        <a:solidFill>
-          <a:schemeClr val="phClr">
-            <a:tint val="95000"/>
-            <a:satMod val="170000"/>
-          </a:schemeClr>
-        </a:solidFill>
-        <a:gradFill rotWithShape="1">
-          <a:gsLst>
-            <a:gs pos="0">
-              <a:schemeClr val="phClr">
-                <a:tint val="93000"/>
-                <a:satMod val="150000"/>
-                <a:shade val="98000"/>
-                <a:lumMod val="102000"/>
-              </a:schemeClr>
-            </a:gs>
-            <a:gs pos="50000">
-              <a:schemeClr val="phClr">
-                <a:tint val="98000"/>
-                <a:satMod val="130000"/>
-                <a:shade val="90000"/>
-                <a:lumMod val="103000"/>
-              </a:schemeClr>
-            </a:gs>
-            <a:gs pos="100000">
-              <a:schemeClr val="phClr">
-                <a:shade val="63000"/>
-                <a:satMod val="120000"/>
-              </a:schemeClr>
-            </a:gs>
-          </a:gsLst>
-          <a:lin ang="5400000" scaled="0"/>
-        </a:gradFill>
-      </a:bgFillStyleLst>
-    </a:fmtScheme>
-  </a:themeElements>
-  <a:objectDefaults/>
-  <a:extraClrSchemeLst/>
-  <a:extLst>
-    <a:ext uri="{05A4C25C-085E-4340-85A3-A5531E510DB2}">
-      <thm15:themeFamily xmlns:thm15="http://schemas.microsoft.com/office/thememl/2012/main" name="Office Theme" id="{62F939B6-93AF-4DB8-9C6B-D6C7DFDC589F}" vid="{4A3C46E8-61CC-4603-A589-7422A47A8E4A}"/>
+      <thm15:themeFamily xmlns:thm15="http://schemas.microsoft.com/office/thememl/2012/main" name="Office Theme" id="{2E142A2C-CD16-42D6-873A-C26D2A0506FA}" vid="{1BDDFF52-6CD6-40A5-AB3C-68EB2F1E4D0A}"/>
     </a:ext>
   </a:extLst>
 </a:theme>
